--- a/Source Code/Documents/Presentation.pptx
+++ b/Source Code/Documents/Presentation.pptx
@@ -6,7 +6,7 @@
     <p:sldMasterId id="2147483672" r:id="rId2"/>
   </p:sldMasterIdLst>
   <p:notesMasterIdLst>
-    <p:notesMasterId r:id="rId19"/>
+    <p:notesMasterId r:id="rId30"/>
   </p:notesMasterIdLst>
   <p:sldIdLst>
     <p:sldId id="256" r:id="rId3"/>
@@ -14,17 +14,28 @@
     <p:sldId id="275" r:id="rId5"/>
     <p:sldId id="258" r:id="rId6"/>
     <p:sldId id="259" r:id="rId7"/>
-    <p:sldId id="269" r:id="rId8"/>
-    <p:sldId id="270" r:id="rId9"/>
-    <p:sldId id="262" r:id="rId10"/>
-    <p:sldId id="263" r:id="rId11"/>
-    <p:sldId id="272" r:id="rId12"/>
-    <p:sldId id="271" r:id="rId13"/>
-    <p:sldId id="273" r:id="rId14"/>
-    <p:sldId id="274" r:id="rId15"/>
-    <p:sldId id="267" r:id="rId16"/>
-    <p:sldId id="276" r:id="rId17"/>
-    <p:sldId id="268" r:id="rId18"/>
+    <p:sldId id="277" r:id="rId8"/>
+    <p:sldId id="278" r:id="rId9"/>
+    <p:sldId id="279" r:id="rId10"/>
+    <p:sldId id="281" r:id="rId11"/>
+    <p:sldId id="280" r:id="rId12"/>
+    <p:sldId id="282" r:id="rId13"/>
+    <p:sldId id="283" r:id="rId14"/>
+    <p:sldId id="284" r:id="rId15"/>
+    <p:sldId id="285" r:id="rId16"/>
+    <p:sldId id="286" r:id="rId17"/>
+    <p:sldId id="269" r:id="rId18"/>
+    <p:sldId id="270" r:id="rId19"/>
+    <p:sldId id="262" r:id="rId20"/>
+    <p:sldId id="267" r:id="rId21"/>
+    <p:sldId id="287" r:id="rId22"/>
+    <p:sldId id="276" r:id="rId23"/>
+    <p:sldId id="263" r:id="rId24"/>
+    <p:sldId id="272" r:id="rId25"/>
+    <p:sldId id="271" r:id="rId26"/>
+    <p:sldId id="273" r:id="rId27"/>
+    <p:sldId id="274" r:id="rId28"/>
+    <p:sldId id="268" r:id="rId29"/>
   </p:sldIdLst>
   <p:sldSz cx="12192000" cy="6858000"/>
   <p:notesSz cx="6858000" cy="9144000"/>
@@ -213,7 +224,7 @@
           <a:p>
             <a:fld id="{A7DA1150-7FFB-4742-A1EB-CAFA1A8B6EAC}" type="datetimeFigureOut">
               <a:rPr lang="en-US" smtClean="0"/>
-              <a:t>12/11/2019</a:t>
+              <a:t>12/12/2019</a:t>
             </a:fld>
             <a:endParaRPr lang="en-US"/>
           </a:p>
@@ -907,8 +918,92 @@
                 <a:ea typeface="+mn-ea"/>
                 <a:cs typeface="+mn-cs"/>
               </a:rPr>
-              <a:t>Mã nguồn mở và tập trung vào cộng đồng.</a:t>
-            </a:r>
+              <a:t>Mã nguồn mở và tập trung vào cộng </a:t>
+            </a:r>
+            <a:r>
+              <a:rPr lang="en-US" sz="1200" kern="1200" smtClean="0">
+                <a:solidFill>
+                  <a:schemeClr val="tx1"/>
+                </a:solidFill>
+                <a:effectLst/>
+                <a:latin typeface="+mn-lt"/>
+                <a:ea typeface="+mn-ea"/>
+                <a:cs typeface="+mn-cs"/>
+              </a:rPr>
+              <a:t>đồng</a:t>
+            </a:r>
+            <a:r>
+              <a:rPr lang="en-US" sz="1200" kern="1200" smtClean="0">
+                <a:solidFill>
+                  <a:schemeClr val="tx1"/>
+                </a:solidFill>
+                <a:effectLst/>
+                <a:latin typeface="+mn-lt"/>
+                <a:ea typeface="+mn-ea"/>
+                <a:cs typeface="+mn-cs"/>
+              </a:rPr>
+              <a:t>.</a:t>
+            </a:r>
+          </a:p>
+          <a:p>
+            <a:pPr lvl="0"/>
+            <a:endParaRPr lang="en-US" sz="1200" kern="1200" smtClean="0">
+              <a:solidFill>
+                <a:schemeClr val="tx1"/>
+              </a:solidFill>
+              <a:effectLst/>
+              <a:latin typeface="+mn-lt"/>
+              <a:ea typeface="+mn-ea"/>
+              <a:cs typeface="+mn-cs"/>
+            </a:endParaRPr>
+          </a:p>
+          <a:p>
+            <a:pPr lvl="0"/>
+            <a:r>
+              <a:rPr lang="en-US" sz="1200" kern="1200" smtClean="0">
+                <a:solidFill>
+                  <a:schemeClr val="tx1"/>
+                </a:solidFill>
+                <a:effectLst/>
+                <a:latin typeface="+mn-lt"/>
+                <a:ea typeface="+mn-ea"/>
+                <a:cs typeface="+mn-cs"/>
+              </a:rPr>
+              <a:t>Yêu</a:t>
+            </a:r>
+            <a:r>
+              <a:rPr lang="en-US" sz="1200" kern="1200" baseline="0" smtClean="0">
+                <a:solidFill>
+                  <a:schemeClr val="tx1"/>
+                </a:solidFill>
+                <a:effectLst/>
+                <a:latin typeface="+mn-lt"/>
+                <a:ea typeface="+mn-ea"/>
+                <a:cs typeface="+mn-cs"/>
+              </a:rPr>
+              <a:t> cầu: </a:t>
+            </a:r>
+            <a:r>
+              <a:rPr lang="vi-VN" sz="1200" kern="1200" baseline="0" smtClean="0">
+                <a:solidFill>
+                  <a:schemeClr val="tx1"/>
+                </a:solidFill>
+                <a:effectLst/>
+                <a:latin typeface="+mn-lt"/>
+                <a:ea typeface="+mn-ea"/>
+                <a:cs typeface="+mn-cs"/>
+              </a:rPr>
+              <a:t>Visual Studio bản 2017 15.9 hoặc cao hơn</a:t>
+            </a:r>
+            <a:endParaRPr lang="en-US" sz="1200" kern="1200" dirty="0" smtClean="0">
+              <a:solidFill>
+                <a:schemeClr val="tx1"/>
+              </a:solidFill>
+              <a:effectLst/>
+              <a:latin typeface="+mn-lt"/>
+              <a:ea typeface="+mn-ea"/>
+              <a:cs typeface="+mn-cs"/>
+            </a:endParaRPr>
           </a:p>
           <a:p>
             <a:endParaRPr lang="en-US" dirty="0"/>
@@ -995,6 +1090,231 @@
           <a:bodyPr/>
           <a:lstStyle/>
           <a:p>
+            <a:r>
+              <a:rPr lang="en-US" sz="1200" kern="1200" smtClean="0">
+                <a:solidFill>
+                  <a:schemeClr val="tx1"/>
+                </a:solidFill>
+                <a:effectLst/>
+                <a:latin typeface="+mn-lt"/>
+                <a:ea typeface="+mn-ea"/>
+                <a:cs typeface="+mn-cs"/>
+              </a:rPr>
+              <a:t>Mô hình MVC là viết tắt của Model – View – Controller. Trong đó Controller chính là trái tim của ứng dụng:</a:t>
+            </a:r>
+          </a:p>
+          <a:p>
+            <a:pPr lvl="0"/>
+            <a:r>
+              <a:rPr lang="en-US" sz="1200" kern="1200" smtClean="0">
+                <a:solidFill>
+                  <a:schemeClr val="tx1"/>
+                </a:solidFill>
+                <a:effectLst/>
+                <a:latin typeface="+mn-lt"/>
+                <a:ea typeface="+mn-ea"/>
+                <a:cs typeface="+mn-cs"/>
+              </a:rPr>
+              <a:t>+ Controller sẽ chịu trách nhiệm nhận các request được gửi lên từ người dùng, sau đó sẽ xử lý và điều hướng dữ liệu trả về.</a:t>
+            </a:r>
+          </a:p>
+          <a:p>
+            <a:pPr lvl="0"/>
+            <a:r>
+              <a:rPr lang="en-US" sz="1200" kern="1200" smtClean="0">
+                <a:solidFill>
+                  <a:schemeClr val="tx1"/>
+                </a:solidFill>
+                <a:effectLst/>
+                <a:latin typeface="+mn-lt"/>
+                <a:ea typeface="+mn-ea"/>
+                <a:cs typeface="+mn-cs"/>
+              </a:rPr>
+              <a:t>+ View đảm nhận công việc đơn giản hơn, nó chỉ có một nhiệm vụ duy nhất là chứa mã giao diện hoặc nhận dữ liệu trả về từ Controller.</a:t>
+            </a:r>
+          </a:p>
+          <a:p>
+            <a:r>
+              <a:rPr lang="en-US" sz="1200" kern="1200" smtClean="0">
+                <a:solidFill>
+                  <a:schemeClr val="tx1"/>
+                </a:solidFill>
+                <a:effectLst/>
+                <a:latin typeface="+mn-lt"/>
+                <a:ea typeface="+mn-ea"/>
+                <a:cs typeface="+mn-cs"/>
+              </a:rPr>
+              <a:t>+ Model thì chịu trách nhiệm tương tác với cơ sở dữ liệu, có thể là thực thi truy vấn thông thường hoặc trả về dữ liệu dạng đóng gói cho Controller xử lý và điều hướng.</a:t>
+            </a:r>
+          </a:p>
+          <a:p>
+            <a:endParaRPr lang="en-US" sz="1200" kern="1200" smtClean="0">
+              <a:solidFill>
+                <a:schemeClr val="tx1"/>
+              </a:solidFill>
+              <a:effectLst/>
+              <a:latin typeface="+mn-lt"/>
+              <a:ea typeface="+mn-ea"/>
+              <a:cs typeface="+mn-cs"/>
+            </a:endParaRPr>
+          </a:p>
+          <a:p>
+            <a:pPr lvl="0"/>
+            <a:r>
+              <a:rPr lang="vi-VN" sz="1200" kern="1200" smtClean="0">
+                <a:solidFill>
+                  <a:schemeClr val="tx1"/>
+                </a:solidFill>
+                <a:effectLst/>
+                <a:latin typeface="+mn-lt"/>
+                <a:ea typeface="+mn-ea"/>
+                <a:cs typeface="+mn-cs"/>
+              </a:rPr>
+              <a:t>MVC cho phép phát triển ứng dụng nhanh chóng. Chúng ta có thể tạo một Model trước và chuyển thông tin này cho nhóm phát triển giao diện người dùng. Họ có thể bắt đầu implement phần View song song với đội Back</a:t>
+            </a:r>
+            <a:r>
+              <a:rPr lang="en-US" sz="1200" kern="1200" smtClean="0">
+                <a:solidFill>
+                  <a:schemeClr val="tx1"/>
+                </a:solidFill>
+                <a:effectLst/>
+                <a:latin typeface="+mn-lt"/>
+                <a:ea typeface="+mn-ea"/>
+                <a:cs typeface="+mn-cs"/>
+              </a:rPr>
+              <a:t>-</a:t>
+            </a:r>
+            <a:r>
+              <a:rPr lang="vi-VN" sz="1200" kern="1200" smtClean="0">
+                <a:solidFill>
+                  <a:schemeClr val="tx1"/>
+                </a:solidFill>
+                <a:effectLst/>
+                <a:latin typeface="+mn-lt"/>
+                <a:ea typeface="+mn-ea"/>
+                <a:cs typeface="+mn-cs"/>
+              </a:rPr>
+              <a:t>end implement Controller và logic để phát triển nhanh hơn.</a:t>
+            </a:r>
+            <a:endParaRPr lang="en-US" sz="1200" kern="1200" smtClean="0">
+              <a:solidFill>
+                <a:schemeClr val="tx1"/>
+              </a:solidFill>
+              <a:effectLst/>
+              <a:latin typeface="+mn-lt"/>
+              <a:ea typeface="+mn-ea"/>
+              <a:cs typeface="+mn-cs"/>
+            </a:endParaRPr>
+          </a:p>
+          <a:p>
+            <a:pPr lvl="0"/>
+            <a:r>
+              <a:rPr lang="en-US" sz="1200" kern="1200" smtClean="0">
+                <a:solidFill>
+                  <a:schemeClr val="tx1"/>
+                </a:solidFill>
+                <a:effectLst/>
+                <a:latin typeface="+mn-lt"/>
+                <a:ea typeface="+mn-ea"/>
+                <a:cs typeface="+mn-cs"/>
+              </a:rPr>
+              <a:t>+</a:t>
+            </a:r>
+            <a:r>
+              <a:rPr lang="vi-VN" sz="1200" kern="1200" smtClean="0">
+                <a:solidFill>
+                  <a:schemeClr val="tx1"/>
+                </a:solidFill>
+                <a:effectLst/>
+                <a:latin typeface="+mn-lt"/>
+                <a:ea typeface="+mn-ea"/>
+                <a:cs typeface="+mn-cs"/>
+              </a:rPr>
+              <a:t>Giảm độ phức tạp của code.</a:t>
+            </a:r>
+            <a:endParaRPr lang="en-US" sz="1200" kern="1200" smtClean="0">
+              <a:solidFill>
+                <a:schemeClr val="tx1"/>
+              </a:solidFill>
+              <a:effectLst/>
+              <a:latin typeface="+mn-lt"/>
+              <a:ea typeface="+mn-ea"/>
+              <a:cs typeface="+mn-cs"/>
+            </a:endParaRPr>
+          </a:p>
+          <a:p>
+            <a:pPr lvl="0"/>
+            <a:r>
+              <a:rPr lang="en-US" sz="1200" kern="1200" smtClean="0">
+                <a:solidFill>
+                  <a:schemeClr val="tx1"/>
+                </a:solidFill>
+                <a:effectLst/>
+                <a:latin typeface="+mn-lt"/>
+                <a:ea typeface="+mn-ea"/>
+                <a:cs typeface="+mn-cs"/>
+              </a:rPr>
+              <a:t>+</a:t>
+            </a:r>
+            <a:r>
+              <a:rPr lang="vi-VN" sz="1200" kern="1200" smtClean="0">
+                <a:solidFill>
+                  <a:schemeClr val="tx1"/>
+                </a:solidFill>
+                <a:effectLst/>
+                <a:latin typeface="+mn-lt"/>
+                <a:ea typeface="+mn-ea"/>
+                <a:cs typeface="+mn-cs"/>
+              </a:rPr>
+              <a:t>Tăng khả năng tái sử dụng.</a:t>
+            </a:r>
+            <a:endParaRPr lang="en-US" sz="1200" kern="1200" smtClean="0">
+              <a:solidFill>
+                <a:schemeClr val="tx1"/>
+              </a:solidFill>
+              <a:effectLst/>
+              <a:latin typeface="+mn-lt"/>
+              <a:ea typeface="+mn-ea"/>
+              <a:cs typeface="+mn-cs"/>
+            </a:endParaRPr>
+          </a:p>
+          <a:p>
+            <a:pPr lvl="0"/>
+            <a:r>
+              <a:rPr lang="en-US" sz="1200" kern="1200" smtClean="0">
+                <a:solidFill>
+                  <a:schemeClr val="tx1"/>
+                </a:solidFill>
+                <a:effectLst/>
+                <a:latin typeface="+mn-lt"/>
+                <a:ea typeface="+mn-ea"/>
+                <a:cs typeface="+mn-cs"/>
+              </a:rPr>
+              <a:t>+</a:t>
+            </a:r>
+            <a:r>
+              <a:rPr lang="vi-VN" sz="1200" kern="1200" smtClean="0">
+                <a:solidFill>
+                  <a:schemeClr val="tx1"/>
+                </a:solidFill>
+                <a:effectLst/>
+                <a:latin typeface="+mn-lt"/>
+                <a:ea typeface="+mn-ea"/>
+                <a:cs typeface="+mn-cs"/>
+              </a:rPr>
+              <a:t>Giảm bớt sự phụ thuộc trong code, dễ bảo trì, dễ nâng cấp hơn.</a:t>
+            </a:r>
+            <a:endParaRPr lang="en-US" sz="1200" kern="1200" smtClean="0">
+              <a:solidFill>
+                <a:schemeClr val="tx1"/>
+              </a:solidFill>
+              <a:effectLst/>
+              <a:latin typeface="+mn-lt"/>
+              <a:ea typeface="+mn-ea"/>
+              <a:cs typeface="+mn-cs"/>
+            </a:endParaRPr>
+          </a:p>
+          <a:p>
             <a:endParaRPr lang="en-US"/>
           </a:p>
         </p:txBody>
@@ -1079,6 +1399,427 @@
           <a:bodyPr/>
           <a:lstStyle/>
           <a:p>
+            <a:r>
+              <a:rPr lang="vi-VN" sz="1200" b="0" i="0" kern="1200" smtClean="0">
+                <a:solidFill>
+                  <a:schemeClr val="tx1"/>
+                </a:solidFill>
+                <a:effectLst/>
+                <a:latin typeface="+mn-lt"/>
+                <a:ea typeface="+mn-ea"/>
+                <a:cs typeface="+mn-cs"/>
+              </a:rPr>
+              <a:t>BUILD là sự kiện các nhà phát triển thường niên của Microsoft, điều này làm cho các sản phẩm liên quan đến các nhà phát triển như Visual Studio và .NET trở thành chủ đề không thể thiếu của chương trình.</a:t>
+            </a:r>
+            <a:r>
+              <a:rPr lang="en-US" sz="1200" b="0" i="0" kern="1200" smtClean="0">
+                <a:solidFill>
+                  <a:schemeClr val="tx1"/>
+                </a:solidFill>
+                <a:effectLst/>
+                <a:latin typeface="+mn-lt"/>
+                <a:ea typeface="+mn-ea"/>
+                <a:cs typeface="+mn-cs"/>
+              </a:rPr>
+              <a:t> </a:t>
+            </a:r>
+            <a:r>
+              <a:rPr lang="vi-VN" sz="1200" b="0" i="0" kern="1200" smtClean="0">
+                <a:solidFill>
+                  <a:schemeClr val="tx1"/>
+                </a:solidFill>
+                <a:effectLst/>
+                <a:latin typeface="+mn-lt"/>
+                <a:ea typeface="+mn-ea"/>
+                <a:cs typeface="+mn-cs"/>
+              </a:rPr>
+              <a:t>ML.NET 0.1 đã được giới thiệu vào năm ngoái tại</a:t>
+            </a:r>
+            <a:r>
+              <a:rPr lang="en-US" sz="1200" b="0" i="0" kern="1200" smtClean="0">
+                <a:solidFill>
+                  <a:schemeClr val="tx1"/>
+                </a:solidFill>
+                <a:effectLst/>
+                <a:latin typeface="+mn-lt"/>
+                <a:ea typeface="+mn-ea"/>
+                <a:cs typeface="+mn-cs"/>
+              </a:rPr>
+              <a:t> sự</a:t>
+            </a:r>
+            <a:r>
+              <a:rPr lang="en-US" sz="1200" b="0" i="0" kern="1200" baseline="0" smtClean="0">
+                <a:solidFill>
+                  <a:schemeClr val="tx1"/>
+                </a:solidFill>
+                <a:effectLst/>
+                <a:latin typeface="+mn-lt"/>
+                <a:ea typeface="+mn-ea"/>
+                <a:cs typeface="+mn-cs"/>
+              </a:rPr>
+              <a:t> kiện</a:t>
+            </a:r>
+            <a:r>
+              <a:rPr lang="en-US" sz="1200" b="0" i="0" kern="1200" smtClean="0">
+                <a:solidFill>
+                  <a:schemeClr val="tx1"/>
+                </a:solidFill>
+                <a:effectLst/>
+                <a:latin typeface="+mn-lt"/>
+                <a:ea typeface="+mn-ea"/>
+                <a:cs typeface="+mn-cs"/>
+              </a:rPr>
+              <a:t> BUILD 2018</a:t>
+            </a:r>
+            <a:r>
+              <a:rPr lang="en-US" sz="1200" b="0" i="0" kern="1200" baseline="0" smtClean="0">
+                <a:solidFill>
+                  <a:schemeClr val="tx1"/>
+                </a:solidFill>
+                <a:effectLst/>
+                <a:latin typeface="+mn-lt"/>
+                <a:ea typeface="+mn-ea"/>
+                <a:cs typeface="+mn-cs"/>
+              </a:rPr>
+              <a:t> và sau quá trình 1 năm cũng vào sự kiện BUILD 2019, ML.NET được </a:t>
+            </a:r>
+            <a:r>
+              <a:rPr lang="en-US" sz="1200" b="0" i="0" kern="1200" smtClean="0">
+                <a:solidFill>
+                  <a:schemeClr val="tx1"/>
+                </a:solidFill>
+                <a:effectLst/>
+                <a:latin typeface="+mn-lt"/>
+                <a:ea typeface="+mn-ea"/>
+                <a:cs typeface="+mn-cs"/>
+              </a:rPr>
+              <a:t>công bố tiếp phiên bản 1.0.</a:t>
+            </a:r>
+          </a:p>
+          <a:p>
+            <a:endParaRPr lang="en-US" sz="1200" b="0" i="0" kern="1200" smtClean="0">
+              <a:solidFill>
+                <a:schemeClr val="tx1"/>
+              </a:solidFill>
+              <a:effectLst/>
+              <a:latin typeface="+mn-lt"/>
+              <a:ea typeface="+mn-ea"/>
+              <a:cs typeface="+mn-cs"/>
+            </a:endParaRPr>
+          </a:p>
+          <a:p>
+            <a:r>
+              <a:rPr lang="vi-VN" sz="1200" b="0" i="0" kern="1200" smtClean="0">
+                <a:solidFill>
+                  <a:schemeClr val="tx1"/>
+                </a:solidFill>
+                <a:effectLst/>
+                <a:latin typeface="+mn-lt"/>
+                <a:ea typeface="+mn-ea"/>
+                <a:cs typeface="+mn-cs"/>
+              </a:rPr>
+              <a:t>ML.NET là một framework mã nguồn mở và đa nền tảng chạy trên Windows, macOS và Linux. Phiên bản ML.NET nội bộ đã được chính Microsoft sử dụng trong gần một thập kỷ qua. Những sản phẩm có dấu chân của  ML.NET phải kể đến như Design Ideas của Powerpoint, Windows Hello, PowerBI Key Influencers, và Azure Machine Learning.</a:t>
+            </a:r>
+            <a:endParaRPr lang="en-US" sz="1200" b="0" i="0" kern="1200" smtClean="0">
+              <a:solidFill>
+                <a:schemeClr val="tx1"/>
+              </a:solidFill>
+              <a:effectLst/>
+              <a:latin typeface="+mn-lt"/>
+              <a:ea typeface="+mn-ea"/>
+              <a:cs typeface="+mn-cs"/>
+            </a:endParaRPr>
+          </a:p>
+          <a:p>
+            <a:endParaRPr lang="en-US" sz="1200" b="0" i="0" kern="1200" smtClean="0">
+              <a:solidFill>
+                <a:schemeClr val="tx1"/>
+              </a:solidFill>
+              <a:effectLst/>
+              <a:latin typeface="+mn-lt"/>
+              <a:ea typeface="+mn-ea"/>
+              <a:cs typeface="+mn-cs"/>
+            </a:endParaRPr>
+          </a:p>
+          <a:p>
+            <a:r>
+              <a:rPr lang="vi-VN" sz="1200" b="0" i="0" kern="1200" smtClean="0">
+                <a:solidFill>
+                  <a:schemeClr val="tx1"/>
+                </a:solidFill>
+                <a:effectLst/>
+                <a:latin typeface="+mn-lt"/>
+                <a:ea typeface="+mn-ea"/>
+                <a:cs typeface="+mn-cs"/>
+              </a:rPr>
+              <a:t>Framework này giúp cho các nhà phát triển .NET có thể truy cập vào</a:t>
+            </a:r>
+            <a:r>
+              <a:rPr lang="en-US" sz="1200" b="0" i="0" kern="1200" baseline="0" smtClean="0">
+                <a:solidFill>
+                  <a:schemeClr val="tx1"/>
+                </a:solidFill>
+                <a:effectLst/>
+                <a:latin typeface="+mn-lt"/>
+                <a:ea typeface="+mn-ea"/>
+                <a:cs typeface="+mn-cs"/>
+              </a:rPr>
+              <a:t> những thư viện cần thiết</a:t>
+            </a:r>
+            <a:r>
+              <a:rPr lang="vi-VN" sz="1200" b="0" i="0" kern="1200" smtClean="0">
+                <a:solidFill>
+                  <a:schemeClr val="tx1"/>
+                </a:solidFill>
+                <a:effectLst/>
+                <a:latin typeface="+mn-lt"/>
+                <a:ea typeface="+mn-ea"/>
+                <a:cs typeface="+mn-cs"/>
+              </a:rPr>
+              <a:t>, để họ có thể xây dựng AI trong các ứng dụng của họ thông qua các mô hình máy học tùy chỉnh. ML.NET cho phép các nhà phát triển tạo và sử dụng các mô hình máy học tập trung vào các kịch bản mục tiêu như phân tích tình cảm, phân loại vấn đề, dự báo, đề xuất, phát hiện gian lận, phân loại hình ảnh, v.v... ML.NET được đóng gói sẵn với một bộ các biến thể để xử lý dữ liệu, thuật toán ML, kiểu dữ liệu ML và các extensions..., cung cấp khả năng truy cập vào TensorFlow cho các tình huống deep learning và ONNX, cùng với các thứ khác.</a:t>
+            </a:r>
+            <a:endParaRPr lang="en-US" sz="1200" b="0" i="0" kern="1200" smtClean="0">
+              <a:solidFill>
+                <a:schemeClr val="tx1"/>
+              </a:solidFill>
+              <a:effectLst/>
+              <a:latin typeface="+mn-lt"/>
+              <a:ea typeface="+mn-ea"/>
+              <a:cs typeface="+mn-cs"/>
+            </a:endParaRPr>
+          </a:p>
+          <a:p>
+            <a:endParaRPr lang="en-US" sz="1200" b="0" i="0" kern="1200" smtClean="0">
+              <a:solidFill>
+                <a:schemeClr val="tx1"/>
+              </a:solidFill>
+              <a:effectLst/>
+              <a:latin typeface="+mn-lt"/>
+              <a:ea typeface="+mn-ea"/>
+              <a:cs typeface="+mn-cs"/>
+            </a:endParaRPr>
+          </a:p>
+          <a:p>
+            <a:r>
+              <a:rPr lang="vi-VN" sz="1200" b="0" i="0" kern="1200" smtClean="0">
+                <a:solidFill>
+                  <a:schemeClr val="tx1"/>
+                </a:solidFill>
+                <a:effectLst/>
+                <a:latin typeface="+mn-lt"/>
+                <a:ea typeface="+mn-ea"/>
+                <a:cs typeface="+mn-cs"/>
+              </a:rPr>
+              <a:t>Ngoài ra, Microsoft đang giới thiệu các tính năng ML mới và các công cụ trong Visual Studio. Automated Machine Learning (AutoML) (được cung cấp một bộ dữ liệu) sẽ tự động tìm ra các thuật toán tốt nhất để xây dựng các mô hình hoạt động tốt nhất. Bạn có thể tận dụng AutoML trong ML.NET bằng giao diện</a:t>
+            </a:r>
+            <a:r>
+              <a:rPr lang="en-US" sz="1200" b="0" i="0" kern="1200" smtClean="0">
+                <a:solidFill>
+                  <a:schemeClr val="tx1"/>
+                </a:solidFill>
+                <a:effectLst/>
+                <a:latin typeface="+mn-lt"/>
+                <a:ea typeface="+mn-ea"/>
+                <a:cs typeface="+mn-cs"/>
+              </a:rPr>
+              <a:t> UI</a:t>
+            </a:r>
+            <a:r>
+              <a:rPr lang="en-US" sz="1200" b="0" i="0" kern="1200" baseline="0" smtClean="0">
+                <a:solidFill>
+                  <a:schemeClr val="tx1"/>
+                </a:solidFill>
+                <a:effectLst/>
+                <a:latin typeface="+mn-lt"/>
+                <a:ea typeface="+mn-ea"/>
+                <a:cs typeface="+mn-cs"/>
+              </a:rPr>
+              <a:t> hoặc</a:t>
+            </a:r>
+            <a:r>
+              <a:rPr lang="vi-VN" sz="1200" b="0" i="0" kern="1200" smtClean="0">
+                <a:solidFill>
+                  <a:schemeClr val="tx1"/>
+                </a:solidFill>
+                <a:effectLst/>
+                <a:latin typeface="+mn-lt"/>
+                <a:ea typeface="+mn-ea"/>
+                <a:cs typeface="+mn-cs"/>
+              </a:rPr>
+              <a:t> command line của ML.NET, ML.NET Model Builder (một extension của Visual Studio) hoặc bằng cách sử dụng trực tiếp AutoML API.</a:t>
+            </a:r>
+            <a:endParaRPr lang="en-US" sz="1200" b="0" i="0" kern="1200" smtClean="0">
+              <a:solidFill>
+                <a:schemeClr val="tx1"/>
+              </a:solidFill>
+              <a:effectLst/>
+              <a:latin typeface="+mn-lt"/>
+              <a:ea typeface="+mn-ea"/>
+              <a:cs typeface="+mn-cs"/>
+            </a:endParaRPr>
+          </a:p>
+          <a:p>
+            <a:endParaRPr lang="en-US" sz="1200" b="0" i="0" kern="1200" smtClean="0">
+              <a:solidFill>
+                <a:schemeClr val="tx1"/>
+              </a:solidFill>
+              <a:effectLst/>
+              <a:latin typeface="+mn-lt"/>
+              <a:ea typeface="+mn-ea"/>
+              <a:cs typeface="+mn-cs"/>
+            </a:endParaRPr>
+          </a:p>
+          <a:p>
+            <a:r>
+              <a:rPr lang="en-US" sz="1200" b="1" i="0" kern="1200" smtClean="0">
+                <a:solidFill>
+                  <a:schemeClr val="tx1"/>
+                </a:solidFill>
+                <a:effectLst/>
+                <a:latin typeface="+mn-lt"/>
+                <a:ea typeface="+mn-ea"/>
+                <a:cs typeface="+mn-cs"/>
+              </a:rPr>
+              <a:t>Decision tree:</a:t>
+            </a:r>
+          </a:p>
+          <a:p>
+            <a:r>
+              <a:rPr lang="vi-VN" sz="1200" b="0" i="0" kern="1200" smtClean="0">
+                <a:solidFill>
+                  <a:schemeClr val="tx1"/>
+                </a:solidFill>
+                <a:effectLst/>
+                <a:latin typeface="+mn-lt"/>
+                <a:ea typeface="+mn-ea"/>
+                <a:cs typeface="+mn-cs"/>
+              </a:rPr>
+              <a:t>Việc quan sát, suy nghĩ và ra các quyết định của con người thường được bắt đầu từ các câu hỏi. Machine learning cũng có một mô hình ra quyết định dựa trên các câu hỏi. Mô hình này có tên là </a:t>
+            </a:r>
+            <a:r>
+              <a:rPr lang="vi-VN" sz="1200" b="0" i="1" kern="1200" smtClean="0">
+                <a:solidFill>
+                  <a:schemeClr val="tx1"/>
+                </a:solidFill>
+                <a:effectLst/>
+                <a:latin typeface="+mn-lt"/>
+                <a:ea typeface="+mn-ea"/>
+                <a:cs typeface="+mn-cs"/>
+              </a:rPr>
+              <a:t>cây quyết định</a:t>
+            </a:r>
+            <a:r>
+              <a:rPr lang="vi-VN" sz="1200" b="0" i="0" kern="1200" smtClean="0">
+                <a:solidFill>
+                  <a:schemeClr val="tx1"/>
+                </a:solidFill>
+                <a:effectLst/>
+                <a:latin typeface="+mn-lt"/>
+                <a:ea typeface="+mn-ea"/>
+                <a:cs typeface="+mn-cs"/>
+              </a:rPr>
+              <a:t> (</a:t>
+            </a:r>
+            <a:r>
+              <a:rPr lang="vi-VN" sz="1200" b="0" i="1" kern="1200" smtClean="0">
+                <a:solidFill>
+                  <a:schemeClr val="tx1"/>
+                </a:solidFill>
+                <a:effectLst/>
+                <a:latin typeface="+mn-lt"/>
+                <a:ea typeface="+mn-ea"/>
+                <a:cs typeface="+mn-cs"/>
+              </a:rPr>
+              <a:t>decision tree</a:t>
+            </a:r>
+            <a:r>
+              <a:rPr lang="vi-VN" sz="1200" b="0" i="0" kern="1200" smtClean="0">
+                <a:solidFill>
+                  <a:schemeClr val="tx1"/>
+                </a:solidFill>
+                <a:effectLst/>
+                <a:latin typeface="+mn-lt"/>
+                <a:ea typeface="+mn-ea"/>
+                <a:cs typeface="+mn-cs"/>
+              </a:rPr>
+              <a:t>).</a:t>
+            </a:r>
+            <a:endParaRPr lang="en-US" sz="1200" b="0" i="0" kern="1200" smtClean="0">
+              <a:solidFill>
+                <a:schemeClr val="tx1"/>
+              </a:solidFill>
+              <a:effectLst/>
+              <a:latin typeface="+mn-lt"/>
+              <a:ea typeface="+mn-ea"/>
+              <a:cs typeface="+mn-cs"/>
+            </a:endParaRPr>
+          </a:p>
+          <a:p>
+            <a:r>
+              <a:rPr lang="en-US" sz="1200" b="0" i="0" kern="1200" smtClean="0">
+                <a:solidFill>
+                  <a:schemeClr val="tx1"/>
+                </a:solidFill>
+                <a:effectLst/>
+                <a:latin typeface="+mn-lt"/>
+                <a:ea typeface="+mn-ea"/>
+                <a:cs typeface="+mn-cs"/>
+              </a:rPr>
+              <a:t>+ </a:t>
+            </a:r>
+            <a:r>
+              <a:rPr lang="vi-VN" sz="1200" b="0" i="0" kern="1200" smtClean="0">
+                <a:solidFill>
+                  <a:schemeClr val="tx1"/>
+                </a:solidFill>
+                <a:effectLst/>
+                <a:latin typeface="+mn-lt"/>
+                <a:ea typeface="+mn-ea"/>
+                <a:cs typeface="+mn-cs"/>
+              </a:rPr>
+              <a:t>Light GBM là một khung tăng cường độ dốc sử dụng thuật toán học dựa trên cây.</a:t>
+            </a:r>
+            <a:endParaRPr lang="en-US" sz="1200" b="0" i="0" kern="1200" smtClean="0">
+              <a:solidFill>
+                <a:schemeClr val="tx1"/>
+              </a:solidFill>
+              <a:effectLst/>
+              <a:latin typeface="+mn-lt"/>
+              <a:ea typeface="+mn-ea"/>
+              <a:cs typeface="+mn-cs"/>
+            </a:endParaRPr>
+          </a:p>
+          <a:p>
+            <a:r>
+              <a:rPr lang="en-US" sz="1200" b="0" i="0" kern="1200" smtClean="0">
+                <a:solidFill>
+                  <a:schemeClr val="tx1"/>
+                </a:solidFill>
+                <a:effectLst/>
+                <a:latin typeface="+mn-lt"/>
+                <a:ea typeface="+mn-ea"/>
+                <a:cs typeface="+mn-cs"/>
+              </a:rPr>
+              <a:t>+ Khả năng phục hồi dữ liệu không cân bằng. Điều chỉnh cao</a:t>
+            </a:r>
+            <a:endParaRPr lang="en-US" sz="1200" b="1" i="0" kern="1200" smtClean="0">
+              <a:solidFill>
+                <a:schemeClr val="tx1"/>
+              </a:solidFill>
+              <a:effectLst/>
+              <a:latin typeface="+mn-lt"/>
+              <a:ea typeface="+mn-ea"/>
+              <a:cs typeface="+mn-cs"/>
+            </a:endParaRPr>
+          </a:p>
+          <a:p>
+            <a:r>
+              <a:rPr lang="en-US" smtClean="0"/>
+              <a:t/>
+            </a:r>
+            <a:br>
+              <a:rPr lang="en-US" smtClean="0"/>
+            </a:br>
             <a:endParaRPr lang="en-US"/>
           </a:p>
         </p:txBody>
@@ -1100,7 +1841,439 @@
           <a:p>
             <a:fld id="{A05DCBE1-DEE6-450F-8E4E-269A502C64D9}" type="slidenum">
               <a:rPr lang="en-US" smtClean="0"/>
-              <a:t>8</a:t>
+              <a:t>5</a:t>
+            </a:fld>
+            <a:endParaRPr lang="en-US"/>
+          </a:p>
+        </p:txBody>
+      </p:sp>
+    </p:spTree>
+    <p:extLst>
+      <p:ext uri="{BB962C8B-B14F-4D97-AF65-F5344CB8AC3E}">
+        <p14:creationId xmlns:p14="http://schemas.microsoft.com/office/powerpoint/2010/main" val="4199442152"/>
+      </p:ext>
+    </p:extLst>
+  </p:cSld>
+  <p:clrMapOvr>
+    <a:masterClrMapping/>
+  </p:clrMapOvr>
+</p:notes>
+</file>
+
+<file path=ppt/notesSlides/notesSlide4.xml><?xml version="1.0" encoding="utf-8"?>
+<p:notes xmlns:a="http://schemas.openxmlformats.org/drawingml/2006/main" xmlns:r="http://schemas.openxmlformats.org/officeDocument/2006/relationships" xmlns:p="http://schemas.openxmlformats.org/presentationml/2006/main">
+  <p:cSld>
+    <p:spTree>
+      <p:nvGrpSpPr>
+        <p:cNvPr id="1" name=""/>
+        <p:cNvGrpSpPr/>
+        <p:nvPr/>
+      </p:nvGrpSpPr>
+      <p:grpSpPr>
+        <a:xfrm>
+          <a:off x="0" y="0"/>
+          <a:ext cx="0" cy="0"/>
+          <a:chOff x="0" y="0"/>
+          <a:chExt cx="0" cy="0"/>
+        </a:xfrm>
+      </p:grpSpPr>
+      <p:sp>
+        <p:nvSpPr>
+          <p:cNvPr id="2" name="Slide Image Placeholder 1"/>
+          <p:cNvSpPr>
+            <a:spLocks noGrp="1" noRot="1" noChangeAspect="1"/>
+          </p:cNvSpPr>
+          <p:nvPr>
+            <p:ph type="sldImg"/>
+          </p:nvPr>
+        </p:nvSpPr>
+        <p:spPr/>
+      </p:sp>
+      <p:sp>
+        <p:nvSpPr>
+          <p:cNvPr id="3" name="Notes Placeholder 2"/>
+          <p:cNvSpPr>
+            <a:spLocks noGrp="1"/>
+          </p:cNvSpPr>
+          <p:nvPr>
+            <p:ph type="body" idx="1"/>
+          </p:nvPr>
+        </p:nvSpPr>
+        <p:spPr/>
+        <p:txBody>
+          <a:bodyPr/>
+          <a:lstStyle/>
+          <a:p>
+            <a:r>
+              <a:rPr lang="vi-VN" sz="1200" b="1" i="1" kern="1200" smtClean="0">
+                <a:solidFill>
+                  <a:schemeClr val="tx1"/>
+                </a:solidFill>
+                <a:effectLst/>
+                <a:latin typeface="+mn-lt"/>
+                <a:ea typeface="+mn-ea"/>
+                <a:cs typeface="+mn-cs"/>
+              </a:rPr>
+              <a:t>Hệ số xác định (coefficient of determination)</a:t>
+            </a:r>
+            <a:r>
+              <a:rPr lang="vi-VN" sz="1200" b="0" i="0" kern="1200" smtClean="0">
+                <a:solidFill>
+                  <a:schemeClr val="tx1"/>
+                </a:solidFill>
+                <a:effectLst/>
+                <a:latin typeface="+mn-lt"/>
+                <a:ea typeface="+mn-ea"/>
+                <a:cs typeface="+mn-cs"/>
+              </a:rPr>
+              <a:t> thường ký hiệu là R</a:t>
+            </a:r>
+            <a:r>
+              <a:rPr lang="vi-VN" sz="1200" b="0" i="0" kern="1200" baseline="30000" smtClean="0">
+                <a:solidFill>
+                  <a:schemeClr val="tx1"/>
+                </a:solidFill>
+                <a:effectLst/>
+                <a:latin typeface="+mn-lt"/>
+                <a:ea typeface="+mn-ea"/>
+                <a:cs typeface="+mn-cs"/>
+              </a:rPr>
+              <a:t>2</a:t>
+            </a:r>
+            <a:r>
+              <a:rPr lang="vi-VN" sz="1200" b="0" i="0" kern="1200" smtClean="0">
+                <a:solidFill>
+                  <a:schemeClr val="tx1"/>
+                </a:solidFill>
+                <a:effectLst/>
+                <a:latin typeface="+mn-lt"/>
+                <a:ea typeface="+mn-ea"/>
+                <a:cs typeface="+mn-cs"/>
+              </a:rPr>
+              <a:t>, một con số thống kê tổng hợp khả năng giải thích của một phương trình. Nó biểu thị tỷ lệ biến thiên của biến phụ thuộc do tổng mức biến thiên của các biến giải thích gây ra và được tính bằng công thức:</a:t>
+            </a:r>
+            <a:r>
+              <a:rPr lang="en-US" sz="1200" b="0" i="0" kern="1200" smtClean="0">
+                <a:solidFill>
+                  <a:schemeClr val="tx1"/>
+                </a:solidFill>
+                <a:effectLst/>
+                <a:latin typeface="+mn-lt"/>
+                <a:ea typeface="+mn-ea"/>
+                <a:cs typeface="+mn-cs"/>
+              </a:rPr>
+              <a:t> R^2</a:t>
+            </a:r>
+            <a:r>
+              <a:rPr lang="en-US" sz="1200" b="0" i="0" kern="1200" baseline="0" smtClean="0">
+                <a:solidFill>
+                  <a:schemeClr val="tx1"/>
+                </a:solidFill>
+                <a:effectLst/>
+                <a:latin typeface="+mn-lt"/>
+                <a:ea typeface="+mn-ea"/>
+                <a:cs typeface="+mn-cs"/>
+              </a:rPr>
+              <a:t> = 1 – Ee^2/Ey^2 (Ee^2 là tổng các bình phương của phần dư và Ey^2 </a:t>
+            </a:r>
+            <a:r>
+              <a:rPr lang="vi-VN" sz="1200" b="0" i="0" kern="1200" baseline="0" smtClean="0">
+                <a:solidFill>
+                  <a:schemeClr val="tx1"/>
+                </a:solidFill>
+                <a:effectLst/>
+                <a:latin typeface="+mn-lt"/>
+                <a:ea typeface="+mn-ea"/>
+                <a:cs typeface="+mn-cs"/>
+              </a:rPr>
+              <a:t>là tổng các bình phương của biến độc lập</a:t>
+            </a:r>
+            <a:r>
+              <a:rPr lang="en-US" sz="1200" b="0" i="0" kern="1200" baseline="0" smtClean="0">
+                <a:solidFill>
+                  <a:schemeClr val="tx1"/>
+                </a:solidFill>
+                <a:effectLst/>
+                <a:latin typeface="+mn-lt"/>
+                <a:ea typeface="+mn-ea"/>
+                <a:cs typeface="+mn-cs"/>
+              </a:rPr>
+              <a:t>)</a:t>
+            </a:r>
+            <a:r>
+              <a:rPr lang="vi-VN" sz="1200" b="0" i="0" kern="1200" baseline="0" smtClean="0">
+                <a:solidFill>
+                  <a:schemeClr val="tx1"/>
+                </a:solidFill>
+                <a:effectLst/>
+                <a:latin typeface="+mn-lt"/>
+                <a:ea typeface="+mn-ea"/>
+                <a:cs typeface="+mn-cs"/>
+              </a:rPr>
+              <a:t>. Như vậy, </a:t>
+            </a:r>
+            <a:r>
+              <a:rPr lang="vi-VN" sz="1200" b="0" i="0" kern="1200" smtClean="0">
+                <a:solidFill>
+                  <a:schemeClr val="tx1"/>
+                </a:solidFill>
+                <a:effectLst/>
+                <a:latin typeface="+mn-lt"/>
+                <a:ea typeface="+mn-ea"/>
+                <a:cs typeface="+mn-cs"/>
+              </a:rPr>
+              <a:t>R</a:t>
+            </a:r>
+            <a:r>
+              <a:rPr lang="vi-VN" sz="1200" b="0" i="0" kern="1200" baseline="30000" smtClean="0">
+                <a:solidFill>
+                  <a:schemeClr val="tx1"/>
+                </a:solidFill>
+                <a:effectLst/>
+                <a:latin typeface="+mn-lt"/>
+                <a:ea typeface="+mn-ea"/>
+                <a:cs typeface="+mn-cs"/>
+              </a:rPr>
+              <a:t>2</a:t>
+            </a:r>
+            <a:r>
+              <a:rPr lang="vi-VN" sz="1200" b="0" i="0" kern="1200" baseline="0" smtClean="0">
+                <a:solidFill>
+                  <a:schemeClr val="tx1"/>
+                </a:solidFill>
+                <a:effectLst/>
+                <a:latin typeface="+mn-lt"/>
+                <a:ea typeface="+mn-ea"/>
+                <a:cs typeface="+mn-cs"/>
+              </a:rPr>
+              <a:t> phải nằm giữa 0 và 1. Khi </a:t>
+            </a:r>
+            <a:r>
+              <a:rPr lang="vi-VN" sz="1200" b="0" i="0" kern="1200" smtClean="0">
+                <a:solidFill>
+                  <a:schemeClr val="tx1"/>
+                </a:solidFill>
+                <a:effectLst/>
+                <a:latin typeface="+mn-lt"/>
+                <a:ea typeface="+mn-ea"/>
+                <a:cs typeface="+mn-cs"/>
+              </a:rPr>
+              <a:t>R</a:t>
+            </a:r>
+            <a:r>
+              <a:rPr lang="vi-VN" sz="1200" b="0" i="0" kern="1200" baseline="30000" smtClean="0">
+                <a:solidFill>
+                  <a:schemeClr val="tx1"/>
+                </a:solidFill>
+                <a:effectLst/>
+                <a:latin typeface="+mn-lt"/>
+                <a:ea typeface="+mn-ea"/>
+                <a:cs typeface="+mn-cs"/>
+              </a:rPr>
+              <a:t>2</a:t>
+            </a:r>
+            <a:r>
+              <a:rPr lang="vi-VN" sz="1200" b="0" i="0" kern="1200" baseline="0" smtClean="0">
+                <a:solidFill>
+                  <a:schemeClr val="tx1"/>
+                </a:solidFill>
+                <a:effectLst/>
+                <a:latin typeface="+mn-lt"/>
+                <a:ea typeface="+mn-ea"/>
+                <a:cs typeface="+mn-cs"/>
+              </a:rPr>
+              <a:t> càng gần 0, khả năng giải thích càng kém và điều ngược lại sẽ đúng khi các giá trị của nó tiến dần tới 1.</a:t>
+            </a:r>
+            <a:endParaRPr lang="en-US"/>
+          </a:p>
+        </p:txBody>
+      </p:sp>
+      <p:sp>
+        <p:nvSpPr>
+          <p:cNvPr id="4" name="Slide Number Placeholder 3"/>
+          <p:cNvSpPr>
+            <a:spLocks noGrp="1"/>
+          </p:cNvSpPr>
+          <p:nvPr>
+            <p:ph type="sldNum" sz="quarter" idx="10"/>
+          </p:nvPr>
+        </p:nvSpPr>
+        <p:spPr/>
+        <p:txBody>
+          <a:bodyPr/>
+          <a:lstStyle/>
+          <a:p>
+            <a:fld id="{A05DCBE1-DEE6-450F-8E4E-269A502C64D9}" type="slidenum">
+              <a:rPr lang="en-US" smtClean="0"/>
+              <a:t>12</a:t>
+            </a:fld>
+            <a:endParaRPr lang="en-US"/>
+          </a:p>
+        </p:txBody>
+      </p:sp>
+    </p:spTree>
+    <p:extLst>
+      <p:ext uri="{BB962C8B-B14F-4D97-AF65-F5344CB8AC3E}">
+        <p14:creationId xmlns:p14="http://schemas.microsoft.com/office/powerpoint/2010/main" val="1630670973"/>
+      </p:ext>
+    </p:extLst>
+  </p:cSld>
+  <p:clrMapOvr>
+    <a:masterClrMapping/>
+  </p:clrMapOvr>
+</p:notes>
+</file>
+
+<file path=ppt/notesSlides/notesSlide5.xml><?xml version="1.0" encoding="utf-8"?>
+<p:notes xmlns:a="http://schemas.openxmlformats.org/drawingml/2006/main" xmlns:r="http://schemas.openxmlformats.org/officeDocument/2006/relationships" xmlns:p="http://schemas.openxmlformats.org/presentationml/2006/main">
+  <p:cSld>
+    <p:spTree>
+      <p:nvGrpSpPr>
+        <p:cNvPr id="1" name=""/>
+        <p:cNvGrpSpPr/>
+        <p:nvPr/>
+      </p:nvGrpSpPr>
+      <p:grpSpPr>
+        <a:xfrm>
+          <a:off x="0" y="0"/>
+          <a:ext cx="0" cy="0"/>
+          <a:chOff x="0" y="0"/>
+          <a:chExt cx="0" cy="0"/>
+        </a:xfrm>
+      </p:grpSpPr>
+      <p:sp>
+        <p:nvSpPr>
+          <p:cNvPr id="2" name="Slide Image Placeholder 1"/>
+          <p:cNvSpPr>
+            <a:spLocks noGrp="1" noRot="1" noChangeAspect="1"/>
+          </p:cNvSpPr>
+          <p:nvPr>
+            <p:ph type="sldImg"/>
+          </p:nvPr>
+        </p:nvSpPr>
+        <p:spPr/>
+      </p:sp>
+      <p:sp>
+        <p:nvSpPr>
+          <p:cNvPr id="3" name="Notes Placeholder 2"/>
+          <p:cNvSpPr>
+            <a:spLocks noGrp="1"/>
+          </p:cNvSpPr>
+          <p:nvPr>
+            <p:ph type="body" idx="1"/>
+          </p:nvPr>
+        </p:nvSpPr>
+        <p:spPr/>
+        <p:txBody>
+          <a:bodyPr/>
+          <a:lstStyle/>
+          <a:p>
+            <a:endParaRPr lang="en-US"/>
+          </a:p>
+        </p:txBody>
+      </p:sp>
+      <p:sp>
+        <p:nvSpPr>
+          <p:cNvPr id="4" name="Slide Number Placeholder 3"/>
+          <p:cNvSpPr>
+            <a:spLocks noGrp="1"/>
+          </p:cNvSpPr>
+          <p:nvPr>
+            <p:ph type="sldNum" sz="quarter" idx="10"/>
+          </p:nvPr>
+        </p:nvSpPr>
+        <p:spPr/>
+        <p:txBody>
+          <a:bodyPr/>
+          <a:lstStyle/>
+          <a:p>
+            <a:fld id="{A05DCBE1-DEE6-450F-8E4E-269A502C64D9}" type="slidenum">
+              <a:rPr lang="en-US" smtClean="0"/>
+              <a:t>13</a:t>
+            </a:fld>
+            <a:endParaRPr lang="en-US"/>
+          </a:p>
+        </p:txBody>
+      </p:sp>
+    </p:spTree>
+    <p:extLst>
+      <p:ext uri="{BB962C8B-B14F-4D97-AF65-F5344CB8AC3E}">
+        <p14:creationId xmlns:p14="http://schemas.microsoft.com/office/powerpoint/2010/main" val="4113167531"/>
+      </p:ext>
+    </p:extLst>
+  </p:cSld>
+  <p:clrMapOvr>
+    <a:masterClrMapping/>
+  </p:clrMapOvr>
+</p:notes>
+</file>
+
+<file path=ppt/notesSlides/notesSlide6.xml><?xml version="1.0" encoding="utf-8"?>
+<p:notes xmlns:a="http://schemas.openxmlformats.org/drawingml/2006/main" xmlns:r="http://schemas.openxmlformats.org/officeDocument/2006/relationships" xmlns:p="http://schemas.openxmlformats.org/presentationml/2006/main">
+  <p:cSld>
+    <p:spTree>
+      <p:nvGrpSpPr>
+        <p:cNvPr id="1" name=""/>
+        <p:cNvGrpSpPr/>
+        <p:nvPr/>
+      </p:nvGrpSpPr>
+      <p:grpSpPr>
+        <a:xfrm>
+          <a:off x="0" y="0"/>
+          <a:ext cx="0" cy="0"/>
+          <a:chOff x="0" y="0"/>
+          <a:chExt cx="0" cy="0"/>
+        </a:xfrm>
+      </p:grpSpPr>
+      <p:sp>
+        <p:nvSpPr>
+          <p:cNvPr id="2" name="Slide Image Placeholder 1"/>
+          <p:cNvSpPr>
+            <a:spLocks noGrp="1" noRot="1" noChangeAspect="1"/>
+          </p:cNvSpPr>
+          <p:nvPr>
+            <p:ph type="sldImg"/>
+          </p:nvPr>
+        </p:nvSpPr>
+        <p:spPr/>
+      </p:sp>
+      <p:sp>
+        <p:nvSpPr>
+          <p:cNvPr id="3" name="Notes Placeholder 2"/>
+          <p:cNvSpPr>
+            <a:spLocks noGrp="1"/>
+          </p:cNvSpPr>
+          <p:nvPr>
+            <p:ph type="body" idx="1"/>
+          </p:nvPr>
+        </p:nvSpPr>
+        <p:spPr/>
+        <p:txBody>
+          <a:bodyPr/>
+          <a:lstStyle/>
+          <a:p>
+            <a:endParaRPr lang="en-US"/>
+          </a:p>
+        </p:txBody>
+      </p:sp>
+      <p:sp>
+        <p:nvSpPr>
+          <p:cNvPr id="4" name="Slide Number Placeholder 3"/>
+          <p:cNvSpPr>
+            <a:spLocks noGrp="1"/>
+          </p:cNvSpPr>
+          <p:nvPr>
+            <p:ph type="sldNum" sz="quarter" idx="10"/>
+          </p:nvPr>
+        </p:nvSpPr>
+        <p:spPr/>
+        <p:txBody>
+          <a:bodyPr/>
+          <a:lstStyle/>
+          <a:p>
+            <a:fld id="{A05DCBE1-DEE6-450F-8E4E-269A502C64D9}" type="slidenum">
+              <a:rPr lang="en-US" smtClean="0"/>
+              <a:t>18</a:t>
             </a:fld>
             <a:endParaRPr lang="en-US"/>
           </a:p>
@@ -1345,7 +2518,7 @@
           <a:p>
             <a:fld id="{E1CC510F-F8B8-45B6-A771-DBA6887DCFC7}" type="datetimeFigureOut">
               <a:rPr lang="en-US" smtClean="0"/>
-              <a:t>12/11/2019</a:t>
+              <a:t>12/12/2019</a:t>
             </a:fld>
             <a:endParaRPr lang="en-US"/>
           </a:p>
@@ -1553,7 +2726,7 @@
           <a:p>
             <a:fld id="{E1CC510F-F8B8-45B6-A771-DBA6887DCFC7}" type="datetimeFigureOut">
               <a:rPr lang="en-US" smtClean="0"/>
-              <a:t>12/11/2019</a:t>
+              <a:t>12/12/2019</a:t>
             </a:fld>
             <a:endParaRPr lang="en-US"/>
           </a:p>
@@ -1809,7 +2982,7 @@
           <a:p>
             <a:fld id="{E1CC510F-F8B8-45B6-A771-DBA6887DCFC7}" type="datetimeFigureOut">
               <a:rPr lang="en-US" smtClean="0"/>
-              <a:t>12/11/2019</a:t>
+              <a:t>12/12/2019</a:t>
             </a:fld>
             <a:endParaRPr lang="en-US"/>
           </a:p>
@@ -2001,7 +3174,7 @@
           <a:p>
             <a:fld id="{E1CC510F-F8B8-45B6-A771-DBA6887DCFC7}" type="datetimeFigureOut">
               <a:rPr lang="en-US" smtClean="0"/>
-              <a:t>12/11/2019</a:t>
+              <a:t>12/12/2019</a:t>
             </a:fld>
             <a:endParaRPr lang="en-US"/>
           </a:p>
@@ -2171,7 +3344,7 @@
           <a:p>
             <a:fld id="{E1CC510F-F8B8-45B6-A771-DBA6887DCFC7}" type="datetimeFigureOut">
               <a:rPr lang="en-US" smtClean="0"/>
-              <a:t>12/11/2019</a:t>
+              <a:t>12/12/2019</a:t>
             </a:fld>
             <a:endParaRPr lang="en-US"/>
           </a:p>
@@ -2417,7 +3590,7 @@
           <a:p>
             <a:fld id="{E1CC510F-F8B8-45B6-A771-DBA6887DCFC7}" type="datetimeFigureOut">
               <a:rPr lang="en-US" smtClean="0"/>
-              <a:t>12/11/2019</a:t>
+              <a:t>12/12/2019</a:t>
             </a:fld>
             <a:endParaRPr lang="en-US"/>
           </a:p>
@@ -2649,7 +3822,7 @@
           <a:p>
             <a:fld id="{E1CC510F-F8B8-45B6-A771-DBA6887DCFC7}" type="datetimeFigureOut">
               <a:rPr lang="en-US" smtClean="0"/>
-              <a:t>12/11/2019</a:t>
+              <a:t>12/12/2019</a:t>
             </a:fld>
             <a:endParaRPr lang="en-US"/>
           </a:p>
@@ -3016,7 +4189,7 @@
           <a:p>
             <a:fld id="{E1CC510F-F8B8-45B6-A771-DBA6887DCFC7}" type="datetimeFigureOut">
               <a:rPr lang="en-US" smtClean="0"/>
-              <a:t>12/11/2019</a:t>
+              <a:t>12/12/2019</a:t>
             </a:fld>
             <a:endParaRPr lang="en-US"/>
           </a:p>
@@ -3134,7 +4307,7 @@
           <a:p>
             <a:fld id="{E1CC510F-F8B8-45B6-A771-DBA6887DCFC7}" type="datetimeFigureOut">
               <a:rPr lang="en-US" smtClean="0"/>
-              <a:t>12/11/2019</a:t>
+              <a:t>12/12/2019</a:t>
             </a:fld>
             <a:endParaRPr lang="en-US"/>
           </a:p>
@@ -3229,7 +4402,7 @@
           <a:p>
             <a:fld id="{E1CC510F-F8B8-45B6-A771-DBA6887DCFC7}" type="datetimeFigureOut">
               <a:rPr lang="en-US" smtClean="0"/>
-              <a:t>12/11/2019</a:t>
+              <a:t>12/12/2019</a:t>
             </a:fld>
             <a:endParaRPr lang="en-US"/>
           </a:p>
@@ -3506,7 +4679,7 @@
           <a:p>
             <a:fld id="{E1CC510F-F8B8-45B6-A771-DBA6887DCFC7}" type="datetimeFigureOut">
               <a:rPr lang="en-US" smtClean="0"/>
-              <a:t>12/11/2019</a:t>
+              <a:t>12/12/2019</a:t>
             </a:fld>
             <a:endParaRPr lang="en-US"/>
           </a:p>
@@ -3680,7 +4853,7 @@
           <a:p>
             <a:fld id="{E1CC510F-F8B8-45B6-A771-DBA6887DCFC7}" type="datetimeFigureOut">
               <a:rPr lang="en-US" smtClean="0"/>
-              <a:t>12/11/2019</a:t>
+              <a:t>12/12/2019</a:t>
             </a:fld>
             <a:endParaRPr lang="en-US"/>
           </a:p>
@@ -3933,7 +5106,7 @@
           <a:p>
             <a:fld id="{E1CC510F-F8B8-45B6-A771-DBA6887DCFC7}" type="datetimeFigureOut">
               <a:rPr lang="en-US" smtClean="0"/>
-              <a:t>12/11/2019</a:t>
+              <a:t>12/12/2019</a:t>
             </a:fld>
             <a:endParaRPr lang="en-US"/>
           </a:p>
@@ -4103,7 +5276,7 @@
           <a:p>
             <a:fld id="{E1CC510F-F8B8-45B6-A771-DBA6887DCFC7}" type="datetimeFigureOut">
               <a:rPr lang="en-US" smtClean="0"/>
-              <a:t>12/11/2019</a:t>
+              <a:t>12/12/2019</a:t>
             </a:fld>
             <a:endParaRPr lang="en-US"/>
           </a:p>
@@ -4283,7 +5456,7 @@
           <a:p>
             <a:fld id="{E1CC510F-F8B8-45B6-A771-DBA6887DCFC7}" type="datetimeFigureOut">
               <a:rPr lang="en-US" smtClean="0"/>
-              <a:t>12/11/2019</a:t>
+              <a:t>12/12/2019</a:t>
             </a:fld>
             <a:endParaRPr lang="en-US"/>
           </a:p>
@@ -4626,7 +5799,7 @@
           <a:p>
             <a:fld id="{E1CC510F-F8B8-45B6-A771-DBA6887DCFC7}" type="datetimeFigureOut">
               <a:rPr lang="en-US" smtClean="0"/>
-              <a:t>12/11/2019</a:t>
+              <a:t>12/12/2019</a:t>
             </a:fld>
             <a:endParaRPr lang="en-US"/>
           </a:p>
@@ -4901,7 +6074,7 @@
           <a:p>
             <a:fld id="{E1CC510F-F8B8-45B6-A771-DBA6887DCFC7}" type="datetimeFigureOut">
               <a:rPr lang="en-US" smtClean="0"/>
-              <a:t>12/11/2019</a:t>
+              <a:t>12/12/2019</a:t>
             </a:fld>
             <a:endParaRPr lang="en-US"/>
           </a:p>
@@ -5280,7 +6453,7 @@
           <a:p>
             <a:fld id="{E1CC510F-F8B8-45B6-A771-DBA6887DCFC7}" type="datetimeFigureOut">
               <a:rPr lang="en-US" smtClean="0"/>
-              <a:t>12/11/2019</a:t>
+              <a:t>12/12/2019</a:t>
             </a:fld>
             <a:endParaRPr lang="en-US"/>
           </a:p>
@@ -5398,7 +6571,7 @@
           <a:p>
             <a:fld id="{E1CC510F-F8B8-45B6-A771-DBA6887DCFC7}" type="datetimeFigureOut">
               <a:rPr lang="en-US" smtClean="0"/>
-              <a:t>12/11/2019</a:t>
+              <a:t>12/12/2019</a:t>
             </a:fld>
             <a:endParaRPr lang="en-US"/>
           </a:p>
@@ -5569,7 +6742,7 @@
           <a:p>
             <a:fld id="{E1CC510F-F8B8-45B6-A771-DBA6887DCFC7}" type="datetimeFigureOut">
               <a:rPr lang="en-US" smtClean="0"/>
-              <a:t>12/11/2019</a:t>
+              <a:t>12/12/2019</a:t>
             </a:fld>
             <a:endParaRPr lang="en-US"/>
           </a:p>
@@ -5923,7 +7096,7 @@
           <a:p>
             <a:fld id="{E1CC510F-F8B8-45B6-A771-DBA6887DCFC7}" type="datetimeFigureOut">
               <a:rPr lang="en-US" smtClean="0"/>
-              <a:t>12/11/2019</a:t>
+              <a:t>12/12/2019</a:t>
             </a:fld>
             <a:endParaRPr lang="en-US"/>
           </a:p>
@@ -6305,7 +7478,7 @@
           <a:p>
             <a:fld id="{E1CC510F-F8B8-45B6-A771-DBA6887DCFC7}" type="datetimeFigureOut">
               <a:rPr lang="en-US" smtClean="0"/>
-              <a:t>12/11/2019</a:t>
+              <a:t>12/12/2019</a:t>
             </a:fld>
             <a:endParaRPr lang="en-US"/>
           </a:p>
@@ -6592,7 +7765,7 @@
           <a:p>
             <a:fld id="{E1CC510F-F8B8-45B6-A771-DBA6887DCFC7}" type="datetimeFigureOut">
               <a:rPr lang="en-US" smtClean="0"/>
-              <a:t>12/11/2019</a:t>
+              <a:t>12/12/2019</a:t>
             </a:fld>
             <a:endParaRPr lang="en-US"/>
           </a:p>
@@ -7251,7 +8424,7 @@
           <a:p>
             <a:fld id="{E1CC510F-F8B8-45B6-A771-DBA6887DCFC7}" type="datetimeFigureOut">
               <a:rPr lang="en-US" smtClean="0"/>
-              <a:t>12/11/2019</a:t>
+              <a:t>12/12/2019</a:t>
             </a:fld>
             <a:endParaRPr lang="en-US"/>
           </a:p>
@@ -7754,7 +8927,7 @@
         </p:nvSpPr>
         <p:spPr>
           <a:xfrm>
-            <a:off x="7024124" y="4506065"/>
+            <a:off x="7847661" y="4458350"/>
             <a:ext cx="5167876" cy="1510650"/>
           </a:xfrm>
         </p:spPr>
@@ -7765,39 +8938,91 @@
           <a:lstStyle/>
           <a:p>
             <a:r>
-              <a:rPr lang="en-US" sz="2000" dirty="0"/>
+              <a:rPr lang="en-US" sz="2000" dirty="0">
+                <a:solidFill>
+                  <a:schemeClr val="tx1"/>
+                </a:solidFill>
+              </a:rPr>
               <a:t>THÀNH VIÊN: </a:t>
             </a:r>
           </a:p>
           <a:p>
             <a:r>
-              <a:rPr lang="en-US" sz="2000" b="1" dirty="0" smtClean="0"/>
+              <a:rPr lang="en-US" sz="2000" b="1" dirty="0" smtClean="0">
+                <a:solidFill>
+                  <a:schemeClr val="tx1"/>
+                </a:solidFill>
+              </a:rPr>
               <a:t>Phan </a:t>
             </a:r>
             <a:r>
-              <a:rPr lang="en-US" sz="2000" b="1" smtClean="0"/>
-              <a:t>Thanh Nam - </a:t>
-            </a:r>
-            <a:r>
-              <a:rPr lang="en-US" sz="2000" b="1" dirty="0" smtClean="0"/>
+              <a:rPr lang="en-US" sz="2000" b="1" smtClean="0">
+                <a:solidFill>
+                  <a:schemeClr val="tx1"/>
+                </a:solidFill>
+              </a:rPr>
+              <a:t>Thanh Nam </a:t>
+            </a:r>
+            <a:r>
+              <a:rPr lang="en-US" sz="2000" b="1" smtClean="0">
+                <a:solidFill>
+                  <a:schemeClr val="tx1"/>
+                </a:solidFill>
+              </a:rPr>
+              <a:t>	- </a:t>
+            </a:r>
+            <a:r>
+              <a:rPr lang="en-US" sz="2000" b="1" dirty="0" smtClean="0">
+                <a:solidFill>
+                  <a:schemeClr val="tx1"/>
+                </a:solidFill>
+              </a:rPr>
               <a:t>16110162</a:t>
             </a:r>
-            <a:endParaRPr lang="en-US" sz="2000" dirty="0"/>
-          </a:p>
-          <a:p>
-            <a:r>
-              <a:rPr lang="en-US" sz="2000" b="1" dirty="0" smtClean="0"/>
+            <a:endParaRPr lang="en-US" sz="2000" dirty="0">
+              <a:solidFill>
+                <a:schemeClr val="tx1"/>
+              </a:solidFill>
+            </a:endParaRPr>
+          </a:p>
+          <a:p>
+            <a:r>
+              <a:rPr lang="en-US" sz="2000" b="1" dirty="0" smtClean="0">
+                <a:solidFill>
+                  <a:schemeClr val="tx1"/>
+                </a:solidFill>
+              </a:rPr>
               <a:t>Nguyễn </a:t>
             </a:r>
             <a:r>
-              <a:rPr lang="en-US" sz="2000" b="1" smtClean="0"/>
-              <a:t>Thiên Quốc - </a:t>
-            </a:r>
-            <a:r>
-              <a:rPr lang="en-US" sz="2000" b="1" dirty="0" smtClean="0"/>
+              <a:rPr lang="en-US" sz="2000" b="1" smtClean="0">
+                <a:solidFill>
+                  <a:schemeClr val="tx1"/>
+                </a:solidFill>
+              </a:rPr>
+              <a:t>Thiên Quốc </a:t>
+            </a:r>
+            <a:r>
+              <a:rPr lang="en-US" sz="2000" b="1" smtClean="0">
+                <a:solidFill>
+                  <a:schemeClr val="tx1"/>
+                </a:solidFill>
+              </a:rPr>
+              <a:t>- </a:t>
+            </a:r>
+            <a:r>
+              <a:rPr lang="en-US" sz="2000" b="1" dirty="0" smtClean="0">
+                <a:solidFill>
+                  <a:schemeClr val="tx1"/>
+                </a:solidFill>
+              </a:rPr>
               <a:t>16110191</a:t>
             </a:r>
-            <a:endParaRPr lang="en-US" sz="2000" dirty="0"/>
+            <a:endParaRPr lang="en-US" sz="2000" dirty="0">
+              <a:solidFill>
+                <a:schemeClr val="tx1"/>
+              </a:solidFill>
+            </a:endParaRPr>
           </a:p>
         </p:txBody>
       </p:sp>
@@ -7816,7 +9041,7 @@
         <p:spPr>
           <a:xfrm>
             <a:off x="0" y="4458350"/>
-            <a:ext cx="7071808" cy="830997"/>
+            <a:ext cx="7847661" cy="1200329"/>
           </a:xfrm>
           <a:prstGeom prst="rect">
             <a:avLst/>
@@ -7941,19 +9166,46 @@
               <a:t>. Nguyễn </a:t>
             </a:r>
             <a:r>
-              <a:rPr lang="en-US" sz="2400" b="1" dirty="0" err="1">
+              <a:rPr lang="en-US" sz="2400" b="1" err="1">
                 <a:latin typeface="Arial" panose="020B0604020202020204" pitchFamily="34" charset="0"/>
                 <a:cs typeface="Arial" panose="020B0604020202020204" pitchFamily="34" charset="0"/>
               </a:rPr>
               <a:t>Thiên</a:t>
             </a:r>
             <a:r>
-              <a:rPr lang="en-US" sz="2400" b="1" dirty="0">
+              <a:rPr lang="en-US" sz="2400" b="1">
                 <a:latin typeface="Arial" panose="020B0604020202020204" pitchFamily="34" charset="0"/>
                 <a:cs typeface="Arial" panose="020B0604020202020204" pitchFamily="34" charset="0"/>
               </a:rPr>
-              <a:t> Bảo</a:t>
-            </a:r>
+              <a:t> </a:t>
+            </a:r>
+            <a:r>
+              <a:rPr lang="en-US" sz="2400" b="1" smtClean="0">
+                <a:latin typeface="Arial" panose="020B0604020202020204" pitchFamily="34" charset="0"/>
+                <a:cs typeface="Arial" panose="020B0604020202020204" pitchFamily="34" charset="0"/>
+              </a:rPr>
+              <a:t>Bảo</a:t>
+            </a:r>
+          </a:p>
+          <a:p>
+            <a:r>
+              <a:rPr lang="en-US" sz="2400" b="1">
+                <a:latin typeface="Arial" panose="020B0604020202020204" pitchFamily="34" charset="0"/>
+                <a:cs typeface="Arial" panose="020B0604020202020204" pitchFamily="34" charset="0"/>
+              </a:rPr>
+              <a:t>	</a:t>
+            </a:r>
+            <a:r>
+              <a:rPr lang="en-US" sz="2400" b="1" smtClean="0">
+                <a:latin typeface="Arial" panose="020B0604020202020204" pitchFamily="34" charset="0"/>
+                <a:cs typeface="Arial" panose="020B0604020202020204" pitchFamily="34" charset="0"/>
+              </a:rPr>
+              <a:t>		    ThS. Trương Thị Ngọc Phượng</a:t>
+            </a:r>
+            <a:endParaRPr lang="en-US" sz="2400" b="1" dirty="0">
+              <a:latin typeface="Arial" panose="020B0604020202020204" pitchFamily="34" charset="0"/>
+              <a:cs typeface="Arial" panose="020B0604020202020204" pitchFamily="34" charset="0"/>
+            </a:endParaRPr>
           </a:p>
         </p:txBody>
       </p:sp>
@@ -8189,9 +9441,41 @@
           <a:chExt cx="0" cy="0"/>
         </a:xfrm>
       </p:grpSpPr>
+      <p:sp>
+        <p:nvSpPr>
+          <p:cNvPr id="2" name="Title 1"/>
+          <p:cNvSpPr>
+            <a:spLocks noGrp="1"/>
+          </p:cNvSpPr>
+          <p:nvPr>
+            <p:ph type="title"/>
+          </p:nvPr>
+        </p:nvSpPr>
+        <p:spPr>
+          <a:xfrm>
+            <a:off x="521447" y="44557"/>
+            <a:ext cx="11687733" cy="1450757"/>
+          </a:xfrm>
+        </p:spPr>
+        <p:txBody>
+          <a:bodyPr/>
+          <a:lstStyle/>
+          <a:p>
+            <a:r>
+              <a:rPr lang="en-US"/>
+              <a:t>Giải quyết Machine Learning </a:t>
+            </a:r>
+            <a:r>
+              <a:rPr lang="en-US" smtClean="0"/>
+              <a:t>với Microsoft.ML</a:t>
+            </a:r>
+            <a:endParaRPr lang="en-US" dirty="0"/>
+          </a:p>
+        </p:txBody>
+      </p:sp>
       <p:pic>
         <p:nvPicPr>
-          <p:cNvPr id="2" name="Picture 1"/>
+          <p:cNvPr id="6" name="Picture 5"/>
           <p:cNvPicPr>
             <a:picLocks noChangeAspect="1"/>
           </p:cNvPicPr>
@@ -8205,18 +9489,31 @@
         </p:blipFill>
         <p:spPr>
           <a:xfrm>
-            <a:off x="20339" y="-1"/>
-            <a:ext cx="12171661" cy="5824025"/>
+            <a:off x="2299053" y="1859181"/>
+            <a:ext cx="8132519" cy="4385343"/>
           </a:xfrm>
-          <a:prstGeom prst="rect">
-            <a:avLst/>
+          <a:prstGeom prst="roundRect">
+            <a:avLst>
+              <a:gd name="adj" fmla="val 8594"/>
+            </a:avLst>
           </a:prstGeom>
+          <a:solidFill>
+            <a:srgbClr val="FFFFFF">
+              <a:shade val="85000"/>
+            </a:srgbClr>
+          </a:solidFill>
+          <a:ln>
+            <a:noFill/>
+          </a:ln>
+          <a:effectLst>
+            <a:reflection blurRad="12700" stA="38000" endPos="28000" dist="5000" dir="5400000" sy="-100000" algn="bl" rotWithShape="0"/>
+          </a:effectLst>
         </p:spPr>
       </p:pic>
     </p:spTree>
     <p:extLst>
       <p:ext uri="{BB962C8B-B14F-4D97-AF65-F5344CB8AC3E}">
-        <p14:creationId xmlns:p14="http://schemas.microsoft.com/office/powerpoint/2010/main" val="2883220013"/>
+        <p14:creationId xmlns:p14="http://schemas.microsoft.com/office/powerpoint/2010/main" val="1232995216"/>
       </p:ext>
     </p:extLst>
   </p:cSld>
@@ -8278,18 +9575,61 @@
         </p:blipFill>
         <p:spPr>
           <a:xfrm>
-            <a:off x="0" y="0"/>
-            <a:ext cx="12192000" cy="5833757"/>
+            <a:off x="3080712" y="3778624"/>
+            <a:ext cx="5938081" cy="2931458"/>
           </a:xfrm>
           <a:prstGeom prst="rect">
             <a:avLst/>
           </a:prstGeom>
+          <a:ln>
+            <a:noFill/>
+          </a:ln>
+          <a:effectLst>
+            <a:outerShdw blurRad="292100" dist="139700" dir="2700000" algn="tl" rotWithShape="0">
+              <a:srgbClr val="333333">
+                <a:alpha val="65000"/>
+              </a:srgbClr>
+            </a:outerShdw>
+          </a:effectLst>
+        </p:spPr>
+      </p:pic>
+      <p:pic>
+        <p:nvPicPr>
+          <p:cNvPr id="7" name="Picture 6"/>
+          <p:cNvPicPr>
+            <a:picLocks noChangeAspect="1"/>
+          </p:cNvPicPr>
+          <p:nvPr/>
+        </p:nvPicPr>
+        <p:blipFill rotWithShape="1">
+          <a:blip r:embed="rId3"/>
+          <a:srcRect b="33828"/>
+          <a:stretch/>
+        </p:blipFill>
+        <p:spPr>
+          <a:xfrm>
+            <a:off x="726141" y="-13447"/>
+            <a:ext cx="10647225" cy="3792071"/>
+          </a:xfrm>
+          <a:prstGeom prst="rect">
+            <a:avLst/>
+          </a:prstGeom>
+          <a:ln>
+            <a:noFill/>
+          </a:ln>
+          <a:effectLst>
+            <a:outerShdw blurRad="292100" dist="139700" dir="2700000" algn="tl" rotWithShape="0">
+              <a:srgbClr val="333333">
+                <a:alpha val="65000"/>
+              </a:srgbClr>
+            </a:outerShdw>
+          </a:effectLst>
         </p:spPr>
       </p:pic>
     </p:spTree>
     <p:extLst>
       <p:ext uri="{BB962C8B-B14F-4D97-AF65-F5344CB8AC3E}">
-        <p14:creationId xmlns:p14="http://schemas.microsoft.com/office/powerpoint/2010/main" val="2236648604"/>
+        <p14:creationId xmlns:p14="http://schemas.microsoft.com/office/powerpoint/2010/main" val="1631322598"/>
       </p:ext>
     </p:extLst>
   </p:cSld>
@@ -8343,26 +9683,74 @@
           </p:cNvPicPr>
           <p:nvPr/>
         </p:nvPicPr>
-        <p:blipFill>
-          <a:blip r:embed="rId2"/>
-          <a:stretch>
-            <a:fillRect/>
-          </a:stretch>
+        <p:blipFill rotWithShape="1">
+          <a:blip r:embed="rId3"/>
+          <a:srcRect t="30663" r="16415" b="7745"/>
+          <a:stretch/>
         </p:blipFill>
         <p:spPr>
           <a:xfrm>
-            <a:off x="0" y="0"/>
-            <a:ext cx="12201060" cy="5838092"/>
+            <a:off x="331693" y="0"/>
+            <a:ext cx="7906871" cy="3133166"/>
           </a:xfrm>
-          <a:prstGeom prst="rect">
-            <a:avLst/>
+          <a:prstGeom prst="roundRect">
+            <a:avLst>
+              <a:gd name="adj" fmla="val 8594"/>
+            </a:avLst>
           </a:prstGeom>
+          <a:solidFill>
+            <a:srgbClr val="FFFFFF">
+              <a:shade val="85000"/>
+            </a:srgbClr>
+          </a:solidFill>
+          <a:ln>
+            <a:noFill/>
+          </a:ln>
+          <a:effectLst>
+            <a:reflection blurRad="12700" stA="38000" endPos="28000" dist="5000" dir="5400000" sy="-100000" algn="bl" rotWithShape="0"/>
+          </a:effectLst>
+        </p:spPr>
+      </p:pic>
+      <p:pic>
+        <p:nvPicPr>
+          <p:cNvPr id="3" name="Picture 2"/>
+          <p:cNvPicPr>
+            <a:picLocks noChangeAspect="1"/>
+          </p:cNvPicPr>
+          <p:nvPr/>
+        </p:nvPicPr>
+        <p:blipFill rotWithShape="1">
+          <a:blip r:embed="rId4"/>
+          <a:srcRect t="27131" r="16415"/>
+          <a:stretch/>
+        </p:blipFill>
+        <p:spPr>
+          <a:xfrm>
+            <a:off x="3908611" y="3133166"/>
+            <a:ext cx="7906871" cy="3727713"/>
+          </a:xfrm>
+          <a:prstGeom prst="roundRect">
+            <a:avLst>
+              <a:gd name="adj" fmla="val 8594"/>
+            </a:avLst>
+          </a:prstGeom>
+          <a:solidFill>
+            <a:srgbClr val="FFFFFF">
+              <a:shade val="85000"/>
+            </a:srgbClr>
+          </a:solidFill>
+          <a:ln>
+            <a:noFill/>
+          </a:ln>
+          <a:effectLst>
+            <a:reflection blurRad="12700" stA="38000" endPos="28000" dist="5000" dir="5400000" sy="-100000" algn="bl" rotWithShape="0"/>
+          </a:effectLst>
         </p:spPr>
       </p:pic>
     </p:spTree>
     <p:extLst>
       <p:ext uri="{BB962C8B-B14F-4D97-AF65-F5344CB8AC3E}">
-        <p14:creationId xmlns:p14="http://schemas.microsoft.com/office/powerpoint/2010/main" val="1553208725"/>
+        <p14:creationId xmlns:p14="http://schemas.microsoft.com/office/powerpoint/2010/main" val="1897651290"/>
       </p:ext>
     </p:extLst>
   </p:cSld>
@@ -8410,32 +9798,78 @@
       </p:grpSpPr>
       <p:pic>
         <p:nvPicPr>
-          <p:cNvPr id="3" name="Picture 2"/>
+          <p:cNvPr id="4" name="Picture 3"/>
+          <p:cNvPicPr>
+            <a:picLocks noChangeAspect="1"/>
+          </p:cNvPicPr>
+          <p:nvPr/>
+        </p:nvPicPr>
+        <p:blipFill rotWithShape="1">
+          <a:blip r:embed="rId3"/>
+          <a:srcRect b="20850"/>
+          <a:stretch/>
+        </p:blipFill>
+        <p:spPr>
+          <a:xfrm>
+            <a:off x="0" y="1331259"/>
+            <a:ext cx="7427270" cy="3160059"/>
+          </a:xfrm>
+          <a:prstGeom prst="rect">
+            <a:avLst/>
+          </a:prstGeom>
+          <a:ln>
+            <a:noFill/>
+          </a:ln>
+          <a:effectLst>
+            <a:outerShdw blurRad="292100" dist="139700" dir="2700000" algn="tl" rotWithShape="0">
+              <a:srgbClr val="333333">
+                <a:alpha val="65000"/>
+              </a:srgbClr>
+            </a:outerShdw>
+          </a:effectLst>
+        </p:spPr>
+      </p:pic>
+      <p:pic>
+        <p:nvPicPr>
+          <p:cNvPr id="5" name="Picture 4"/>
           <p:cNvPicPr>
             <a:picLocks noChangeAspect="1"/>
           </p:cNvPicPr>
           <p:nvPr/>
         </p:nvPicPr>
         <p:blipFill>
-          <a:blip r:embed="rId2"/>
+          <a:blip r:embed="rId4"/>
           <a:stretch>
             <a:fillRect/>
           </a:stretch>
         </p:blipFill>
         <p:spPr>
           <a:xfrm>
-            <a:off x="-1" y="0"/>
-            <a:ext cx="12171661" cy="5824025"/>
+            <a:off x="4475673" y="468747"/>
+            <a:ext cx="7716327" cy="5582429"/>
           </a:xfrm>
-          <a:prstGeom prst="rect">
-            <a:avLst/>
+          <a:prstGeom prst="roundRect">
+            <a:avLst>
+              <a:gd name="adj" fmla="val 8594"/>
+            </a:avLst>
           </a:prstGeom>
+          <a:solidFill>
+            <a:srgbClr val="FFFFFF">
+              <a:shade val="85000"/>
+            </a:srgbClr>
+          </a:solidFill>
+          <a:ln>
+            <a:noFill/>
+          </a:ln>
+          <a:effectLst>
+            <a:reflection blurRad="12700" stA="38000" endPos="28000" dist="5000" dir="5400000" sy="-100000" algn="bl" rotWithShape="0"/>
+          </a:effectLst>
         </p:spPr>
       </p:pic>
     </p:spTree>
     <p:extLst>
       <p:ext uri="{BB962C8B-B14F-4D97-AF65-F5344CB8AC3E}">
-        <p14:creationId xmlns:p14="http://schemas.microsoft.com/office/powerpoint/2010/main" val="3355762384"/>
+        <p14:creationId xmlns:p14="http://schemas.microsoft.com/office/powerpoint/2010/main" val="195280883"/>
       </p:ext>
     </p:extLst>
   </p:cSld>
@@ -8481,140 +9915,47 @@
           <a:chExt cx="0" cy="0"/>
         </a:xfrm>
       </p:grpSpPr>
-      <p:sp>
-        <p:nvSpPr>
-          <p:cNvPr id="2" name="Title 1"/>
-          <p:cNvSpPr>
-            <a:spLocks noGrp="1"/>
-          </p:cNvSpPr>
-          <p:nvPr>
-            <p:ph type="title"/>
-          </p:nvPr>
-        </p:nvSpPr>
-        <p:spPr/>
-        <p:txBody>
-          <a:bodyPr>
-            <a:normAutofit/>
-          </a:bodyPr>
-          <a:lstStyle/>
-          <a:p>
-            <a:r>
-              <a:rPr lang="en-US" sz="7200" dirty="0" smtClean="0"/>
-              <a:t>Hướng phát triển</a:t>
-            </a:r>
-            <a:endParaRPr lang="en-US" sz="7200" dirty="0"/>
-          </a:p>
-        </p:txBody>
-      </p:sp>
-      <p:sp>
-        <p:nvSpPr>
-          <p:cNvPr id="3" name="Content Placeholder 2"/>
-          <p:cNvSpPr>
-            <a:spLocks noGrp="1"/>
-          </p:cNvSpPr>
-          <p:nvPr>
-            <p:ph idx="1"/>
-          </p:nvPr>
-        </p:nvSpPr>
-        <p:spPr>
-          <a:xfrm>
-            <a:off x="267286" y="1911904"/>
-            <a:ext cx="10058400" cy="4023360"/>
-          </a:xfrm>
-        </p:spPr>
-        <p:txBody>
-          <a:bodyPr>
-            <a:normAutofit/>
-          </a:bodyPr>
-          <a:lstStyle/>
-          <a:p>
-            <a:pPr>
-              <a:buFont typeface="Wingdings" panose="05000000000000000000" pitchFamily="2" charset="2"/>
-              <a:buChar char="v"/>
-            </a:pPr>
-            <a:r>
-              <a:rPr lang="en-US" sz="2400" dirty="0" smtClean="0"/>
-              <a:t>Phát triển thêm phần thương mại điện tử (nhận thanh toán trung gian,…)</a:t>
-            </a:r>
-          </a:p>
-          <a:p>
-            <a:pPr>
-              <a:buFont typeface="Wingdings" panose="05000000000000000000" pitchFamily="2" charset="2"/>
-              <a:buChar char="v"/>
-            </a:pPr>
-            <a:r>
-              <a:rPr lang="en-US" sz="2400" dirty="0" smtClean="0"/>
-              <a:t>Phát triển tính năng bình luận, chia sẻ, tương tác cung – cầu,…</a:t>
-            </a:r>
-          </a:p>
-          <a:p>
-            <a:pPr>
-              <a:buFont typeface="Wingdings" panose="05000000000000000000" pitchFamily="2" charset="2"/>
-              <a:buChar char="v"/>
-            </a:pPr>
-            <a:r>
-              <a:rPr lang="en-US" sz="2400" dirty="0" smtClean="0"/>
-              <a:t>Thêm tính năng báo cáo bài đăng sai phạm</a:t>
-            </a:r>
-          </a:p>
-          <a:p>
-            <a:pPr>
-              <a:buFont typeface="Wingdings" panose="05000000000000000000" pitchFamily="2" charset="2"/>
-              <a:buChar char="v"/>
-            </a:pPr>
-            <a:r>
-              <a:rPr lang="en-US" sz="2400" dirty="0" smtClean="0"/>
-              <a:t>Hiện thị bất động sản trên bản đồ</a:t>
-            </a:r>
-            <a:endParaRPr lang="en-US" sz="2400" dirty="0"/>
-          </a:p>
-        </p:txBody>
-      </p:sp>
       <p:pic>
         <p:nvPicPr>
-          <p:cNvPr id="8194" name="Picture 2" descr="Kết quả hình ảnh cho development"/>
+          <p:cNvPr id="2" name="Picture 1"/>
           <p:cNvPicPr>
-            <a:picLocks noChangeAspect="1" noChangeArrowheads="1"/>
+            <a:picLocks noChangeAspect="1"/>
           </p:cNvPicPr>
           <p:nvPr/>
         </p:nvPicPr>
         <p:blipFill>
-          <a:blip r:embed="rId2">
-            <a:extLst>
-              <a:ext uri="{28A0092B-C50C-407E-A947-70E740481C1C}">
-                <a14:useLocalDpi xmlns:a14="http://schemas.microsoft.com/office/drawing/2010/main" val="0"/>
-              </a:ext>
-            </a:extLst>
-          </a:blip>
-          <a:srcRect/>
+          <a:blip r:embed="rId2"/>
           <a:stretch>
             <a:fillRect/>
           </a:stretch>
         </p:blipFill>
-        <p:spPr bwMode="auto">
+        <p:spPr>
           <a:xfrm>
-            <a:off x="8785925" y="2243145"/>
-            <a:ext cx="3079522" cy="3079523"/>
+            <a:off x="2043954" y="127821"/>
+            <a:ext cx="8162364" cy="6162997"/>
           </a:xfrm>
-          <a:prstGeom prst="rect">
-            <a:avLst/>
+          <a:prstGeom prst="roundRect">
+            <a:avLst>
+              <a:gd name="adj" fmla="val 8594"/>
+            </a:avLst>
           </a:prstGeom>
-          <a:noFill/>
-          <a:extLst>
-            <a:ext uri="{909E8E84-426E-40DD-AFC4-6F175D3DCCD1}">
-              <a14:hiddenFill xmlns:a14="http://schemas.microsoft.com/office/drawing/2010/main">
-                <a:solidFill>
-                  <a:srgbClr val="FFFFFF"/>
-                </a:solidFill>
-              </a14:hiddenFill>
-            </a:ext>
-          </a:extLst>
+          <a:solidFill>
+            <a:srgbClr val="FFFFFF">
+              <a:shade val="85000"/>
+            </a:srgbClr>
+          </a:solidFill>
+          <a:ln>
+            <a:noFill/>
+          </a:ln>
+          <a:effectLst>
+            <a:reflection blurRad="12700" stA="38000" endPos="28000" dist="5000" dir="5400000" sy="-100000" algn="bl" rotWithShape="0"/>
+          </a:effectLst>
         </p:spPr>
       </p:pic>
     </p:spTree>
     <p:extLst>
       <p:ext uri="{BB962C8B-B14F-4D97-AF65-F5344CB8AC3E}">
-        <p14:creationId xmlns:p14="http://schemas.microsoft.com/office/powerpoint/2010/main" val="1277055992"/>
+        <p14:creationId xmlns:p14="http://schemas.microsoft.com/office/powerpoint/2010/main" val="868717835"/>
       </p:ext>
     </p:extLst>
   </p:cSld>
@@ -8660,366 +10001,47 @@
           <a:chExt cx="0" cy="0"/>
         </a:xfrm>
       </p:grpSpPr>
-      <p:sp>
-        <p:nvSpPr>
-          <p:cNvPr id="2" name="Title 1"/>
-          <p:cNvSpPr>
-            <a:spLocks noGrp="1"/>
-          </p:cNvSpPr>
-          <p:nvPr>
-            <p:ph type="title"/>
-          </p:nvPr>
-        </p:nvSpPr>
-        <p:spPr/>
-        <p:txBody>
-          <a:bodyPr/>
-          <a:lstStyle/>
-          <a:p>
-            <a:r>
-              <a:rPr lang="en-US" dirty="0" smtClean="0"/>
-              <a:t>Tài Liệu Tham Khảo</a:t>
-            </a:r>
-            <a:endParaRPr lang="en-US" dirty="0"/>
-          </a:p>
-        </p:txBody>
-      </p:sp>
-      <p:sp>
-        <p:nvSpPr>
-          <p:cNvPr id="3" name="Content Placeholder 2"/>
-          <p:cNvSpPr>
-            <a:spLocks noGrp="1"/>
-          </p:cNvSpPr>
-          <p:nvPr>
-            <p:ph idx="1"/>
-          </p:nvPr>
-        </p:nvSpPr>
-        <p:spPr/>
-        <p:txBody>
-          <a:bodyPr>
-            <a:normAutofit fontScale="92500" lnSpcReduction="10000"/>
-          </a:bodyPr>
-          <a:lstStyle/>
-          <a:p>
-            <a:pPr lvl="0"/>
-            <a:r>
-              <a:rPr lang="en-US" dirty="0"/>
-              <a:t>ASP.NET Core là gì? (2019, August 16). Retrieved from </a:t>
-            </a:r>
-            <a:r>
-              <a:rPr lang="en-US" u="sng" dirty="0">
-                <a:hlinkClick r:id="rId2"/>
-              </a:rPr>
-              <a:t>https://topdev.vn/blog/asp-net-core-la-gi/</a:t>
-            </a:r>
-            <a:endParaRPr lang="en-US" dirty="0"/>
-          </a:p>
-          <a:p>
-            <a:pPr lvl="0"/>
-            <a:r>
-              <a:rPr lang="en-US" dirty="0"/>
-              <a:t>Hướng dẫn Java Design Pattern ? MVC (Lập trình Java). (2019, 2). Retrieved from </a:t>
-            </a:r>
-            <a:r>
-              <a:rPr lang="en-US" u="sng" dirty="0">
-                <a:hlinkClick r:id="rId3"/>
-              </a:rPr>
-              <a:t>https://gpcoder.com/5160-huong-dan-java-design-pattern-mvc/</a:t>
-            </a:r>
-            <a:endParaRPr lang="en-US" dirty="0"/>
-          </a:p>
-          <a:p>
-            <a:pPr lvl="0"/>
-            <a:r>
-              <a:rPr lang="en-US" dirty="0"/>
-              <a:t>Tiep Vu. (2016, December 26). Bài 1: Giới thiệu về Machine Learning. Retrieved from </a:t>
-            </a:r>
-            <a:r>
-              <a:rPr lang="en-US" u="sng" dirty="0">
-                <a:hlinkClick r:id="rId4"/>
-              </a:rPr>
-              <a:t>https://machinelearningcoban.com/2016/12/26/introduce/</a:t>
-            </a:r>
-            <a:endParaRPr lang="en-US" dirty="0"/>
-          </a:p>
-          <a:p>
-            <a:pPr lvl="0"/>
-            <a:r>
-              <a:rPr lang="en-US" dirty="0"/>
-              <a:t>Samuel, Arthur (1959). "Some Studies in Machine Learning Using the Game of Checkers". IBM Journal of Research and Development. 3 (3): 210–229.</a:t>
-            </a:r>
-          </a:p>
-          <a:p>
-            <a:pPr lvl="0"/>
-            <a:r>
-              <a:rPr lang="en-US" dirty="0"/>
-              <a:t>Mitchell, T. (1997). Machine Learning, McGraw Hill. ISBN 0-07-042807-7, p.2.</a:t>
-            </a:r>
-          </a:p>
-          <a:p>
-            <a:pPr lvl="0"/>
-            <a:r>
-              <a:rPr lang="en-US" dirty="0"/>
-              <a:t>Tiep Vu. (2016, December 27). Bài 2: Phân nhóm các thuật toán Machine Learning. Retrieved from </a:t>
-            </a:r>
-            <a:r>
-              <a:rPr lang="en-US" u="sng" dirty="0">
-                <a:hlinkClick r:id="rId5"/>
-              </a:rPr>
-              <a:t>https://machinelearningcoban.com/2016/12/27/categories/</a:t>
-            </a:r>
-            <a:endParaRPr lang="en-US" dirty="0"/>
-          </a:p>
-          <a:p>
-            <a:pPr lvl="0"/>
-            <a:r>
-              <a:rPr lang="en-US" dirty="0"/>
-              <a:t>James McCaffrey (2018-12-19). "ML.NET: The Machine Learning Framework for .NET Developers". MSDN Magazine Connect() Special Issue 2018. Retrieved 2019-01-09.</a:t>
-            </a:r>
-          </a:p>
-          <a:p>
-            <a:endParaRPr lang="en-US" dirty="0"/>
-          </a:p>
-        </p:txBody>
-      </p:sp>
-    </p:spTree>
-    <p:extLst>
-      <p:ext uri="{BB962C8B-B14F-4D97-AF65-F5344CB8AC3E}">
-        <p14:creationId xmlns:p14="http://schemas.microsoft.com/office/powerpoint/2010/main" val="565288636"/>
-      </p:ext>
-    </p:extLst>
-  </p:cSld>
-  <p:clrMapOvr>
-    <a:masterClrMapping/>
-  </p:clrMapOvr>
-</p:sld>
-</file>
-
-<file path=ppt/slides/slide16.xml><?xml version="1.0" encoding="utf-8"?>
-<p:sld xmlns:a="http://schemas.openxmlformats.org/drawingml/2006/main" xmlns:r="http://schemas.openxmlformats.org/officeDocument/2006/relationships" xmlns:p="http://schemas.openxmlformats.org/presentationml/2006/main">
-  <p:cSld>
-    <p:spTree>
-      <p:nvGrpSpPr>
-        <p:cNvPr id="1" name=""/>
-        <p:cNvGrpSpPr/>
-        <p:nvPr/>
-      </p:nvGrpSpPr>
-      <p:grpSpPr>
-        <a:xfrm>
-          <a:off x="0" y="0"/>
-          <a:ext cx="0" cy="0"/>
-          <a:chOff x="0" y="0"/>
-          <a:chExt cx="0" cy="0"/>
-        </a:xfrm>
-      </p:grpSpPr>
       <p:pic>
         <p:nvPicPr>
-          <p:cNvPr id="4" name="Picture 3"/>
+          <p:cNvPr id="3" name="Picture 2"/>
           <p:cNvPicPr>
             <a:picLocks noChangeAspect="1"/>
           </p:cNvPicPr>
           <p:nvPr/>
         </p:nvPicPr>
         <p:blipFill>
-          <a:blip r:embed="rId2">
-            <a:extLst>
-              <a:ext uri="{28A0092B-C50C-407E-A947-70E740481C1C}">
-                <a14:useLocalDpi xmlns:a14="http://schemas.microsoft.com/office/drawing/2010/main" val="0"/>
-              </a:ext>
-            </a:extLst>
-          </a:blip>
+          <a:blip r:embed="rId2"/>
           <a:stretch>
             <a:fillRect/>
           </a:stretch>
         </p:blipFill>
         <p:spPr>
           <a:xfrm>
-            <a:off x="1809750" y="0"/>
-            <a:ext cx="8572500" cy="6858000"/>
+            <a:off x="96940" y="337479"/>
+            <a:ext cx="11917438" cy="5430008"/>
           </a:xfrm>
-          <a:prstGeom prst="rect">
-            <a:avLst/>
+          <a:prstGeom prst="roundRect">
+            <a:avLst>
+              <a:gd name="adj" fmla="val 8594"/>
+            </a:avLst>
           </a:prstGeom>
+          <a:solidFill>
+            <a:srgbClr val="FFFFFF">
+              <a:shade val="85000"/>
+            </a:srgbClr>
+          </a:solidFill>
+          <a:ln>
+            <a:noFill/>
+          </a:ln>
+          <a:effectLst>
+            <a:reflection blurRad="12700" stA="38000" endPos="28000" dist="5000" dir="5400000" sy="-100000" algn="bl" rotWithShape="0"/>
+          </a:effectLst>
         </p:spPr>
       </p:pic>
     </p:spTree>
     <p:extLst>
       <p:ext uri="{BB962C8B-B14F-4D97-AF65-F5344CB8AC3E}">
-        <p14:creationId xmlns:p14="http://schemas.microsoft.com/office/powerpoint/2010/main" val="3153912741"/>
-      </p:ext>
-    </p:extLst>
-  </p:cSld>
-  <p:clrMapOvr>
-    <a:masterClrMapping/>
-  </p:clrMapOvr>
-  <mc:AlternateContent xmlns:mc="http://schemas.openxmlformats.org/markup-compatibility/2006" xmlns:p15="http://schemas.microsoft.com/office/powerpoint/2012/main">
-    <mc:Choice Requires="p15">
-      <p:transition xmlns:p14="http://schemas.microsoft.com/office/powerpoint/2010/main" spd="slow" p14:dur="2000">
-        <p15:prstTrans prst="drape"/>
-      </p:transition>
-    </mc:Choice>
-    <mc:Fallback xmlns="">
-      <p:transition spd="slow">
-        <p:fade/>
-      </p:transition>
-    </mc:Fallback>
-  </mc:AlternateContent>
-  <p:timing>
-    <p:tnLst>
-      <p:par>
-        <p:cTn id="1" dur="indefinite" restart="never" nodeType="tmRoot"/>
-      </p:par>
-    </p:tnLst>
-  </p:timing>
-</p:sld>
-</file>
-
-<file path=ppt/slides/slide2.xml><?xml version="1.0" encoding="utf-8"?>
-<p:sld xmlns:a="http://schemas.openxmlformats.org/drawingml/2006/main" xmlns:r="http://schemas.openxmlformats.org/officeDocument/2006/relationships" xmlns:p="http://schemas.openxmlformats.org/presentationml/2006/main">
-  <p:cSld>
-    <p:spTree>
-      <p:nvGrpSpPr>
-        <p:cNvPr id="1" name=""/>
-        <p:cNvGrpSpPr/>
-        <p:nvPr/>
-      </p:nvGrpSpPr>
-      <p:grpSpPr>
-        <a:xfrm>
-          <a:off x="0" y="0"/>
-          <a:ext cx="0" cy="0"/>
-          <a:chOff x="0" y="0"/>
-          <a:chExt cx="0" cy="0"/>
-        </a:xfrm>
-      </p:grpSpPr>
-      <p:sp>
-        <p:nvSpPr>
-          <p:cNvPr id="2" name="Title 1"/>
-          <p:cNvSpPr>
-            <a:spLocks noGrp="1"/>
-          </p:cNvSpPr>
-          <p:nvPr>
-            <p:ph type="title"/>
-          </p:nvPr>
-        </p:nvSpPr>
-        <p:spPr/>
-        <p:txBody>
-          <a:bodyPr>
-            <a:normAutofit/>
-          </a:bodyPr>
-          <a:lstStyle/>
-          <a:p>
-            <a:r>
-              <a:rPr lang="en-US" sz="6600" dirty="0" smtClean="0"/>
-              <a:t>Mục tiêu </a:t>
-            </a:r>
-            <a:endParaRPr lang="en-US" sz="6600" dirty="0"/>
-          </a:p>
-        </p:txBody>
-      </p:sp>
-      <p:sp>
-        <p:nvSpPr>
-          <p:cNvPr id="3" name="Content Placeholder 2"/>
-          <p:cNvSpPr>
-            <a:spLocks noGrp="1"/>
-          </p:cNvSpPr>
-          <p:nvPr>
-            <p:ph idx="1"/>
-          </p:nvPr>
-        </p:nvSpPr>
-        <p:spPr>
-          <a:xfrm>
-            <a:off x="363071" y="1845734"/>
-            <a:ext cx="11604811" cy="4023360"/>
-          </a:xfrm>
-        </p:spPr>
-        <p:txBody>
-          <a:bodyPr>
-            <a:normAutofit/>
-          </a:bodyPr>
-          <a:lstStyle/>
-          <a:p>
-            <a:pPr lvl="0">
-              <a:buFont typeface="Wingdings" panose="05000000000000000000" pitchFamily="2" charset="2"/>
-              <a:buChar char="Ø"/>
-            </a:pPr>
-            <a:r>
-              <a:rPr lang="en-US" sz="3600" dirty="0"/>
-              <a:t>Tìm hiểu công nghệ .NET Core cùng với Microsoft.ML.</a:t>
-            </a:r>
-          </a:p>
-          <a:p>
-            <a:pPr lvl="0">
-              <a:buFont typeface="Wingdings" panose="05000000000000000000" pitchFamily="2" charset="2"/>
-              <a:buChar char="Ø"/>
-            </a:pPr>
-            <a:r>
-              <a:rPr lang="en-US" sz="3600" dirty="0"/>
-              <a:t>Sử dụng ASP.NET Core với mô hình MVC để phát triển một trang web trung gian giúp những người có nhu cầu mua, bán, thuê, cho thuê bất động sản có thể tìm được đối tác phù hợp và có tiềm năng.</a:t>
-            </a:r>
-          </a:p>
-          <a:p>
-            <a:pPr lvl="0">
-              <a:buFont typeface="Wingdings" panose="05000000000000000000" pitchFamily="2" charset="2"/>
-              <a:buChar char="Ø"/>
-            </a:pPr>
-            <a:r>
-              <a:rPr lang="en-US" sz="3600" dirty="0" smtClean="0"/>
-              <a:t>Củng </a:t>
-            </a:r>
-            <a:r>
-              <a:rPr lang="en-US" sz="3600" dirty="0"/>
-              <a:t>cố kiến thức môn lập trình web, học máy.</a:t>
-            </a:r>
-          </a:p>
-          <a:p>
-            <a:endParaRPr lang="en-US" sz="3600" dirty="0"/>
-          </a:p>
-        </p:txBody>
-      </p:sp>
-      <p:pic>
-        <p:nvPicPr>
-          <p:cNvPr id="2050" name="Picture 2" descr="Kết quả hình ảnh cho target"/>
-          <p:cNvPicPr>
-            <a:picLocks noChangeAspect="1" noChangeArrowheads="1"/>
-          </p:cNvPicPr>
-          <p:nvPr/>
-        </p:nvPicPr>
-        <p:blipFill>
-          <a:blip r:embed="rId2" cstate="print">
-            <a:extLst>
-              <a:ext uri="{28A0092B-C50C-407E-A947-70E740481C1C}">
-                <a14:useLocalDpi xmlns:a14="http://schemas.microsoft.com/office/drawing/2010/main" val="0"/>
-              </a:ext>
-            </a:extLst>
-          </a:blip>
-          <a:srcRect/>
-          <a:stretch>
-            <a:fillRect/>
-          </a:stretch>
-        </p:blipFill>
-        <p:spPr bwMode="auto">
-          <a:xfrm>
-            <a:off x="10268398" y="63449"/>
-            <a:ext cx="1699484" cy="1673911"/>
-          </a:xfrm>
-          <a:prstGeom prst="rect">
-            <a:avLst/>
-          </a:prstGeom>
-          <a:noFill/>
-          <a:extLst>
-            <a:ext uri="{909E8E84-426E-40DD-AFC4-6F175D3DCCD1}">
-              <a14:hiddenFill xmlns:a14="http://schemas.microsoft.com/office/drawing/2010/main">
-                <a:solidFill>
-                  <a:srgbClr val="FFFFFF"/>
-                </a:solidFill>
-              </a14:hiddenFill>
-            </a:ext>
-          </a:extLst>
-        </p:spPr>
-      </p:pic>
-    </p:spTree>
-    <p:extLst>
-      <p:ext uri="{BB962C8B-B14F-4D97-AF65-F5344CB8AC3E}">
-        <p14:creationId xmlns:p14="http://schemas.microsoft.com/office/powerpoint/2010/main" val="3884352644"/>
+        <p14:creationId xmlns:p14="http://schemas.microsoft.com/office/powerpoint/2010/main" val="2643821052"/>
       </p:ext>
     </p:extLst>
   </p:cSld>
@@ -9048,533 +10070,7 @@
 </p:sld>
 </file>
 
-<file path=ppt/slides/slide3.xml><?xml version="1.0" encoding="utf-8"?>
-<p:sld xmlns:a="http://schemas.openxmlformats.org/drawingml/2006/main" xmlns:r="http://schemas.openxmlformats.org/officeDocument/2006/relationships" xmlns:p="http://schemas.openxmlformats.org/presentationml/2006/main">
-  <p:cSld>
-    <p:spTree>
-      <p:nvGrpSpPr>
-        <p:cNvPr id="1" name=""/>
-        <p:cNvGrpSpPr/>
-        <p:nvPr/>
-      </p:nvGrpSpPr>
-      <p:grpSpPr>
-        <a:xfrm>
-          <a:off x="0" y="0"/>
-          <a:ext cx="0" cy="0"/>
-          <a:chOff x="0" y="0"/>
-          <a:chExt cx="0" cy="0"/>
-        </a:xfrm>
-      </p:grpSpPr>
-      <p:sp>
-        <p:nvSpPr>
-          <p:cNvPr id="2" name="Title 1"/>
-          <p:cNvSpPr>
-            <a:spLocks noGrp="1"/>
-          </p:cNvSpPr>
-          <p:nvPr>
-            <p:ph type="title"/>
-          </p:nvPr>
-        </p:nvSpPr>
-        <p:spPr/>
-        <p:txBody>
-          <a:bodyPr/>
-          <a:lstStyle/>
-          <a:p>
-            <a:r>
-              <a:rPr lang="en-US" dirty="0" smtClean="0"/>
-              <a:t>Giới thiệu về .Net Core</a:t>
-            </a:r>
-            <a:endParaRPr lang="en-US" dirty="0"/>
-          </a:p>
-        </p:txBody>
-      </p:sp>
-      <p:sp>
-        <p:nvSpPr>
-          <p:cNvPr id="3" name="Content Placeholder 2"/>
-          <p:cNvSpPr>
-            <a:spLocks noGrp="1"/>
-          </p:cNvSpPr>
-          <p:nvPr>
-            <p:ph idx="1"/>
-          </p:nvPr>
-        </p:nvSpPr>
-        <p:spPr/>
-        <p:txBody>
-          <a:bodyPr>
-            <a:normAutofit/>
-          </a:bodyPr>
-          <a:lstStyle/>
-          <a:p>
-            <a:pPr>
-              <a:buFont typeface="Wingdings" panose="05000000000000000000" pitchFamily="2" charset="2"/>
-              <a:buChar char="Ø"/>
-            </a:pPr>
-            <a:r>
-              <a:rPr lang="en-US" sz="3600" dirty="0"/>
-              <a:t>ASP.NET Core là một open-source mới và framework </a:t>
-            </a:r>
-            <a:r>
-              <a:rPr lang="en-US" sz="3600" i="1" dirty="0"/>
-              <a:t>đa nền tảng</a:t>
-            </a:r>
-            <a:r>
-              <a:rPr lang="en-US" sz="3600" dirty="0"/>
-              <a:t> (cross-platform</a:t>
-            </a:r>
-            <a:r>
-              <a:rPr lang="en-US" sz="3600" dirty="0" smtClean="0"/>
-              <a:t>).</a:t>
-            </a:r>
-          </a:p>
-          <a:p>
-            <a:pPr>
-              <a:buFont typeface="Wingdings" panose="05000000000000000000" pitchFamily="2" charset="2"/>
-              <a:buChar char="Ø"/>
-            </a:pPr>
-            <a:r>
-              <a:rPr lang="en-US" sz="3600" dirty="0"/>
-              <a:t>C</a:t>
-            </a:r>
-            <a:r>
-              <a:rPr lang="en-US" sz="3600" dirty="0" smtClean="0"/>
-              <a:t>ó </a:t>
-            </a:r>
-            <a:r>
-              <a:rPr lang="en-US" sz="3600" dirty="0"/>
-              <a:t>thể chạy trên .NET Core hoặc trên phiên bản đầy đủ của .NET </a:t>
-            </a:r>
-            <a:r>
-              <a:rPr lang="en-US" sz="3600" dirty="0" smtClean="0"/>
-              <a:t>Framework.</a:t>
-            </a:r>
-          </a:p>
-          <a:p>
-            <a:pPr>
-              <a:buFont typeface="Wingdings" panose="05000000000000000000" pitchFamily="2" charset="2"/>
-              <a:buChar char="Ø"/>
-            </a:pPr>
-            <a:r>
-              <a:rPr lang="en-US" sz="3600" dirty="0"/>
-              <a:t>Đ</a:t>
-            </a:r>
-            <a:r>
-              <a:rPr lang="en-US" sz="3600" dirty="0" smtClean="0"/>
-              <a:t>ược </a:t>
-            </a:r>
-            <a:r>
-              <a:rPr lang="en-US" sz="3600" dirty="0"/>
-              <a:t>dựa trên một tập hợp các gói, các module hay cũng được gọi là các </a:t>
-            </a:r>
-            <a:r>
-              <a:rPr lang="en-US" sz="3600" i="1" dirty="0"/>
-              <a:t>NuGet Packages</a:t>
-            </a:r>
-            <a:endParaRPr lang="en-US" sz="3600" dirty="0"/>
-          </a:p>
-        </p:txBody>
-      </p:sp>
-      <p:pic>
-        <p:nvPicPr>
-          <p:cNvPr id="4" name="Picture 8" descr="Kết quả hình ảnh cho asp.net core"/>
-          <p:cNvPicPr>
-            <a:picLocks noChangeAspect="1" noChangeArrowheads="1"/>
-          </p:cNvPicPr>
-          <p:nvPr/>
-        </p:nvPicPr>
-        <p:blipFill>
-          <a:blip r:embed="rId3" cstate="print">
-            <a:extLst>
-              <a:ext uri="{28A0092B-C50C-407E-A947-70E740481C1C}">
-                <a14:useLocalDpi xmlns:a14="http://schemas.microsoft.com/office/drawing/2010/main" val="0"/>
-              </a:ext>
-            </a:extLst>
-          </a:blip>
-          <a:srcRect/>
-          <a:stretch>
-            <a:fillRect/>
-          </a:stretch>
-        </p:blipFill>
-        <p:spPr bwMode="auto">
-          <a:xfrm>
-            <a:off x="10554979" y="178229"/>
-            <a:ext cx="1439334" cy="1439334"/>
-          </a:xfrm>
-          <a:prstGeom prst="rect">
-            <a:avLst/>
-          </a:prstGeom>
-          <a:noFill/>
-          <a:extLst>
-            <a:ext uri="{909E8E84-426E-40DD-AFC4-6F175D3DCCD1}">
-              <a14:hiddenFill xmlns:a14="http://schemas.microsoft.com/office/drawing/2010/main">
-                <a:solidFill>
-                  <a:srgbClr val="FFFFFF"/>
-                </a:solidFill>
-              </a14:hiddenFill>
-            </a:ext>
-          </a:extLst>
-        </p:spPr>
-      </p:pic>
-    </p:spTree>
-    <p:extLst>
-      <p:ext uri="{BB962C8B-B14F-4D97-AF65-F5344CB8AC3E}">
-        <p14:creationId xmlns:p14="http://schemas.microsoft.com/office/powerpoint/2010/main" val="3879407884"/>
-      </p:ext>
-    </p:extLst>
-  </p:cSld>
-  <p:clrMapOvr>
-    <a:masterClrMapping/>
-  </p:clrMapOvr>
-</p:sld>
-</file>
-
-<file path=ppt/slides/slide4.xml><?xml version="1.0" encoding="utf-8"?>
-<p:sld xmlns:a="http://schemas.openxmlformats.org/drawingml/2006/main" xmlns:r="http://schemas.openxmlformats.org/officeDocument/2006/relationships" xmlns:p="http://schemas.openxmlformats.org/presentationml/2006/main">
-  <p:cSld>
-    <p:spTree>
-      <p:nvGrpSpPr>
-        <p:cNvPr id="1" name=""/>
-        <p:cNvGrpSpPr/>
-        <p:nvPr/>
-      </p:nvGrpSpPr>
-      <p:grpSpPr>
-        <a:xfrm>
-          <a:off x="0" y="0"/>
-          <a:ext cx="0" cy="0"/>
-          <a:chOff x="0" y="0"/>
-          <a:chExt cx="0" cy="0"/>
-        </a:xfrm>
-      </p:grpSpPr>
-      <p:sp>
-        <p:nvSpPr>
-          <p:cNvPr id="2" name="Title 1"/>
-          <p:cNvSpPr>
-            <a:spLocks noGrp="1"/>
-          </p:cNvSpPr>
-          <p:nvPr>
-            <p:ph type="title"/>
-          </p:nvPr>
-        </p:nvSpPr>
-        <p:spPr/>
-        <p:txBody>
-          <a:bodyPr>
-            <a:normAutofit/>
-          </a:bodyPr>
-          <a:lstStyle/>
-          <a:p>
-            <a:r>
-              <a:rPr lang="en-US" sz="6600" dirty="0" smtClean="0"/>
-              <a:t>Giới thiệu về mô hình MVC</a:t>
-            </a:r>
-            <a:endParaRPr lang="en-US" sz="6600" dirty="0"/>
-          </a:p>
-        </p:txBody>
-      </p:sp>
-      <p:pic>
-        <p:nvPicPr>
-          <p:cNvPr id="4" name="Content Placeholder 3" descr="https://gpcoder.com/wp-content/uploads/2019/02/design-patterns-mvc-diagram.png"/>
-          <p:cNvPicPr>
-            <a:picLocks noGrp="1"/>
-          </p:cNvPicPr>
-          <p:nvPr>
-            <p:ph idx="1"/>
-          </p:nvPr>
-        </p:nvPicPr>
-        <p:blipFill>
-          <a:blip r:embed="rId3">
-            <a:extLst>
-              <a:ext uri="{28A0092B-C50C-407E-A947-70E740481C1C}">
-                <a14:useLocalDpi xmlns:a14="http://schemas.microsoft.com/office/drawing/2010/main" val="0"/>
-              </a:ext>
-            </a:extLst>
-          </a:blip>
-          <a:srcRect/>
-          <a:stretch>
-            <a:fillRect/>
-          </a:stretch>
-        </p:blipFill>
-        <p:spPr bwMode="auto">
-          <a:xfrm>
-            <a:off x="742583" y="1750807"/>
-            <a:ext cx="10767793" cy="4515522"/>
-          </a:xfrm>
-          <a:prstGeom prst="rect">
-            <a:avLst/>
-          </a:prstGeom>
-          <a:noFill/>
-          <a:ln>
-            <a:noFill/>
-          </a:ln>
-        </p:spPr>
-      </p:pic>
-      <p:pic>
-        <p:nvPicPr>
-          <p:cNvPr id="3074" name="Picture 2" descr="Kết quả hình ảnh cho MVC"/>
-          <p:cNvPicPr>
-            <a:picLocks noChangeAspect="1" noChangeArrowheads="1"/>
-          </p:cNvPicPr>
-          <p:nvPr/>
-        </p:nvPicPr>
-        <p:blipFill>
-          <a:blip r:embed="rId4" cstate="print">
-            <a:extLst>
-              <a:ext uri="{28A0092B-C50C-407E-A947-70E740481C1C}">
-                <a14:useLocalDpi xmlns:a14="http://schemas.microsoft.com/office/drawing/2010/main" val="0"/>
-              </a:ext>
-            </a:extLst>
-          </a:blip>
-          <a:srcRect/>
-          <a:stretch>
-            <a:fillRect/>
-          </a:stretch>
-        </p:blipFill>
-        <p:spPr bwMode="auto">
-          <a:xfrm>
-            <a:off x="10268159" y="0"/>
-            <a:ext cx="1775042" cy="1045509"/>
-          </a:xfrm>
-          <a:prstGeom prst="rect">
-            <a:avLst/>
-          </a:prstGeom>
-          <a:noFill/>
-          <a:extLst>
-            <a:ext uri="{909E8E84-426E-40DD-AFC4-6F175D3DCCD1}">
-              <a14:hiddenFill xmlns:a14="http://schemas.microsoft.com/office/drawing/2010/main">
-                <a:solidFill>
-                  <a:srgbClr val="FFFFFF"/>
-                </a:solidFill>
-              </a14:hiddenFill>
-            </a:ext>
-          </a:extLst>
-        </p:spPr>
-      </p:pic>
-    </p:spTree>
-    <p:extLst>
-      <p:ext uri="{BB962C8B-B14F-4D97-AF65-F5344CB8AC3E}">
-        <p14:creationId xmlns:p14="http://schemas.microsoft.com/office/powerpoint/2010/main" val="1140454504"/>
-      </p:ext>
-    </p:extLst>
-  </p:cSld>
-  <p:clrMapOvr>
-    <a:masterClrMapping/>
-  </p:clrMapOvr>
-  <mc:AlternateContent xmlns:mc="http://schemas.openxmlformats.org/markup-compatibility/2006" xmlns:p14="http://schemas.microsoft.com/office/powerpoint/2010/main">
-    <mc:Choice Requires="p14">
-      <p:transition spd="slow" p14:dur="1300">
-        <p14:pan/>
-      </p:transition>
-    </mc:Choice>
-    <mc:Fallback xmlns="">
-      <p:transition spd="slow">
-        <p:fade/>
-      </p:transition>
-    </mc:Fallback>
-  </mc:AlternateContent>
-  <p:timing>
-    <p:tnLst>
-      <p:par>
-        <p:cTn id="1" dur="indefinite" restart="never" nodeType="tmRoot"/>
-      </p:par>
-    </p:tnLst>
-  </p:timing>
-</p:sld>
-</file>
-
-<file path=ppt/slides/slide5.xml><?xml version="1.0" encoding="utf-8"?>
-<p:sld xmlns:a="http://schemas.openxmlformats.org/drawingml/2006/main" xmlns:r="http://schemas.openxmlformats.org/officeDocument/2006/relationships" xmlns:p="http://schemas.openxmlformats.org/presentationml/2006/main">
-  <p:cSld>
-    <p:spTree>
-      <p:nvGrpSpPr>
-        <p:cNvPr id="1" name=""/>
-        <p:cNvGrpSpPr/>
-        <p:nvPr/>
-      </p:nvGrpSpPr>
-      <p:grpSpPr>
-        <a:xfrm>
-          <a:off x="0" y="0"/>
-          <a:ext cx="0" cy="0"/>
-          <a:chOff x="0" y="0"/>
-          <a:chExt cx="0" cy="0"/>
-        </a:xfrm>
-      </p:grpSpPr>
-      <p:sp>
-        <p:nvSpPr>
-          <p:cNvPr id="2" name="Title 1"/>
-          <p:cNvSpPr>
-            <a:spLocks noGrp="1"/>
-          </p:cNvSpPr>
-          <p:nvPr>
-            <p:ph type="title"/>
-          </p:nvPr>
-        </p:nvSpPr>
-        <p:spPr>
-          <a:xfrm>
-            <a:off x="521447" y="286603"/>
-            <a:ext cx="11687733" cy="1450757"/>
-          </a:xfrm>
-        </p:spPr>
-        <p:txBody>
-          <a:bodyPr/>
-          <a:lstStyle/>
-          <a:p>
-            <a:r>
-              <a:rPr lang="en-US"/>
-              <a:t>Giải quyết Machine Learning </a:t>
-            </a:r>
-            <a:r>
-              <a:rPr lang="en-US" smtClean="0"/>
-              <a:t>với Microsoft.ML</a:t>
-            </a:r>
-            <a:endParaRPr lang="en-US" dirty="0"/>
-          </a:p>
-        </p:txBody>
-      </p:sp>
-      <p:pic>
-        <p:nvPicPr>
-          <p:cNvPr id="4" name="Content Placeholder 3" descr="https://machinelearningcoban.com/assets/introduce/aimldl.png"/>
-          <p:cNvPicPr>
-            <a:picLocks noGrp="1"/>
-          </p:cNvPicPr>
-          <p:nvPr>
-            <p:ph idx="1"/>
-          </p:nvPr>
-        </p:nvPicPr>
-        <p:blipFill rotWithShape="1">
-          <a:blip r:embed="rId2">
-            <a:extLst>
-              <a:ext uri="{28A0092B-C50C-407E-A947-70E740481C1C}">
-                <a14:useLocalDpi xmlns:a14="http://schemas.microsoft.com/office/drawing/2010/main" val="0"/>
-              </a:ext>
-            </a:extLst>
-          </a:blip>
-          <a:srcRect t="7288" b="4473"/>
-          <a:stretch/>
-        </p:blipFill>
-        <p:spPr bwMode="auto">
-          <a:xfrm>
-            <a:off x="4628904" y="2279276"/>
-            <a:ext cx="6746561" cy="3429000"/>
-          </a:xfrm>
-          <a:prstGeom prst="rect">
-            <a:avLst/>
-          </a:prstGeom>
-          <a:noFill/>
-          <a:ln>
-            <a:noFill/>
-          </a:ln>
-          <a:extLst>
-            <a:ext uri="{53640926-AAD7-44D8-BBD7-CCE9431645EC}">
-              <a14:shadowObscured xmlns:a14="http://schemas.microsoft.com/office/drawing/2010/main"/>
-            </a:ext>
-          </a:extLst>
-        </p:spPr>
-      </p:pic>
-      <p:pic>
-        <p:nvPicPr>
-          <p:cNvPr id="5" name="Picture 4" descr="https://cdn-images-1.medium.com/max/800/1*ASYpFfDh7XnreU-ygqXonw.png"/>
-          <p:cNvPicPr/>
-          <p:nvPr/>
-        </p:nvPicPr>
-        <p:blipFill>
-          <a:blip r:embed="rId3" cstate="print">
-            <a:extLst>
-              <a:ext uri="{28A0092B-C50C-407E-A947-70E740481C1C}">
-                <a14:useLocalDpi xmlns:a14="http://schemas.microsoft.com/office/drawing/2010/main" val="0"/>
-              </a:ext>
-            </a:extLst>
-          </a:blip>
-          <a:srcRect/>
-          <a:stretch>
-            <a:fillRect/>
-          </a:stretch>
-        </p:blipFill>
-        <p:spPr bwMode="auto">
-          <a:xfrm>
-            <a:off x="467659" y="3993776"/>
-            <a:ext cx="3996765" cy="2038724"/>
-          </a:xfrm>
-          <a:prstGeom prst="rect">
-            <a:avLst/>
-          </a:prstGeom>
-          <a:noFill/>
-          <a:ln>
-            <a:noFill/>
-          </a:ln>
-        </p:spPr>
-      </p:pic>
-      <p:pic>
-        <p:nvPicPr>
-          <p:cNvPr id="4098" name="Picture 2" descr="Kết quả hình ảnh cho ml.net"/>
-          <p:cNvPicPr>
-            <a:picLocks noChangeAspect="1" noChangeArrowheads="1"/>
-          </p:cNvPicPr>
-          <p:nvPr/>
-        </p:nvPicPr>
-        <p:blipFill>
-          <a:blip r:embed="rId4">
-            <a:extLst>
-              <a:ext uri="{28A0092B-C50C-407E-A947-70E740481C1C}">
-                <a14:useLocalDpi xmlns:a14="http://schemas.microsoft.com/office/drawing/2010/main" val="0"/>
-              </a:ext>
-            </a:extLst>
-          </a:blip>
-          <a:srcRect/>
-          <a:stretch>
-            <a:fillRect/>
-          </a:stretch>
-        </p:blipFill>
-        <p:spPr bwMode="auto">
-          <a:xfrm>
-            <a:off x="1535299" y="1934826"/>
-            <a:ext cx="1861484" cy="1861484"/>
-          </a:xfrm>
-          <a:prstGeom prst="rect">
-            <a:avLst/>
-          </a:prstGeom>
-          <a:noFill/>
-          <a:extLst>
-            <a:ext uri="{909E8E84-426E-40DD-AFC4-6F175D3DCCD1}">
-              <a14:hiddenFill xmlns:a14="http://schemas.microsoft.com/office/drawing/2010/main">
-                <a:solidFill>
-                  <a:srgbClr val="FFFFFF"/>
-                </a:solidFill>
-              </a14:hiddenFill>
-            </a:ext>
-          </a:extLst>
-        </p:spPr>
-      </p:pic>
-    </p:spTree>
-    <p:extLst>
-      <p:ext uri="{BB962C8B-B14F-4D97-AF65-F5344CB8AC3E}">
-        <p14:creationId xmlns:p14="http://schemas.microsoft.com/office/powerpoint/2010/main" val="456362733"/>
-      </p:ext>
-    </p:extLst>
-  </p:cSld>
-  <p:clrMapOvr>
-    <a:masterClrMapping/>
-  </p:clrMapOvr>
-  <mc:AlternateContent xmlns:mc="http://schemas.openxmlformats.org/markup-compatibility/2006" xmlns:p14="http://schemas.microsoft.com/office/powerpoint/2010/main">
-    <mc:Choice Requires="p14">
-      <p:transition spd="slow" p14:dur="1300">
-        <p14:pan/>
-      </p:transition>
-    </mc:Choice>
-    <mc:Fallback xmlns="">
-      <p:transition spd="slow">
-        <p:fade/>
-      </p:transition>
-    </mc:Fallback>
-  </mc:AlternateContent>
-  <p:timing>
-    <p:tnLst>
-      <p:par>
-        <p:cTn id="1" dur="indefinite" restart="never" nodeType="tmRoot"/>
-      </p:par>
-    </p:tnLst>
-  </p:timing>
-</p:sld>
-</file>
-
-<file path=ppt/slides/slide6.xml><?xml version="1.0" encoding="utf-8"?>
+<file path=ppt/slides/slide16.xml><?xml version="1.0" encoding="utf-8"?>
 <p:sld xmlns:a="http://schemas.openxmlformats.org/drawingml/2006/main" xmlns:r="http://schemas.openxmlformats.org/officeDocument/2006/relationships" xmlns:p="http://schemas.openxmlformats.org/presentationml/2006/main">
   <p:cSld>
     <p:spTree>
@@ -9729,7 +10225,7 @@
 </p:sld>
 </file>
 
-<file path=ppt/slides/slide7.xml><?xml version="1.0" encoding="utf-8"?>
+<file path=ppt/slides/slide17.xml><?xml version="1.0" encoding="utf-8"?>
 <p:sld xmlns:a="http://schemas.openxmlformats.org/drawingml/2006/main" xmlns:r="http://schemas.openxmlformats.org/officeDocument/2006/relationships" xmlns:p="http://schemas.openxmlformats.org/presentationml/2006/main">
   <p:cSld>
     <p:spTree>
@@ -9896,7 +10392,7 @@
 </p:sld>
 </file>
 
-<file path=ppt/slides/slide8.xml><?xml version="1.0" encoding="utf-8"?>
+<file path=ppt/slides/slide18.xml><?xml version="1.0" encoding="utf-8"?>
 <p:sld xmlns:a="http://schemas.openxmlformats.org/drawingml/2006/main" xmlns:r="http://schemas.openxmlformats.org/officeDocument/2006/relationships" xmlns:p="http://schemas.openxmlformats.org/presentationml/2006/main">
   <p:cSld>
     <p:spTree>
@@ -9965,6 +10461,7 @@
           <a:bodyPr/>
           <a:lstStyle/>
           <a:p>
+            <a:pPr algn="just"/>
             <a:r>
               <a:rPr lang="en-US" smtClean="0"/>
               <a:t>Trang Chủ:</a:t>
@@ -9976,9 +10473,18 @@
               <a:buChar char="v"/>
             </a:pPr>
             <a:r>
+              <a:rPr lang="en-US" smtClean="0"/>
+              <a:t>Hiển </a:t>
+            </a:r>
+            <a:r>
               <a:rPr lang="en-US"/>
-              <a:t>Hiện thị bài đăng</a:t>
-            </a:r>
+              <a:t>thị bài </a:t>
+            </a:r>
+            <a:r>
+              <a:rPr lang="en-US" smtClean="0"/>
+              <a:t>đăng</a:t>
+            </a:r>
+            <a:endParaRPr lang="en-US"/>
           </a:p>
           <a:p>
             <a:pPr>
@@ -9987,8 +10493,13 @@
             </a:pPr>
             <a:r>
               <a:rPr lang="en-US"/>
-              <a:t>Chức năng tìm kiếm</a:t>
-            </a:r>
+              <a:t>Chức năng tìm </a:t>
+            </a:r>
+            <a:r>
+              <a:rPr lang="en-US" smtClean="0"/>
+              <a:t>kiếm</a:t>
+            </a:r>
+            <a:endParaRPr lang="en-US"/>
           </a:p>
           <a:p>
             <a:pPr>
@@ -9997,8 +10508,13 @@
             </a:pPr>
             <a:r>
               <a:rPr lang="en-US"/>
-              <a:t>Chức năng đăng bài</a:t>
-            </a:r>
+              <a:t>Chức năng đăng </a:t>
+            </a:r>
+            <a:r>
+              <a:rPr lang="en-US" smtClean="0"/>
+              <a:t>bài</a:t>
+            </a:r>
+            <a:endParaRPr lang="en-US"/>
           </a:p>
           <a:p>
             <a:pPr>
@@ -10006,8 +10522,8 @@
               <a:buChar char="v"/>
             </a:pPr>
             <a:r>
-              <a:rPr lang="en-US"/>
-              <a:t>Chức năng định giá bất động sản</a:t>
+              <a:rPr lang="en-US" smtClean="0"/>
+              <a:t>Demo định giá</a:t>
             </a:r>
             <a:endParaRPr lang="en-US" dirty="0"/>
           </a:p>
@@ -10286,35 +10802,48 @@
             </a:lvl9pPr>
           </a:lstStyle>
           <a:p>
+            <a:pPr algn="just"/>
             <a:r>
               <a:rPr lang="en-US" smtClean="0"/>
               <a:t>Trang Admin:</a:t>
             </a:r>
           </a:p>
           <a:p>
-            <a:pPr>
+            <a:pPr algn="just">
               <a:buFont typeface="Wingdings" panose="05000000000000000000" pitchFamily="2" charset="2"/>
               <a:buChar char="v"/>
             </a:pPr>
             <a:r>
               <a:rPr lang="en-US"/>
-              <a:t>Quản lý tài khoản khách hàng</a:t>
-            </a:r>
-          </a:p>
-          <a:p>
-            <a:pPr>
+              <a:t>Quản lý tài khoản khách </a:t>
+            </a:r>
+            <a:r>
+              <a:rPr lang="en-US" smtClean="0"/>
+              <a:t>hàng</a:t>
+            </a:r>
+            <a:endParaRPr lang="en-US"/>
+          </a:p>
+          <a:p>
+            <a:pPr algn="just">
               <a:buFont typeface="Wingdings" panose="05000000000000000000" pitchFamily="2" charset="2"/>
               <a:buChar char="v"/>
             </a:pPr>
             <a:r>
               <a:rPr lang="en-US"/>
-              <a:t>Quản lý bài đăng</a:t>
-            </a:r>
-          </a:p>
-          <a:p>
+              <a:t>Quản lý bài </a:t>
+            </a:r>
+            <a:r>
+              <a:rPr lang="en-US" smtClean="0"/>
+              <a:t>đăng</a:t>
+            </a:r>
+            <a:endParaRPr lang="en-US"/>
+          </a:p>
+          <a:p>
+            <a:pPr algn="just"/>
             <a:endParaRPr lang="en-US" smtClean="0"/>
           </a:p>
           <a:p>
+            <a:pPr algn="just"/>
             <a:endParaRPr lang="en-US" dirty="0"/>
           </a:p>
         </p:txBody>
@@ -10592,20 +11121,31 @@
             </a:lvl9pPr>
           </a:lstStyle>
           <a:p>
+            <a:pPr algn="just"/>
             <a:r>
               <a:rPr lang="en-US" smtClean="0"/>
               <a:t>Trang User:</a:t>
             </a:r>
           </a:p>
           <a:p>
-            <a:pPr>
+            <a:pPr algn="just">
               <a:buFont typeface="Wingdings" panose="05000000000000000000" pitchFamily="2" charset="2"/>
               <a:buChar char="v"/>
             </a:pPr>
             <a:r>
               <a:rPr lang="en-US"/>
-              <a:t>Quản lý bài đăng cá nhân</a:t>
-            </a:r>
+              <a:t>Quản lý bài đăng cá </a:t>
+            </a:r>
+            <a:r>
+              <a:rPr lang="en-US" smtClean="0"/>
+              <a:t>nhân</a:t>
+            </a:r>
+          </a:p>
+          <a:p>
+            <a:pPr algn="just">
+              <a:buFont typeface="Wingdings" panose="05000000000000000000" pitchFamily="2" charset="2"/>
+              <a:buChar char="v"/>
+            </a:pPr>
             <a:endParaRPr lang="en-US" dirty="0"/>
           </a:p>
         </p:txBody>
@@ -10919,7 +11459,7 @@
             </a:r>
           </a:p>
           <a:p>
-            <a:pPr>
+            <a:pPr algn="just">
               <a:buFont typeface="Wingdings" panose="05000000000000000000" pitchFamily="2" charset="2"/>
               <a:buChar char="v"/>
             </a:pPr>
@@ -11105,6 +11645,3419 @@
     <p:extLst>
       <p:ext uri="{BB962C8B-B14F-4D97-AF65-F5344CB8AC3E}">
         <p14:creationId xmlns:p14="http://schemas.microsoft.com/office/powerpoint/2010/main" val="3347442807"/>
+      </p:ext>
+    </p:extLst>
+  </p:cSld>
+  <p:clrMapOvr>
+    <a:masterClrMapping/>
+  </p:clrMapOvr>
+  <mc:AlternateContent xmlns:mc="http://schemas.openxmlformats.org/markup-compatibility/2006" xmlns:p14="http://schemas.microsoft.com/office/powerpoint/2010/main">
+    <mc:Choice Requires="p14">
+      <p:transition spd="slow" p14:dur="1300">
+        <p14:pan/>
+      </p:transition>
+    </mc:Choice>
+    <mc:Fallback xmlns="">
+      <p:transition spd="slow">
+        <p:fade/>
+      </p:transition>
+    </mc:Fallback>
+  </mc:AlternateContent>
+  <p:timing>
+    <p:tnLst>
+      <p:par>
+        <p:cTn id="1" dur="indefinite" restart="never" nodeType="tmRoot"/>
+      </p:par>
+    </p:tnLst>
+  </p:timing>
+</p:sld>
+</file>
+
+<file path=ppt/slides/slide19.xml><?xml version="1.0" encoding="utf-8"?>
+<p:sld xmlns:a="http://schemas.openxmlformats.org/drawingml/2006/main" xmlns:r="http://schemas.openxmlformats.org/officeDocument/2006/relationships" xmlns:p="http://schemas.openxmlformats.org/presentationml/2006/main">
+  <p:cSld>
+    <p:spTree>
+      <p:nvGrpSpPr>
+        <p:cNvPr id="1" name=""/>
+        <p:cNvGrpSpPr/>
+        <p:nvPr/>
+      </p:nvGrpSpPr>
+      <p:grpSpPr>
+        <a:xfrm>
+          <a:off x="0" y="0"/>
+          <a:ext cx="0" cy="0"/>
+          <a:chOff x="0" y="0"/>
+          <a:chExt cx="0" cy="0"/>
+        </a:xfrm>
+      </p:grpSpPr>
+      <p:sp>
+        <p:nvSpPr>
+          <p:cNvPr id="2" name="Title 1"/>
+          <p:cNvSpPr>
+            <a:spLocks noGrp="1"/>
+          </p:cNvSpPr>
+          <p:nvPr>
+            <p:ph type="title"/>
+          </p:nvPr>
+        </p:nvSpPr>
+        <p:spPr/>
+        <p:txBody>
+          <a:bodyPr>
+            <a:normAutofit/>
+          </a:bodyPr>
+          <a:lstStyle/>
+          <a:p>
+            <a:r>
+              <a:rPr lang="en-US" sz="7200" smtClean="0"/>
+              <a:t>Kết Luận</a:t>
+            </a:r>
+            <a:endParaRPr lang="en-US" sz="7200" dirty="0"/>
+          </a:p>
+        </p:txBody>
+      </p:sp>
+      <p:sp>
+        <p:nvSpPr>
+          <p:cNvPr id="3" name="Content Placeholder 2"/>
+          <p:cNvSpPr>
+            <a:spLocks noGrp="1"/>
+          </p:cNvSpPr>
+          <p:nvPr>
+            <p:ph idx="1"/>
+          </p:nvPr>
+        </p:nvSpPr>
+        <p:spPr>
+          <a:xfrm>
+            <a:off x="548752" y="1771226"/>
+            <a:ext cx="8029192" cy="4667674"/>
+          </a:xfrm>
+        </p:spPr>
+        <p:txBody>
+          <a:bodyPr>
+            <a:normAutofit lnSpcReduction="10000"/>
+          </a:bodyPr>
+          <a:lstStyle/>
+          <a:p>
+            <a:pPr algn="just">
+              <a:buFont typeface="Wingdings" panose="05000000000000000000" pitchFamily="2" charset="2"/>
+              <a:buChar char="v"/>
+            </a:pPr>
+            <a:r>
+              <a:rPr lang="en-US" sz="2400" smtClean="0"/>
+              <a:t>Kết quả đạt được:</a:t>
+            </a:r>
+          </a:p>
+          <a:p>
+            <a:pPr lvl="1" algn="just">
+              <a:buFont typeface="Arial" panose="020B0604020202020204" pitchFamily="34" charset="0"/>
+              <a:buChar char="•"/>
+            </a:pPr>
+            <a:r>
+              <a:rPr lang="en-US" sz="2200" smtClean="0"/>
+              <a:t>Hiểu được cấu trúc, cách hoạt động, phát triển web trên nền tảng         </a:t>
+            </a:r>
+            <a:r>
+              <a:rPr lang="en-US" sz="2200" smtClean="0"/>
+              <a:t>NET Core.</a:t>
+            </a:r>
+          </a:p>
+          <a:p>
+            <a:pPr lvl="1" algn="just">
+              <a:buFont typeface="Arial" panose="020B0604020202020204" pitchFamily="34" charset="0"/>
+              <a:buChar char="•"/>
+            </a:pPr>
+            <a:r>
+              <a:rPr lang="en-US" sz="2200" smtClean="0"/>
+              <a:t>Dựng demo website Bất động sản với những chức năng cơ bản.</a:t>
+            </a:r>
+            <a:endParaRPr lang="en-US" sz="2200" smtClean="0"/>
+          </a:p>
+          <a:p>
+            <a:pPr lvl="1" algn="just">
+              <a:buFont typeface="Arial" panose="020B0604020202020204" pitchFamily="34" charset="0"/>
+              <a:buChar char="•"/>
+            </a:pPr>
+            <a:r>
+              <a:rPr lang="en-US" sz="2200" smtClean="0"/>
+              <a:t>Demo về dự đoán với thư viện ML.NET.</a:t>
+            </a:r>
+            <a:endParaRPr lang="en-US" sz="2200" smtClean="0"/>
+          </a:p>
+          <a:p>
+            <a:pPr algn="just">
+              <a:buFont typeface="Wingdings" panose="05000000000000000000" pitchFamily="2" charset="2"/>
+              <a:buChar char="v"/>
+            </a:pPr>
+            <a:r>
+              <a:rPr lang="en-US" sz="2400" smtClean="0"/>
+              <a:t>Ưu điểm:</a:t>
+            </a:r>
+          </a:p>
+          <a:p>
+            <a:pPr lvl="1" algn="just">
+              <a:buFont typeface="Arial" panose="020B0604020202020204" pitchFamily="34" charset="0"/>
+              <a:buChar char="•"/>
+            </a:pPr>
+            <a:r>
+              <a:rPr lang="en-US" sz="2200" smtClean="0"/>
+              <a:t>Nền tảng công nghệ mới hỗ trợ cho việc trải nghiệm ổn định,  chính xác, an toàn,…</a:t>
+            </a:r>
+          </a:p>
+          <a:p>
+            <a:pPr lvl="1" algn="just">
+              <a:buFont typeface="Arial" panose="020B0604020202020204" pitchFamily="34" charset="0"/>
+              <a:buChar char="•"/>
+            </a:pPr>
+            <a:r>
+              <a:rPr lang="en-US" sz="2200" smtClean="0"/>
+              <a:t>Website có giao diện thân thiện, đơn giản, dễ sử dụng.</a:t>
+            </a:r>
+          </a:p>
+          <a:p>
+            <a:pPr algn="just">
+              <a:buFont typeface="Wingdings" panose="05000000000000000000" pitchFamily="2" charset="2"/>
+              <a:buChar char="v"/>
+            </a:pPr>
+            <a:r>
+              <a:rPr lang="en-US" sz="2400" smtClean="0"/>
+              <a:t>Nhược điểm:</a:t>
+            </a:r>
+          </a:p>
+          <a:p>
+            <a:pPr lvl="1" algn="just">
+              <a:buFont typeface="Arial" panose="020B0604020202020204" pitchFamily="34" charset="0"/>
+              <a:buChar char="•"/>
+            </a:pPr>
+            <a:r>
+              <a:rPr lang="en-US" sz="2200" smtClean="0"/>
+              <a:t>CSDL chưa được ràng buộc chặt chẽ</a:t>
+            </a:r>
+          </a:p>
+          <a:p>
+            <a:pPr lvl="1" algn="just">
+              <a:buFont typeface="Arial" panose="020B0604020202020204" pitchFamily="34" charset="0"/>
+              <a:buChar char="•"/>
+            </a:pPr>
+            <a:r>
+              <a:rPr lang="en-US" sz="2200"/>
+              <a:t>Website chưa được tối ưu, kiểm tra các lỗi phát sinh khi vận </a:t>
+            </a:r>
+            <a:r>
+              <a:rPr lang="en-US" sz="2200"/>
+              <a:t>hành</a:t>
+            </a:r>
+            <a:r>
+              <a:rPr lang="en-US" sz="2200" smtClean="0"/>
+              <a:t>.</a:t>
+            </a:r>
+          </a:p>
+          <a:p>
+            <a:pPr lvl="1" algn="just">
+              <a:buFont typeface="Arial" panose="020B0604020202020204" pitchFamily="34" charset="0"/>
+              <a:buChar char="•"/>
+            </a:pPr>
+            <a:endParaRPr lang="en-US" sz="2200" dirty="0"/>
+          </a:p>
+        </p:txBody>
+      </p:sp>
+      <p:pic>
+        <p:nvPicPr>
+          <p:cNvPr id="1026" name="Picture 2" descr="Kết quả hình ảnh cho conclusion"/>
+          <p:cNvPicPr>
+            <a:picLocks noChangeAspect="1" noChangeArrowheads="1"/>
+          </p:cNvPicPr>
+          <p:nvPr/>
+        </p:nvPicPr>
+        <p:blipFill>
+          <a:blip r:embed="rId2">
+            <a:extLst>
+              <a:ext uri="{28A0092B-C50C-407E-A947-70E740481C1C}">
+                <a14:useLocalDpi xmlns:a14="http://schemas.microsoft.com/office/drawing/2010/main" val="0"/>
+              </a:ext>
+            </a:extLst>
+          </a:blip>
+          <a:srcRect/>
+          <a:stretch>
+            <a:fillRect/>
+          </a:stretch>
+        </p:blipFill>
+        <p:spPr bwMode="auto">
+          <a:xfrm>
+            <a:off x="8793480" y="2679700"/>
+            <a:ext cx="2627312" cy="2627313"/>
+          </a:xfrm>
+          <a:prstGeom prst="rect">
+            <a:avLst/>
+          </a:prstGeom>
+          <a:noFill/>
+          <a:extLst>
+            <a:ext uri="{909E8E84-426E-40DD-AFC4-6F175D3DCCD1}">
+              <a14:hiddenFill xmlns:a14="http://schemas.microsoft.com/office/drawing/2010/main">
+                <a:solidFill>
+                  <a:srgbClr val="FFFFFF"/>
+                </a:solidFill>
+              </a14:hiddenFill>
+            </a:ext>
+          </a:extLst>
+        </p:spPr>
+      </p:pic>
+    </p:spTree>
+    <p:extLst>
+      <p:ext uri="{BB962C8B-B14F-4D97-AF65-F5344CB8AC3E}">
+        <p14:creationId xmlns:p14="http://schemas.microsoft.com/office/powerpoint/2010/main" val="1277055992"/>
+      </p:ext>
+    </p:extLst>
+  </p:cSld>
+  <p:clrMapOvr>
+    <a:masterClrMapping/>
+  </p:clrMapOvr>
+  <mc:AlternateContent xmlns:mc="http://schemas.openxmlformats.org/markup-compatibility/2006" xmlns:p14="http://schemas.microsoft.com/office/powerpoint/2010/main">
+    <mc:Choice Requires="p14">
+      <p:transition spd="slow" p14:dur="1300">
+        <p14:pan/>
+      </p:transition>
+    </mc:Choice>
+    <mc:Fallback xmlns="">
+      <p:transition spd="slow">
+        <p:fade/>
+      </p:transition>
+    </mc:Fallback>
+  </mc:AlternateContent>
+  <p:timing>
+    <p:tnLst>
+      <p:par>
+        <p:cTn id="1" dur="indefinite" restart="never" nodeType="tmRoot">
+          <p:childTnLst>
+            <p:seq concurrent="1" nextAc="seek">
+              <p:cTn id="2" dur="indefinite" nodeType="mainSeq">
+                <p:childTnLst>
+                  <p:par>
+                    <p:cTn id="3" fill="hold">
+                      <p:stCondLst>
+                        <p:cond delay="indefinite"/>
+                      </p:stCondLst>
+                      <p:childTnLst>
+                        <p:par>
+                          <p:cTn id="4" fill="hold">
+                            <p:stCondLst>
+                              <p:cond delay="0"/>
+                            </p:stCondLst>
+                            <p:childTnLst>
+                              <p:par>
+                                <p:cTn id="5" presetID="10" presetClass="entr" presetSubtype="0" fill="hold" grpId="0" nodeType="clickEffect">
+                                  <p:stCondLst>
+                                    <p:cond delay="0"/>
+                                  </p:stCondLst>
+                                  <p:childTnLst>
+                                    <p:set>
+                                      <p:cBhvr>
+                                        <p:cTn id="6" dur="1" fill="hold">
+                                          <p:stCondLst>
+                                            <p:cond delay="0"/>
+                                          </p:stCondLst>
+                                        </p:cTn>
+                                        <p:tgtEl>
+                                          <p:spTgt spid="3">
+                                            <p:txEl>
+                                              <p:pRg st="0" end="0"/>
+                                            </p:txEl>
+                                          </p:spTgt>
+                                        </p:tgtEl>
+                                        <p:attrNameLst>
+                                          <p:attrName>style.visibility</p:attrName>
+                                        </p:attrNameLst>
+                                      </p:cBhvr>
+                                      <p:to>
+                                        <p:strVal val="visible"/>
+                                      </p:to>
+                                    </p:set>
+                                    <p:animEffect transition="in" filter="fade">
+                                      <p:cBhvr>
+                                        <p:cTn id="7" dur="500"/>
+                                        <p:tgtEl>
+                                          <p:spTgt spid="3">
+                                            <p:txEl>
+                                              <p:pRg st="0" end="0"/>
+                                            </p:txEl>
+                                          </p:spTgt>
+                                        </p:tgtEl>
+                                      </p:cBhvr>
+                                    </p:animEffect>
+                                  </p:childTnLst>
+                                </p:cTn>
+                              </p:par>
+                              <p:par>
+                                <p:cTn id="8" presetID="10" presetClass="entr" presetSubtype="0" fill="hold" grpId="0" nodeType="withEffect">
+                                  <p:stCondLst>
+                                    <p:cond delay="0"/>
+                                  </p:stCondLst>
+                                  <p:childTnLst>
+                                    <p:set>
+                                      <p:cBhvr>
+                                        <p:cTn id="9" dur="1" fill="hold">
+                                          <p:stCondLst>
+                                            <p:cond delay="0"/>
+                                          </p:stCondLst>
+                                        </p:cTn>
+                                        <p:tgtEl>
+                                          <p:spTgt spid="3">
+                                            <p:txEl>
+                                              <p:pRg st="1" end="1"/>
+                                            </p:txEl>
+                                          </p:spTgt>
+                                        </p:tgtEl>
+                                        <p:attrNameLst>
+                                          <p:attrName>style.visibility</p:attrName>
+                                        </p:attrNameLst>
+                                      </p:cBhvr>
+                                      <p:to>
+                                        <p:strVal val="visible"/>
+                                      </p:to>
+                                    </p:set>
+                                    <p:animEffect transition="in" filter="fade">
+                                      <p:cBhvr>
+                                        <p:cTn id="10" dur="500"/>
+                                        <p:tgtEl>
+                                          <p:spTgt spid="3">
+                                            <p:txEl>
+                                              <p:pRg st="1" end="1"/>
+                                            </p:txEl>
+                                          </p:spTgt>
+                                        </p:tgtEl>
+                                      </p:cBhvr>
+                                    </p:animEffect>
+                                  </p:childTnLst>
+                                </p:cTn>
+                              </p:par>
+                              <p:par>
+                                <p:cTn id="11" presetID="10" presetClass="entr" presetSubtype="0" fill="hold" grpId="0" nodeType="withEffect">
+                                  <p:stCondLst>
+                                    <p:cond delay="0"/>
+                                  </p:stCondLst>
+                                  <p:childTnLst>
+                                    <p:set>
+                                      <p:cBhvr>
+                                        <p:cTn id="12" dur="1" fill="hold">
+                                          <p:stCondLst>
+                                            <p:cond delay="0"/>
+                                          </p:stCondLst>
+                                        </p:cTn>
+                                        <p:tgtEl>
+                                          <p:spTgt spid="3">
+                                            <p:txEl>
+                                              <p:pRg st="2" end="2"/>
+                                            </p:txEl>
+                                          </p:spTgt>
+                                        </p:tgtEl>
+                                        <p:attrNameLst>
+                                          <p:attrName>style.visibility</p:attrName>
+                                        </p:attrNameLst>
+                                      </p:cBhvr>
+                                      <p:to>
+                                        <p:strVal val="visible"/>
+                                      </p:to>
+                                    </p:set>
+                                    <p:animEffect transition="in" filter="fade">
+                                      <p:cBhvr>
+                                        <p:cTn id="13" dur="500"/>
+                                        <p:tgtEl>
+                                          <p:spTgt spid="3">
+                                            <p:txEl>
+                                              <p:pRg st="2" end="2"/>
+                                            </p:txEl>
+                                          </p:spTgt>
+                                        </p:tgtEl>
+                                      </p:cBhvr>
+                                    </p:animEffect>
+                                  </p:childTnLst>
+                                </p:cTn>
+                              </p:par>
+                              <p:par>
+                                <p:cTn id="14" presetID="10" presetClass="entr" presetSubtype="0" fill="hold" grpId="0" nodeType="withEffect">
+                                  <p:stCondLst>
+                                    <p:cond delay="0"/>
+                                  </p:stCondLst>
+                                  <p:childTnLst>
+                                    <p:set>
+                                      <p:cBhvr>
+                                        <p:cTn id="15" dur="1" fill="hold">
+                                          <p:stCondLst>
+                                            <p:cond delay="0"/>
+                                          </p:stCondLst>
+                                        </p:cTn>
+                                        <p:tgtEl>
+                                          <p:spTgt spid="3">
+                                            <p:txEl>
+                                              <p:pRg st="3" end="3"/>
+                                            </p:txEl>
+                                          </p:spTgt>
+                                        </p:tgtEl>
+                                        <p:attrNameLst>
+                                          <p:attrName>style.visibility</p:attrName>
+                                        </p:attrNameLst>
+                                      </p:cBhvr>
+                                      <p:to>
+                                        <p:strVal val="visible"/>
+                                      </p:to>
+                                    </p:set>
+                                    <p:animEffect transition="in" filter="fade">
+                                      <p:cBhvr>
+                                        <p:cTn id="16" dur="500"/>
+                                        <p:tgtEl>
+                                          <p:spTgt spid="3">
+                                            <p:txEl>
+                                              <p:pRg st="3" end="3"/>
+                                            </p:txEl>
+                                          </p:spTgt>
+                                        </p:tgtEl>
+                                      </p:cBhvr>
+                                    </p:animEffect>
+                                  </p:childTnLst>
+                                </p:cTn>
+                              </p:par>
+                            </p:childTnLst>
+                          </p:cTn>
+                        </p:par>
+                      </p:childTnLst>
+                    </p:cTn>
+                  </p:par>
+                  <p:par>
+                    <p:cTn id="17" fill="hold">
+                      <p:stCondLst>
+                        <p:cond delay="indefinite"/>
+                      </p:stCondLst>
+                      <p:childTnLst>
+                        <p:par>
+                          <p:cTn id="18" fill="hold">
+                            <p:stCondLst>
+                              <p:cond delay="0"/>
+                            </p:stCondLst>
+                            <p:childTnLst>
+                              <p:par>
+                                <p:cTn id="19" presetID="10" presetClass="entr" presetSubtype="0" fill="hold" grpId="0" nodeType="clickEffect">
+                                  <p:stCondLst>
+                                    <p:cond delay="0"/>
+                                  </p:stCondLst>
+                                  <p:childTnLst>
+                                    <p:set>
+                                      <p:cBhvr>
+                                        <p:cTn id="20" dur="1" fill="hold">
+                                          <p:stCondLst>
+                                            <p:cond delay="0"/>
+                                          </p:stCondLst>
+                                        </p:cTn>
+                                        <p:tgtEl>
+                                          <p:spTgt spid="3">
+                                            <p:txEl>
+                                              <p:pRg st="4" end="4"/>
+                                            </p:txEl>
+                                          </p:spTgt>
+                                        </p:tgtEl>
+                                        <p:attrNameLst>
+                                          <p:attrName>style.visibility</p:attrName>
+                                        </p:attrNameLst>
+                                      </p:cBhvr>
+                                      <p:to>
+                                        <p:strVal val="visible"/>
+                                      </p:to>
+                                    </p:set>
+                                    <p:animEffect transition="in" filter="fade">
+                                      <p:cBhvr>
+                                        <p:cTn id="21" dur="500"/>
+                                        <p:tgtEl>
+                                          <p:spTgt spid="3">
+                                            <p:txEl>
+                                              <p:pRg st="4" end="4"/>
+                                            </p:txEl>
+                                          </p:spTgt>
+                                        </p:tgtEl>
+                                      </p:cBhvr>
+                                    </p:animEffect>
+                                  </p:childTnLst>
+                                </p:cTn>
+                              </p:par>
+                              <p:par>
+                                <p:cTn id="22" presetID="10" presetClass="entr" presetSubtype="0" fill="hold" grpId="0" nodeType="withEffect">
+                                  <p:stCondLst>
+                                    <p:cond delay="0"/>
+                                  </p:stCondLst>
+                                  <p:childTnLst>
+                                    <p:set>
+                                      <p:cBhvr>
+                                        <p:cTn id="23" dur="1" fill="hold">
+                                          <p:stCondLst>
+                                            <p:cond delay="0"/>
+                                          </p:stCondLst>
+                                        </p:cTn>
+                                        <p:tgtEl>
+                                          <p:spTgt spid="3">
+                                            <p:txEl>
+                                              <p:pRg st="5" end="5"/>
+                                            </p:txEl>
+                                          </p:spTgt>
+                                        </p:tgtEl>
+                                        <p:attrNameLst>
+                                          <p:attrName>style.visibility</p:attrName>
+                                        </p:attrNameLst>
+                                      </p:cBhvr>
+                                      <p:to>
+                                        <p:strVal val="visible"/>
+                                      </p:to>
+                                    </p:set>
+                                    <p:animEffect transition="in" filter="fade">
+                                      <p:cBhvr>
+                                        <p:cTn id="24" dur="500"/>
+                                        <p:tgtEl>
+                                          <p:spTgt spid="3">
+                                            <p:txEl>
+                                              <p:pRg st="5" end="5"/>
+                                            </p:txEl>
+                                          </p:spTgt>
+                                        </p:tgtEl>
+                                      </p:cBhvr>
+                                    </p:animEffect>
+                                  </p:childTnLst>
+                                </p:cTn>
+                              </p:par>
+                              <p:par>
+                                <p:cTn id="25" presetID="10" presetClass="entr" presetSubtype="0" fill="hold" grpId="0" nodeType="withEffect">
+                                  <p:stCondLst>
+                                    <p:cond delay="0"/>
+                                  </p:stCondLst>
+                                  <p:childTnLst>
+                                    <p:set>
+                                      <p:cBhvr>
+                                        <p:cTn id="26" dur="1" fill="hold">
+                                          <p:stCondLst>
+                                            <p:cond delay="0"/>
+                                          </p:stCondLst>
+                                        </p:cTn>
+                                        <p:tgtEl>
+                                          <p:spTgt spid="3">
+                                            <p:txEl>
+                                              <p:pRg st="6" end="6"/>
+                                            </p:txEl>
+                                          </p:spTgt>
+                                        </p:tgtEl>
+                                        <p:attrNameLst>
+                                          <p:attrName>style.visibility</p:attrName>
+                                        </p:attrNameLst>
+                                      </p:cBhvr>
+                                      <p:to>
+                                        <p:strVal val="visible"/>
+                                      </p:to>
+                                    </p:set>
+                                    <p:animEffect transition="in" filter="fade">
+                                      <p:cBhvr>
+                                        <p:cTn id="27" dur="500"/>
+                                        <p:tgtEl>
+                                          <p:spTgt spid="3">
+                                            <p:txEl>
+                                              <p:pRg st="6" end="6"/>
+                                            </p:txEl>
+                                          </p:spTgt>
+                                        </p:tgtEl>
+                                      </p:cBhvr>
+                                    </p:animEffect>
+                                  </p:childTnLst>
+                                </p:cTn>
+                              </p:par>
+                            </p:childTnLst>
+                          </p:cTn>
+                        </p:par>
+                      </p:childTnLst>
+                    </p:cTn>
+                  </p:par>
+                  <p:par>
+                    <p:cTn id="28" fill="hold">
+                      <p:stCondLst>
+                        <p:cond delay="indefinite"/>
+                      </p:stCondLst>
+                      <p:childTnLst>
+                        <p:par>
+                          <p:cTn id="29" fill="hold">
+                            <p:stCondLst>
+                              <p:cond delay="0"/>
+                            </p:stCondLst>
+                            <p:childTnLst>
+                              <p:par>
+                                <p:cTn id="30" presetID="10" presetClass="entr" presetSubtype="0" fill="hold" grpId="0" nodeType="clickEffect">
+                                  <p:stCondLst>
+                                    <p:cond delay="0"/>
+                                  </p:stCondLst>
+                                  <p:childTnLst>
+                                    <p:set>
+                                      <p:cBhvr>
+                                        <p:cTn id="31" dur="1" fill="hold">
+                                          <p:stCondLst>
+                                            <p:cond delay="0"/>
+                                          </p:stCondLst>
+                                        </p:cTn>
+                                        <p:tgtEl>
+                                          <p:spTgt spid="3">
+                                            <p:txEl>
+                                              <p:pRg st="7" end="7"/>
+                                            </p:txEl>
+                                          </p:spTgt>
+                                        </p:tgtEl>
+                                        <p:attrNameLst>
+                                          <p:attrName>style.visibility</p:attrName>
+                                        </p:attrNameLst>
+                                      </p:cBhvr>
+                                      <p:to>
+                                        <p:strVal val="visible"/>
+                                      </p:to>
+                                    </p:set>
+                                    <p:animEffect transition="in" filter="fade">
+                                      <p:cBhvr>
+                                        <p:cTn id="32" dur="500"/>
+                                        <p:tgtEl>
+                                          <p:spTgt spid="3">
+                                            <p:txEl>
+                                              <p:pRg st="7" end="7"/>
+                                            </p:txEl>
+                                          </p:spTgt>
+                                        </p:tgtEl>
+                                      </p:cBhvr>
+                                    </p:animEffect>
+                                  </p:childTnLst>
+                                </p:cTn>
+                              </p:par>
+                              <p:par>
+                                <p:cTn id="33" presetID="10" presetClass="entr" presetSubtype="0" fill="hold" grpId="0" nodeType="withEffect">
+                                  <p:stCondLst>
+                                    <p:cond delay="0"/>
+                                  </p:stCondLst>
+                                  <p:childTnLst>
+                                    <p:set>
+                                      <p:cBhvr>
+                                        <p:cTn id="34" dur="1" fill="hold">
+                                          <p:stCondLst>
+                                            <p:cond delay="0"/>
+                                          </p:stCondLst>
+                                        </p:cTn>
+                                        <p:tgtEl>
+                                          <p:spTgt spid="3">
+                                            <p:txEl>
+                                              <p:pRg st="8" end="8"/>
+                                            </p:txEl>
+                                          </p:spTgt>
+                                        </p:tgtEl>
+                                        <p:attrNameLst>
+                                          <p:attrName>style.visibility</p:attrName>
+                                        </p:attrNameLst>
+                                      </p:cBhvr>
+                                      <p:to>
+                                        <p:strVal val="visible"/>
+                                      </p:to>
+                                    </p:set>
+                                    <p:animEffect transition="in" filter="fade">
+                                      <p:cBhvr>
+                                        <p:cTn id="35" dur="500"/>
+                                        <p:tgtEl>
+                                          <p:spTgt spid="3">
+                                            <p:txEl>
+                                              <p:pRg st="8" end="8"/>
+                                            </p:txEl>
+                                          </p:spTgt>
+                                        </p:tgtEl>
+                                      </p:cBhvr>
+                                    </p:animEffect>
+                                  </p:childTnLst>
+                                </p:cTn>
+                              </p:par>
+                              <p:par>
+                                <p:cTn id="36" presetID="10" presetClass="entr" presetSubtype="0" fill="hold" grpId="0" nodeType="withEffect">
+                                  <p:stCondLst>
+                                    <p:cond delay="0"/>
+                                  </p:stCondLst>
+                                  <p:childTnLst>
+                                    <p:set>
+                                      <p:cBhvr>
+                                        <p:cTn id="37" dur="1" fill="hold">
+                                          <p:stCondLst>
+                                            <p:cond delay="0"/>
+                                          </p:stCondLst>
+                                        </p:cTn>
+                                        <p:tgtEl>
+                                          <p:spTgt spid="3">
+                                            <p:txEl>
+                                              <p:pRg st="9" end="9"/>
+                                            </p:txEl>
+                                          </p:spTgt>
+                                        </p:tgtEl>
+                                        <p:attrNameLst>
+                                          <p:attrName>style.visibility</p:attrName>
+                                        </p:attrNameLst>
+                                      </p:cBhvr>
+                                      <p:to>
+                                        <p:strVal val="visible"/>
+                                      </p:to>
+                                    </p:set>
+                                    <p:animEffect transition="in" filter="fade">
+                                      <p:cBhvr>
+                                        <p:cTn id="38" dur="500"/>
+                                        <p:tgtEl>
+                                          <p:spTgt spid="3">
+                                            <p:txEl>
+                                              <p:pRg st="9" end="9"/>
+                                            </p:txEl>
+                                          </p:spTgt>
+                                        </p:tgtEl>
+                                      </p:cBhvr>
+                                    </p:animEffect>
+                                  </p:childTnLst>
+                                </p:cTn>
+                              </p:par>
+                            </p:childTnLst>
+                          </p:cTn>
+                        </p:par>
+                      </p:childTnLst>
+                    </p:cTn>
+                  </p:par>
+                </p:childTnLst>
+              </p:cTn>
+              <p:prevCondLst>
+                <p:cond evt="onPrev" delay="0">
+                  <p:tgtEl>
+                    <p:sldTgt/>
+                  </p:tgtEl>
+                </p:cond>
+              </p:prevCondLst>
+              <p:nextCondLst>
+                <p:cond evt="onNext" delay="0">
+                  <p:tgtEl>
+                    <p:sldTgt/>
+                  </p:tgtEl>
+                </p:cond>
+              </p:nextCondLst>
+            </p:seq>
+          </p:childTnLst>
+        </p:cTn>
+      </p:par>
+    </p:tnLst>
+    <p:bldLst>
+      <p:bldP spid="3" grpId="0" uiExpand="1" build="p"/>
+    </p:bldLst>
+  </p:timing>
+</p:sld>
+</file>
+
+<file path=ppt/slides/slide2.xml><?xml version="1.0" encoding="utf-8"?>
+<p:sld xmlns:a="http://schemas.openxmlformats.org/drawingml/2006/main" xmlns:r="http://schemas.openxmlformats.org/officeDocument/2006/relationships" xmlns:p="http://schemas.openxmlformats.org/presentationml/2006/main">
+  <p:cSld>
+    <p:spTree>
+      <p:nvGrpSpPr>
+        <p:cNvPr id="1" name=""/>
+        <p:cNvGrpSpPr/>
+        <p:nvPr/>
+      </p:nvGrpSpPr>
+      <p:grpSpPr>
+        <a:xfrm>
+          <a:off x="0" y="0"/>
+          <a:ext cx="0" cy="0"/>
+          <a:chOff x="0" y="0"/>
+          <a:chExt cx="0" cy="0"/>
+        </a:xfrm>
+      </p:grpSpPr>
+      <p:sp>
+        <p:nvSpPr>
+          <p:cNvPr id="2" name="Title 1"/>
+          <p:cNvSpPr>
+            <a:spLocks noGrp="1"/>
+          </p:cNvSpPr>
+          <p:nvPr>
+            <p:ph type="title"/>
+          </p:nvPr>
+        </p:nvSpPr>
+        <p:spPr/>
+        <p:txBody>
+          <a:bodyPr>
+            <a:normAutofit/>
+          </a:bodyPr>
+          <a:lstStyle/>
+          <a:p>
+            <a:r>
+              <a:rPr lang="en-US" sz="6600" dirty="0" smtClean="0"/>
+              <a:t>Mục tiêu </a:t>
+            </a:r>
+            <a:endParaRPr lang="en-US" sz="6600" dirty="0"/>
+          </a:p>
+        </p:txBody>
+      </p:sp>
+      <p:sp>
+        <p:nvSpPr>
+          <p:cNvPr id="3" name="Content Placeholder 2"/>
+          <p:cNvSpPr>
+            <a:spLocks noGrp="1"/>
+          </p:cNvSpPr>
+          <p:nvPr>
+            <p:ph idx="1"/>
+          </p:nvPr>
+        </p:nvSpPr>
+        <p:spPr>
+          <a:xfrm>
+            <a:off x="363071" y="1845734"/>
+            <a:ext cx="11604811" cy="4023360"/>
+          </a:xfrm>
+        </p:spPr>
+        <p:txBody>
+          <a:bodyPr>
+            <a:normAutofit/>
+          </a:bodyPr>
+          <a:lstStyle/>
+          <a:p>
+            <a:pPr lvl="0" algn="just">
+              <a:buFont typeface="Wingdings" panose="05000000000000000000" pitchFamily="2" charset="2"/>
+              <a:buChar char="Ø"/>
+            </a:pPr>
+            <a:r>
+              <a:rPr lang="en-US" sz="3600" dirty="0"/>
+              <a:t>Tìm hiểu công nghệ .NET Core </a:t>
+            </a:r>
+            <a:r>
+              <a:rPr lang="en-US" sz="3600"/>
+              <a:t>cùng </a:t>
+            </a:r>
+            <a:r>
+              <a:rPr lang="en-US" sz="3600" smtClean="0"/>
+              <a:t>với thư viện </a:t>
+            </a:r>
+            <a:r>
+              <a:rPr lang="en-US" sz="3600" smtClean="0"/>
+              <a:t>ML.NET</a:t>
+            </a:r>
+            <a:r>
+              <a:rPr lang="en-US" sz="3600" smtClean="0"/>
+              <a:t>.</a:t>
+            </a:r>
+            <a:endParaRPr lang="en-US" sz="3600" dirty="0"/>
+          </a:p>
+          <a:p>
+            <a:pPr lvl="0" algn="just">
+              <a:buFont typeface="Wingdings" panose="05000000000000000000" pitchFamily="2" charset="2"/>
+              <a:buChar char="Ø"/>
+            </a:pPr>
+            <a:r>
+              <a:rPr lang="en-US" sz="3600" dirty="0"/>
+              <a:t>Sử dụng ASP.NET Core với mô hình MVC </a:t>
+            </a:r>
+            <a:r>
+              <a:rPr lang="en-US" sz="3600"/>
+              <a:t>để </a:t>
+            </a:r>
+            <a:r>
+              <a:rPr lang="en-US" sz="3600" smtClean="0"/>
+              <a:t>xây dựng </a:t>
+            </a:r>
+            <a:r>
+              <a:rPr lang="en-US" sz="3600"/>
+              <a:t>một </a:t>
+            </a:r>
+            <a:r>
+              <a:rPr lang="en-US" sz="3600" smtClean="0"/>
+              <a:t>website demo </a:t>
+            </a:r>
+            <a:r>
+              <a:rPr lang="en-US" sz="3600" dirty="0"/>
+              <a:t>trung gian giúp những người có nhu cầu mua, bán, thuê, cho thuê bất động sản có thể tìm được đối </a:t>
+            </a:r>
+            <a:r>
+              <a:rPr lang="en-US" sz="3600"/>
+              <a:t>tác </a:t>
+            </a:r>
+            <a:endParaRPr lang="en-US" sz="3600" smtClean="0"/>
+          </a:p>
+          <a:p>
+            <a:pPr marL="0" lvl="0" indent="0" algn="just">
+              <a:buNone/>
+            </a:pPr>
+            <a:r>
+              <a:rPr lang="en-US" sz="3600" smtClean="0"/>
+              <a:t>phù </a:t>
+            </a:r>
+            <a:r>
+              <a:rPr lang="en-US" sz="3600" dirty="0"/>
+              <a:t>hợp và có tiềm năng.</a:t>
+            </a:r>
+          </a:p>
+          <a:p>
+            <a:pPr lvl="0" algn="just">
+              <a:buFont typeface="Wingdings" panose="05000000000000000000" pitchFamily="2" charset="2"/>
+              <a:buChar char="Ø"/>
+            </a:pPr>
+            <a:r>
+              <a:rPr lang="en-US" sz="3600" dirty="0" smtClean="0"/>
+              <a:t>Củng </a:t>
+            </a:r>
+            <a:r>
+              <a:rPr lang="en-US" sz="3600" dirty="0"/>
+              <a:t>cố kiến thức môn lập trình web, học máy.</a:t>
+            </a:r>
+          </a:p>
+          <a:p>
+            <a:pPr algn="just"/>
+            <a:endParaRPr lang="en-US" sz="3600" dirty="0"/>
+          </a:p>
+        </p:txBody>
+      </p:sp>
+      <p:pic>
+        <p:nvPicPr>
+          <p:cNvPr id="2050" name="Picture 2" descr="Kết quả hình ảnh cho target"/>
+          <p:cNvPicPr>
+            <a:picLocks noChangeAspect="1" noChangeArrowheads="1"/>
+          </p:cNvPicPr>
+          <p:nvPr/>
+        </p:nvPicPr>
+        <p:blipFill>
+          <a:blip r:embed="rId2" cstate="print">
+            <a:extLst>
+              <a:ext uri="{28A0092B-C50C-407E-A947-70E740481C1C}">
+                <a14:useLocalDpi xmlns:a14="http://schemas.microsoft.com/office/drawing/2010/main" val="0"/>
+              </a:ext>
+            </a:extLst>
+          </a:blip>
+          <a:srcRect/>
+          <a:stretch>
+            <a:fillRect/>
+          </a:stretch>
+        </p:blipFill>
+        <p:spPr bwMode="auto">
+          <a:xfrm>
+            <a:off x="10268398" y="63449"/>
+            <a:ext cx="1699484" cy="1673911"/>
+          </a:xfrm>
+          <a:prstGeom prst="rect">
+            <a:avLst/>
+          </a:prstGeom>
+          <a:noFill/>
+          <a:extLst>
+            <a:ext uri="{909E8E84-426E-40DD-AFC4-6F175D3DCCD1}">
+              <a14:hiddenFill xmlns:a14="http://schemas.microsoft.com/office/drawing/2010/main">
+                <a:solidFill>
+                  <a:srgbClr val="FFFFFF"/>
+                </a:solidFill>
+              </a14:hiddenFill>
+            </a:ext>
+          </a:extLst>
+        </p:spPr>
+      </p:pic>
+    </p:spTree>
+    <p:extLst>
+      <p:ext uri="{BB962C8B-B14F-4D97-AF65-F5344CB8AC3E}">
+        <p14:creationId xmlns:p14="http://schemas.microsoft.com/office/powerpoint/2010/main" val="3884352644"/>
+      </p:ext>
+    </p:extLst>
+  </p:cSld>
+  <p:clrMapOvr>
+    <a:masterClrMapping/>
+  </p:clrMapOvr>
+  <mc:AlternateContent xmlns:mc="http://schemas.openxmlformats.org/markup-compatibility/2006" xmlns:p14="http://schemas.microsoft.com/office/powerpoint/2010/main">
+    <mc:Choice Requires="p14">
+      <p:transition spd="slow" p14:dur="1300">
+        <p14:pan/>
+      </p:transition>
+    </mc:Choice>
+    <mc:Fallback xmlns="">
+      <p:transition spd="slow">
+        <p:fade/>
+      </p:transition>
+    </mc:Fallback>
+  </mc:AlternateContent>
+  <p:timing>
+    <p:tnLst>
+      <p:par>
+        <p:cTn id="1" dur="indefinite" restart="never" nodeType="tmRoot"/>
+      </p:par>
+    </p:tnLst>
+  </p:timing>
+</p:sld>
+</file>
+
+<file path=ppt/slides/slide20.xml><?xml version="1.0" encoding="utf-8"?>
+<p:sld xmlns:a="http://schemas.openxmlformats.org/drawingml/2006/main" xmlns:r="http://schemas.openxmlformats.org/officeDocument/2006/relationships" xmlns:p="http://schemas.openxmlformats.org/presentationml/2006/main">
+  <p:cSld>
+    <p:spTree>
+      <p:nvGrpSpPr>
+        <p:cNvPr id="1" name=""/>
+        <p:cNvGrpSpPr/>
+        <p:nvPr/>
+      </p:nvGrpSpPr>
+      <p:grpSpPr>
+        <a:xfrm>
+          <a:off x="0" y="0"/>
+          <a:ext cx="0" cy="0"/>
+          <a:chOff x="0" y="0"/>
+          <a:chExt cx="0" cy="0"/>
+        </a:xfrm>
+      </p:grpSpPr>
+      <p:sp>
+        <p:nvSpPr>
+          <p:cNvPr id="2" name="Title 1"/>
+          <p:cNvSpPr>
+            <a:spLocks noGrp="1"/>
+          </p:cNvSpPr>
+          <p:nvPr>
+            <p:ph type="title"/>
+          </p:nvPr>
+        </p:nvSpPr>
+        <p:spPr/>
+        <p:txBody>
+          <a:bodyPr>
+            <a:normAutofit/>
+          </a:bodyPr>
+          <a:lstStyle/>
+          <a:p>
+            <a:r>
+              <a:rPr lang="en-US" sz="7200" smtClean="0"/>
+              <a:t>Hướng </a:t>
+            </a:r>
+            <a:r>
+              <a:rPr lang="en-US" sz="7200" dirty="0" smtClean="0"/>
+              <a:t>phát triển</a:t>
+            </a:r>
+            <a:endParaRPr lang="en-US" sz="7200" dirty="0"/>
+          </a:p>
+        </p:txBody>
+      </p:sp>
+      <p:sp>
+        <p:nvSpPr>
+          <p:cNvPr id="3" name="Content Placeholder 2"/>
+          <p:cNvSpPr>
+            <a:spLocks noGrp="1"/>
+          </p:cNvSpPr>
+          <p:nvPr>
+            <p:ph idx="1"/>
+          </p:nvPr>
+        </p:nvSpPr>
+        <p:spPr>
+          <a:xfrm>
+            <a:off x="548751" y="1771226"/>
+            <a:ext cx="11155457" cy="4023360"/>
+          </a:xfrm>
+        </p:spPr>
+        <p:txBody>
+          <a:bodyPr>
+            <a:normAutofit/>
+          </a:bodyPr>
+          <a:lstStyle/>
+          <a:p>
+            <a:pPr>
+              <a:buFont typeface="Wingdings" panose="05000000000000000000" pitchFamily="2" charset="2"/>
+              <a:buChar char="v"/>
+            </a:pPr>
+            <a:r>
+              <a:rPr lang="en-US" sz="2400" dirty="0" smtClean="0"/>
+              <a:t>Phát triển thêm phần thương mại điện tử (nhận thanh toán </a:t>
+            </a:r>
+            <a:r>
+              <a:rPr lang="en-US" sz="2400" smtClean="0"/>
+              <a:t>trung </a:t>
+            </a:r>
+            <a:r>
+              <a:rPr lang="en-US" sz="2400" smtClean="0"/>
+              <a:t>gian</a:t>
+            </a:r>
+            <a:r>
+              <a:rPr lang="en-US" sz="2400" smtClean="0"/>
+              <a:t>, nạp vip,…</a:t>
+            </a:r>
+            <a:r>
+              <a:rPr lang="en-US" sz="2400" smtClean="0"/>
+              <a:t>)</a:t>
+            </a:r>
+          </a:p>
+          <a:p>
+            <a:pPr>
+              <a:buFont typeface="Wingdings" panose="05000000000000000000" pitchFamily="2" charset="2"/>
+              <a:buChar char="v"/>
+            </a:pPr>
+            <a:r>
+              <a:rPr lang="en-US" sz="2400" smtClean="0"/>
+              <a:t>Phát triển thêm phần học máy từ demo (dự đoán trong khu vực,</a:t>
+            </a:r>
+          </a:p>
+          <a:p>
+            <a:pPr marL="0" indent="0">
+              <a:buNone/>
+            </a:pPr>
+            <a:r>
+              <a:rPr lang="en-US" sz="2400" smtClean="0"/>
+              <a:t>Có dataset tại VN,…).</a:t>
+            </a:r>
+            <a:endParaRPr lang="en-US" sz="2400" dirty="0" smtClean="0"/>
+          </a:p>
+          <a:p>
+            <a:pPr>
+              <a:buFont typeface="Wingdings" panose="05000000000000000000" pitchFamily="2" charset="2"/>
+              <a:buChar char="v"/>
+            </a:pPr>
+            <a:r>
+              <a:rPr lang="en-US" sz="2400" dirty="0" smtClean="0"/>
+              <a:t>Phát triển tính năng bình luận, chia sẻ, tương tác cung – cầu,…</a:t>
+            </a:r>
+          </a:p>
+          <a:p>
+            <a:pPr>
+              <a:buFont typeface="Wingdings" panose="05000000000000000000" pitchFamily="2" charset="2"/>
+              <a:buChar char="v"/>
+            </a:pPr>
+            <a:r>
+              <a:rPr lang="en-US" sz="2400" smtClean="0"/>
+              <a:t>Phát triển thêm cho </a:t>
+            </a:r>
+            <a:r>
+              <a:rPr lang="en-US" sz="2400" dirty="0" smtClean="0"/>
+              <a:t>tính năng báo cáo bài đăng </a:t>
+            </a:r>
+            <a:r>
+              <a:rPr lang="en-US" sz="2400" smtClean="0"/>
+              <a:t>sai </a:t>
+            </a:r>
+            <a:r>
+              <a:rPr lang="en-US" sz="2400" smtClean="0"/>
+              <a:t>phạm.</a:t>
+            </a:r>
+            <a:endParaRPr lang="en-US" sz="2400" dirty="0" smtClean="0"/>
+          </a:p>
+          <a:p>
+            <a:pPr>
+              <a:buFont typeface="Wingdings" panose="05000000000000000000" pitchFamily="2" charset="2"/>
+              <a:buChar char="v"/>
+            </a:pPr>
+            <a:r>
+              <a:rPr lang="en-US" sz="2400" dirty="0" smtClean="0"/>
+              <a:t>Hiện thị bất động sản trên </a:t>
+            </a:r>
+            <a:r>
+              <a:rPr lang="en-US" sz="2400" smtClean="0"/>
+              <a:t>bản </a:t>
+            </a:r>
+            <a:r>
+              <a:rPr lang="en-US" sz="2400" smtClean="0"/>
+              <a:t>đồ.</a:t>
+            </a:r>
+            <a:endParaRPr lang="en-US" sz="2400" dirty="0"/>
+          </a:p>
+        </p:txBody>
+      </p:sp>
+      <p:pic>
+        <p:nvPicPr>
+          <p:cNvPr id="8194" name="Picture 2" descr="Kết quả hình ảnh cho development"/>
+          <p:cNvPicPr>
+            <a:picLocks noChangeAspect="1" noChangeArrowheads="1"/>
+          </p:cNvPicPr>
+          <p:nvPr/>
+        </p:nvPicPr>
+        <p:blipFill>
+          <a:blip r:embed="rId2">
+            <a:extLst>
+              <a:ext uri="{28A0092B-C50C-407E-A947-70E740481C1C}">
+                <a14:useLocalDpi xmlns:a14="http://schemas.microsoft.com/office/drawing/2010/main" val="0"/>
+              </a:ext>
+            </a:extLst>
+          </a:blip>
+          <a:srcRect/>
+          <a:stretch>
+            <a:fillRect/>
+          </a:stretch>
+        </p:blipFill>
+        <p:spPr bwMode="auto">
+          <a:xfrm>
+            <a:off x="8972341" y="3403600"/>
+            <a:ext cx="2731867" cy="2731868"/>
+          </a:xfrm>
+          <a:prstGeom prst="rect">
+            <a:avLst/>
+          </a:prstGeom>
+          <a:noFill/>
+          <a:extLst>
+            <a:ext uri="{909E8E84-426E-40DD-AFC4-6F175D3DCCD1}">
+              <a14:hiddenFill xmlns:a14="http://schemas.microsoft.com/office/drawing/2010/main">
+                <a:solidFill>
+                  <a:srgbClr val="FFFFFF"/>
+                </a:solidFill>
+              </a14:hiddenFill>
+            </a:ext>
+          </a:extLst>
+        </p:spPr>
+      </p:pic>
+    </p:spTree>
+    <p:extLst>
+      <p:ext uri="{BB962C8B-B14F-4D97-AF65-F5344CB8AC3E}">
+        <p14:creationId xmlns:p14="http://schemas.microsoft.com/office/powerpoint/2010/main" val="2952608144"/>
+      </p:ext>
+    </p:extLst>
+  </p:cSld>
+  <p:clrMapOvr>
+    <a:masterClrMapping/>
+  </p:clrMapOvr>
+  <mc:AlternateContent xmlns:mc="http://schemas.openxmlformats.org/markup-compatibility/2006" xmlns:p14="http://schemas.microsoft.com/office/powerpoint/2010/main">
+    <mc:Choice Requires="p14">
+      <p:transition spd="slow" p14:dur="1300">
+        <p14:pan/>
+      </p:transition>
+    </mc:Choice>
+    <mc:Fallback xmlns="">
+      <p:transition spd="slow">
+        <p:fade/>
+      </p:transition>
+    </mc:Fallback>
+  </mc:AlternateContent>
+  <p:timing>
+    <p:tnLst>
+      <p:par>
+        <p:cTn id="1" dur="indefinite" restart="never" nodeType="tmRoot"/>
+      </p:par>
+    </p:tnLst>
+  </p:timing>
+</p:sld>
+</file>
+
+<file path=ppt/slides/slide21.xml><?xml version="1.0" encoding="utf-8"?>
+<p:sld xmlns:a="http://schemas.openxmlformats.org/drawingml/2006/main" xmlns:r="http://schemas.openxmlformats.org/officeDocument/2006/relationships" xmlns:p="http://schemas.openxmlformats.org/presentationml/2006/main">
+  <p:cSld>
+    <p:spTree>
+      <p:nvGrpSpPr>
+        <p:cNvPr id="1" name=""/>
+        <p:cNvGrpSpPr/>
+        <p:nvPr/>
+      </p:nvGrpSpPr>
+      <p:grpSpPr>
+        <a:xfrm>
+          <a:off x="0" y="0"/>
+          <a:ext cx="0" cy="0"/>
+          <a:chOff x="0" y="0"/>
+          <a:chExt cx="0" cy="0"/>
+        </a:xfrm>
+      </p:grpSpPr>
+      <p:sp>
+        <p:nvSpPr>
+          <p:cNvPr id="2" name="Title 1"/>
+          <p:cNvSpPr>
+            <a:spLocks noGrp="1"/>
+          </p:cNvSpPr>
+          <p:nvPr>
+            <p:ph type="title"/>
+          </p:nvPr>
+        </p:nvSpPr>
+        <p:spPr/>
+        <p:txBody>
+          <a:bodyPr/>
+          <a:lstStyle/>
+          <a:p>
+            <a:r>
+              <a:rPr lang="en-US" dirty="0" smtClean="0"/>
+              <a:t>Tài Liệu Tham Khảo</a:t>
+            </a:r>
+            <a:endParaRPr lang="en-US" dirty="0"/>
+          </a:p>
+        </p:txBody>
+      </p:sp>
+      <p:sp>
+        <p:nvSpPr>
+          <p:cNvPr id="3" name="Content Placeholder 2"/>
+          <p:cNvSpPr>
+            <a:spLocks noGrp="1"/>
+          </p:cNvSpPr>
+          <p:nvPr>
+            <p:ph idx="1"/>
+          </p:nvPr>
+        </p:nvSpPr>
+        <p:spPr/>
+        <p:txBody>
+          <a:bodyPr>
+            <a:normAutofit/>
+          </a:bodyPr>
+          <a:lstStyle/>
+          <a:p>
+            <a:pPr lvl="0"/>
+            <a:r>
+              <a:rPr lang="en-US" smtClean="0"/>
+              <a:t>1. ASP.NET </a:t>
+            </a:r>
+            <a:r>
+              <a:rPr lang="en-US" dirty="0"/>
+              <a:t>Core là gì? (2019, August 16). Retrieved from </a:t>
+            </a:r>
+            <a:r>
+              <a:rPr lang="en-US" u="sng" dirty="0">
+                <a:hlinkClick r:id="rId2"/>
+              </a:rPr>
+              <a:t>https://topdev.vn/blog/asp-net-core-la-gi/</a:t>
+            </a:r>
+            <a:endParaRPr lang="en-US" dirty="0"/>
+          </a:p>
+          <a:p>
+            <a:pPr lvl="0"/>
+            <a:r>
+              <a:rPr lang="en-US" smtClean="0"/>
+              <a:t>2. Hướng </a:t>
+            </a:r>
+            <a:r>
+              <a:rPr lang="en-US" dirty="0"/>
+              <a:t>dẫn Java Design Pattern ? MVC (Lập trình Java). (2019, 2). Retrieved from </a:t>
+            </a:r>
+            <a:r>
+              <a:rPr lang="en-US" u="sng" dirty="0">
+                <a:hlinkClick r:id="rId3"/>
+              </a:rPr>
+              <a:t>https://gpcoder.com/5160-huong-dan-java-design-pattern-mvc/</a:t>
+            </a:r>
+            <a:endParaRPr lang="en-US" dirty="0"/>
+          </a:p>
+          <a:p>
+            <a:pPr lvl="0"/>
+            <a:r>
+              <a:rPr lang="en-US"/>
+              <a:t>3. </a:t>
+            </a:r>
+            <a:r>
+              <a:rPr lang="en-US">
+                <a:hlinkClick r:id="rId4"/>
+              </a:rPr>
+              <a:t>http</a:t>
+            </a:r>
+            <a:r>
+              <a:rPr lang="en-US">
+                <a:hlinkClick r:id="rId4"/>
+              </a:rPr>
+              <a:t>://</a:t>
+            </a:r>
+            <a:r>
+              <a:rPr lang="en-US" smtClean="0">
+                <a:hlinkClick r:id="rId4"/>
+              </a:rPr>
+              <a:t>gamestudio.vn/tin-tuc/20-tin-cong-nghe/microsoft-dua-visual-studio-len-trinh-duyet-gioi-thieu-net-5-phat-hanh-mlnet-10-windows-terminal-va-wsl-2-1676.html</a:t>
+            </a:r>
+            <a:endParaRPr lang="en-US" dirty="0"/>
+          </a:p>
+          <a:p>
+            <a:pPr lvl="0"/>
+            <a:r>
+              <a:rPr lang="en-US" smtClean="0"/>
+              <a:t>4. James </a:t>
+            </a:r>
+            <a:r>
+              <a:rPr lang="en-US" dirty="0"/>
+              <a:t>McCaffrey (2018-12-19). "ML.NET: The Machine Learning Framework for .NET Developers". MSDN Magazine Connect() Special Issue 2018. Retrieved 2019-01-09.</a:t>
+            </a:r>
+          </a:p>
+          <a:p>
+            <a:endParaRPr lang="en-US" dirty="0"/>
+          </a:p>
+        </p:txBody>
+      </p:sp>
+    </p:spTree>
+    <p:extLst>
+      <p:ext uri="{BB962C8B-B14F-4D97-AF65-F5344CB8AC3E}">
+        <p14:creationId xmlns:p14="http://schemas.microsoft.com/office/powerpoint/2010/main" val="565288636"/>
+      </p:ext>
+    </p:extLst>
+  </p:cSld>
+  <p:clrMapOvr>
+    <a:masterClrMapping/>
+  </p:clrMapOvr>
+  <mc:AlternateContent xmlns:mc="http://schemas.openxmlformats.org/markup-compatibility/2006">
+    <mc:Choice xmlns:p14="http://schemas.microsoft.com/office/powerpoint/2010/main" Requires="p14">
+      <p:transition spd="slow" p14:dur="1300">
+        <p14:pan/>
+      </p:transition>
+    </mc:Choice>
+    <mc:Fallback>
+      <p:transition spd="slow">
+        <p:fade/>
+      </p:transition>
+    </mc:Fallback>
+  </mc:AlternateContent>
+  <p:timing>
+    <p:tnLst>
+      <p:par>
+        <p:cTn id="1" dur="indefinite" restart="never" nodeType="tmRoot"/>
+      </p:par>
+    </p:tnLst>
+  </p:timing>
+</p:sld>
+</file>
+
+<file path=ppt/slides/slide22.xml><?xml version="1.0" encoding="utf-8"?>
+<p:sld xmlns:a="http://schemas.openxmlformats.org/drawingml/2006/main" xmlns:r="http://schemas.openxmlformats.org/officeDocument/2006/relationships" xmlns:p="http://schemas.openxmlformats.org/presentationml/2006/main">
+  <p:cSld>
+    <p:spTree>
+      <p:nvGrpSpPr>
+        <p:cNvPr id="1" name=""/>
+        <p:cNvGrpSpPr/>
+        <p:nvPr/>
+      </p:nvGrpSpPr>
+      <p:grpSpPr>
+        <a:xfrm>
+          <a:off x="0" y="0"/>
+          <a:ext cx="0" cy="0"/>
+          <a:chOff x="0" y="0"/>
+          <a:chExt cx="0" cy="0"/>
+        </a:xfrm>
+      </p:grpSpPr>
+      <p:pic>
+        <p:nvPicPr>
+          <p:cNvPr id="7" name="Picture 6"/>
+          <p:cNvPicPr>
+            <a:picLocks noChangeAspect="1"/>
+          </p:cNvPicPr>
+          <p:nvPr/>
+        </p:nvPicPr>
+        <p:blipFill>
+          <a:blip r:embed="rId2"/>
+          <a:stretch>
+            <a:fillRect/>
+          </a:stretch>
+        </p:blipFill>
+        <p:spPr>
+          <a:xfrm>
+            <a:off x="0" y="0"/>
+            <a:ext cx="12171661" cy="5824025"/>
+          </a:xfrm>
+          <a:prstGeom prst="rect">
+            <a:avLst/>
+          </a:prstGeom>
+        </p:spPr>
+      </p:pic>
+    </p:spTree>
+    <p:extLst>
+      <p:ext uri="{BB962C8B-B14F-4D97-AF65-F5344CB8AC3E}">
+        <p14:creationId xmlns:p14="http://schemas.microsoft.com/office/powerpoint/2010/main" val="1903007198"/>
+      </p:ext>
+    </p:extLst>
+  </p:cSld>
+  <p:clrMapOvr>
+    <a:masterClrMapping/>
+  </p:clrMapOvr>
+  <mc:AlternateContent xmlns:mc="http://schemas.openxmlformats.org/markup-compatibility/2006" xmlns:p14="http://schemas.microsoft.com/office/powerpoint/2010/main">
+    <mc:Choice Requires="p14">
+      <p:transition spd="slow" p14:dur="1300">
+        <p14:pan/>
+      </p:transition>
+    </mc:Choice>
+    <mc:Fallback xmlns="">
+      <p:transition spd="slow">
+        <p:fade/>
+      </p:transition>
+    </mc:Fallback>
+  </mc:AlternateContent>
+  <p:timing>
+    <p:tnLst>
+      <p:par>
+        <p:cTn id="1" dur="indefinite" restart="never" nodeType="tmRoot"/>
+      </p:par>
+    </p:tnLst>
+  </p:timing>
+</p:sld>
+</file>
+
+<file path=ppt/slides/slide23.xml><?xml version="1.0" encoding="utf-8"?>
+<p:sld xmlns:a="http://schemas.openxmlformats.org/drawingml/2006/main" xmlns:r="http://schemas.openxmlformats.org/officeDocument/2006/relationships" xmlns:p="http://schemas.openxmlformats.org/presentationml/2006/main">
+  <p:cSld>
+    <p:spTree>
+      <p:nvGrpSpPr>
+        <p:cNvPr id="1" name=""/>
+        <p:cNvGrpSpPr/>
+        <p:nvPr/>
+      </p:nvGrpSpPr>
+      <p:grpSpPr>
+        <a:xfrm>
+          <a:off x="0" y="0"/>
+          <a:ext cx="0" cy="0"/>
+          <a:chOff x="0" y="0"/>
+          <a:chExt cx="0" cy="0"/>
+        </a:xfrm>
+      </p:grpSpPr>
+      <p:pic>
+        <p:nvPicPr>
+          <p:cNvPr id="2" name="Picture 1"/>
+          <p:cNvPicPr>
+            <a:picLocks noChangeAspect="1"/>
+          </p:cNvPicPr>
+          <p:nvPr/>
+        </p:nvPicPr>
+        <p:blipFill>
+          <a:blip r:embed="rId2"/>
+          <a:stretch>
+            <a:fillRect/>
+          </a:stretch>
+        </p:blipFill>
+        <p:spPr>
+          <a:xfrm>
+            <a:off x="20339" y="-1"/>
+            <a:ext cx="12171661" cy="5824025"/>
+          </a:xfrm>
+          <a:prstGeom prst="rect">
+            <a:avLst/>
+          </a:prstGeom>
+        </p:spPr>
+      </p:pic>
+    </p:spTree>
+    <p:extLst>
+      <p:ext uri="{BB962C8B-B14F-4D97-AF65-F5344CB8AC3E}">
+        <p14:creationId xmlns:p14="http://schemas.microsoft.com/office/powerpoint/2010/main" val="2883220013"/>
+      </p:ext>
+    </p:extLst>
+  </p:cSld>
+  <p:clrMapOvr>
+    <a:masterClrMapping/>
+  </p:clrMapOvr>
+  <mc:AlternateContent xmlns:mc="http://schemas.openxmlformats.org/markup-compatibility/2006" xmlns:p14="http://schemas.microsoft.com/office/powerpoint/2010/main">
+    <mc:Choice Requires="p14">
+      <p:transition spd="slow" p14:dur="1300">
+        <p14:pan/>
+      </p:transition>
+    </mc:Choice>
+    <mc:Fallback xmlns="">
+      <p:transition spd="slow">
+        <p:fade/>
+      </p:transition>
+    </mc:Fallback>
+  </mc:AlternateContent>
+  <p:timing>
+    <p:tnLst>
+      <p:par>
+        <p:cTn id="1" dur="indefinite" restart="never" nodeType="tmRoot"/>
+      </p:par>
+    </p:tnLst>
+  </p:timing>
+</p:sld>
+</file>
+
+<file path=ppt/slides/slide24.xml><?xml version="1.0" encoding="utf-8"?>
+<p:sld xmlns:a="http://schemas.openxmlformats.org/drawingml/2006/main" xmlns:r="http://schemas.openxmlformats.org/officeDocument/2006/relationships" xmlns:p="http://schemas.openxmlformats.org/presentationml/2006/main">
+  <p:cSld>
+    <p:spTree>
+      <p:nvGrpSpPr>
+        <p:cNvPr id="1" name=""/>
+        <p:cNvGrpSpPr/>
+        <p:nvPr/>
+      </p:nvGrpSpPr>
+      <p:grpSpPr>
+        <a:xfrm>
+          <a:off x="0" y="0"/>
+          <a:ext cx="0" cy="0"/>
+          <a:chOff x="0" y="0"/>
+          <a:chExt cx="0" cy="0"/>
+        </a:xfrm>
+      </p:grpSpPr>
+      <p:pic>
+        <p:nvPicPr>
+          <p:cNvPr id="4" name="Picture 3"/>
+          <p:cNvPicPr>
+            <a:picLocks noChangeAspect="1"/>
+          </p:cNvPicPr>
+          <p:nvPr/>
+        </p:nvPicPr>
+        <p:blipFill>
+          <a:blip r:embed="rId2"/>
+          <a:stretch>
+            <a:fillRect/>
+          </a:stretch>
+        </p:blipFill>
+        <p:spPr>
+          <a:xfrm>
+            <a:off x="0" y="0"/>
+            <a:ext cx="12192000" cy="5833757"/>
+          </a:xfrm>
+          <a:prstGeom prst="rect">
+            <a:avLst/>
+          </a:prstGeom>
+        </p:spPr>
+      </p:pic>
+    </p:spTree>
+    <p:extLst>
+      <p:ext uri="{BB962C8B-B14F-4D97-AF65-F5344CB8AC3E}">
+        <p14:creationId xmlns:p14="http://schemas.microsoft.com/office/powerpoint/2010/main" val="2236648604"/>
+      </p:ext>
+    </p:extLst>
+  </p:cSld>
+  <p:clrMapOvr>
+    <a:masterClrMapping/>
+  </p:clrMapOvr>
+  <mc:AlternateContent xmlns:mc="http://schemas.openxmlformats.org/markup-compatibility/2006" xmlns:p14="http://schemas.microsoft.com/office/powerpoint/2010/main">
+    <mc:Choice Requires="p14">
+      <p:transition spd="slow" p14:dur="1300">
+        <p14:pan/>
+      </p:transition>
+    </mc:Choice>
+    <mc:Fallback xmlns="">
+      <p:transition spd="slow">
+        <p:fade/>
+      </p:transition>
+    </mc:Fallback>
+  </mc:AlternateContent>
+  <p:timing>
+    <p:tnLst>
+      <p:par>
+        <p:cTn id="1" dur="indefinite" restart="never" nodeType="tmRoot"/>
+      </p:par>
+    </p:tnLst>
+  </p:timing>
+</p:sld>
+</file>
+
+<file path=ppt/slides/slide25.xml><?xml version="1.0" encoding="utf-8"?>
+<p:sld xmlns:a="http://schemas.openxmlformats.org/drawingml/2006/main" xmlns:r="http://schemas.openxmlformats.org/officeDocument/2006/relationships" xmlns:p="http://schemas.openxmlformats.org/presentationml/2006/main">
+  <p:cSld>
+    <p:spTree>
+      <p:nvGrpSpPr>
+        <p:cNvPr id="1" name=""/>
+        <p:cNvGrpSpPr/>
+        <p:nvPr/>
+      </p:nvGrpSpPr>
+      <p:grpSpPr>
+        <a:xfrm>
+          <a:off x="0" y="0"/>
+          <a:ext cx="0" cy="0"/>
+          <a:chOff x="0" y="0"/>
+          <a:chExt cx="0" cy="0"/>
+        </a:xfrm>
+      </p:grpSpPr>
+      <p:pic>
+        <p:nvPicPr>
+          <p:cNvPr id="2" name="Picture 1"/>
+          <p:cNvPicPr>
+            <a:picLocks noChangeAspect="1"/>
+          </p:cNvPicPr>
+          <p:nvPr/>
+        </p:nvPicPr>
+        <p:blipFill>
+          <a:blip r:embed="rId2"/>
+          <a:stretch>
+            <a:fillRect/>
+          </a:stretch>
+        </p:blipFill>
+        <p:spPr>
+          <a:xfrm>
+            <a:off x="0" y="0"/>
+            <a:ext cx="12201060" cy="5838092"/>
+          </a:xfrm>
+          <a:prstGeom prst="rect">
+            <a:avLst/>
+          </a:prstGeom>
+        </p:spPr>
+      </p:pic>
+    </p:spTree>
+    <p:extLst>
+      <p:ext uri="{BB962C8B-B14F-4D97-AF65-F5344CB8AC3E}">
+        <p14:creationId xmlns:p14="http://schemas.microsoft.com/office/powerpoint/2010/main" val="1553208725"/>
+      </p:ext>
+    </p:extLst>
+  </p:cSld>
+  <p:clrMapOvr>
+    <a:masterClrMapping/>
+  </p:clrMapOvr>
+  <mc:AlternateContent xmlns:mc="http://schemas.openxmlformats.org/markup-compatibility/2006" xmlns:p14="http://schemas.microsoft.com/office/powerpoint/2010/main">
+    <mc:Choice Requires="p14">
+      <p:transition spd="slow" p14:dur="1300">
+        <p14:pan/>
+      </p:transition>
+    </mc:Choice>
+    <mc:Fallback xmlns="">
+      <p:transition spd="slow">
+        <p:fade/>
+      </p:transition>
+    </mc:Fallback>
+  </mc:AlternateContent>
+  <p:timing>
+    <p:tnLst>
+      <p:par>
+        <p:cTn id="1" dur="indefinite" restart="never" nodeType="tmRoot"/>
+      </p:par>
+    </p:tnLst>
+  </p:timing>
+</p:sld>
+</file>
+
+<file path=ppt/slides/slide26.xml><?xml version="1.0" encoding="utf-8"?>
+<p:sld xmlns:a="http://schemas.openxmlformats.org/drawingml/2006/main" xmlns:r="http://schemas.openxmlformats.org/officeDocument/2006/relationships" xmlns:p="http://schemas.openxmlformats.org/presentationml/2006/main">
+  <p:cSld>
+    <p:spTree>
+      <p:nvGrpSpPr>
+        <p:cNvPr id="1" name=""/>
+        <p:cNvGrpSpPr/>
+        <p:nvPr/>
+      </p:nvGrpSpPr>
+      <p:grpSpPr>
+        <a:xfrm>
+          <a:off x="0" y="0"/>
+          <a:ext cx="0" cy="0"/>
+          <a:chOff x="0" y="0"/>
+          <a:chExt cx="0" cy="0"/>
+        </a:xfrm>
+      </p:grpSpPr>
+      <p:pic>
+        <p:nvPicPr>
+          <p:cNvPr id="3" name="Picture 2"/>
+          <p:cNvPicPr>
+            <a:picLocks noChangeAspect="1"/>
+          </p:cNvPicPr>
+          <p:nvPr/>
+        </p:nvPicPr>
+        <p:blipFill>
+          <a:blip r:embed="rId2"/>
+          <a:stretch>
+            <a:fillRect/>
+          </a:stretch>
+        </p:blipFill>
+        <p:spPr>
+          <a:xfrm>
+            <a:off x="-1" y="0"/>
+            <a:ext cx="12171661" cy="5824025"/>
+          </a:xfrm>
+          <a:prstGeom prst="rect">
+            <a:avLst/>
+          </a:prstGeom>
+        </p:spPr>
+      </p:pic>
+    </p:spTree>
+    <p:extLst>
+      <p:ext uri="{BB962C8B-B14F-4D97-AF65-F5344CB8AC3E}">
+        <p14:creationId xmlns:p14="http://schemas.microsoft.com/office/powerpoint/2010/main" val="3355762384"/>
+      </p:ext>
+    </p:extLst>
+  </p:cSld>
+  <p:clrMapOvr>
+    <a:masterClrMapping/>
+  </p:clrMapOvr>
+  <mc:AlternateContent xmlns:mc="http://schemas.openxmlformats.org/markup-compatibility/2006" xmlns:p14="http://schemas.microsoft.com/office/powerpoint/2010/main">
+    <mc:Choice Requires="p14">
+      <p:transition spd="slow" p14:dur="1300">
+        <p14:pan/>
+      </p:transition>
+    </mc:Choice>
+    <mc:Fallback xmlns="">
+      <p:transition spd="slow">
+        <p:fade/>
+      </p:transition>
+    </mc:Fallback>
+  </mc:AlternateContent>
+  <p:timing>
+    <p:tnLst>
+      <p:par>
+        <p:cTn id="1" dur="indefinite" restart="never" nodeType="tmRoot"/>
+      </p:par>
+    </p:tnLst>
+  </p:timing>
+</p:sld>
+</file>
+
+<file path=ppt/slides/slide27.xml><?xml version="1.0" encoding="utf-8"?>
+<p:sld xmlns:a="http://schemas.openxmlformats.org/drawingml/2006/main" xmlns:r="http://schemas.openxmlformats.org/officeDocument/2006/relationships" xmlns:p="http://schemas.openxmlformats.org/presentationml/2006/main">
+  <p:cSld>
+    <p:spTree>
+      <p:nvGrpSpPr>
+        <p:cNvPr id="1" name=""/>
+        <p:cNvGrpSpPr/>
+        <p:nvPr/>
+      </p:nvGrpSpPr>
+      <p:grpSpPr>
+        <a:xfrm>
+          <a:off x="0" y="0"/>
+          <a:ext cx="0" cy="0"/>
+          <a:chOff x="0" y="0"/>
+          <a:chExt cx="0" cy="0"/>
+        </a:xfrm>
+      </p:grpSpPr>
+      <p:pic>
+        <p:nvPicPr>
+          <p:cNvPr id="4" name="Picture 3"/>
+          <p:cNvPicPr>
+            <a:picLocks noChangeAspect="1"/>
+          </p:cNvPicPr>
+          <p:nvPr/>
+        </p:nvPicPr>
+        <p:blipFill>
+          <a:blip r:embed="rId2">
+            <a:extLst>
+              <a:ext uri="{28A0092B-C50C-407E-A947-70E740481C1C}">
+                <a14:useLocalDpi xmlns:a14="http://schemas.microsoft.com/office/drawing/2010/main" val="0"/>
+              </a:ext>
+            </a:extLst>
+          </a:blip>
+          <a:stretch>
+            <a:fillRect/>
+          </a:stretch>
+        </p:blipFill>
+        <p:spPr>
+          <a:xfrm>
+            <a:off x="1809750" y="0"/>
+            <a:ext cx="8572500" cy="6858000"/>
+          </a:xfrm>
+          <a:prstGeom prst="rect">
+            <a:avLst/>
+          </a:prstGeom>
+        </p:spPr>
+      </p:pic>
+    </p:spTree>
+    <p:extLst>
+      <p:ext uri="{BB962C8B-B14F-4D97-AF65-F5344CB8AC3E}">
+        <p14:creationId xmlns:p14="http://schemas.microsoft.com/office/powerpoint/2010/main" val="3153912741"/>
+      </p:ext>
+    </p:extLst>
+  </p:cSld>
+  <p:clrMapOvr>
+    <a:masterClrMapping/>
+  </p:clrMapOvr>
+  <mc:AlternateContent xmlns:mc="http://schemas.openxmlformats.org/markup-compatibility/2006" xmlns:p15="http://schemas.microsoft.com/office/powerpoint/2012/main">
+    <mc:Choice Requires="p15">
+      <p:transition xmlns:p14="http://schemas.microsoft.com/office/powerpoint/2010/main" spd="slow" p14:dur="2000">
+        <p15:prstTrans prst="drape"/>
+      </p:transition>
+    </mc:Choice>
+    <mc:Fallback xmlns="">
+      <p:transition spd="slow">
+        <p:fade/>
+      </p:transition>
+    </mc:Fallback>
+  </mc:AlternateContent>
+  <p:timing>
+    <p:tnLst>
+      <p:par>
+        <p:cTn id="1" dur="indefinite" restart="never" nodeType="tmRoot"/>
+      </p:par>
+    </p:tnLst>
+  </p:timing>
+</p:sld>
+</file>
+
+<file path=ppt/slides/slide3.xml><?xml version="1.0" encoding="utf-8"?>
+<p:sld xmlns:a="http://schemas.openxmlformats.org/drawingml/2006/main" xmlns:r="http://schemas.openxmlformats.org/officeDocument/2006/relationships" xmlns:p="http://schemas.openxmlformats.org/presentationml/2006/main">
+  <p:cSld>
+    <p:spTree>
+      <p:nvGrpSpPr>
+        <p:cNvPr id="1" name=""/>
+        <p:cNvGrpSpPr/>
+        <p:nvPr/>
+      </p:nvGrpSpPr>
+      <p:grpSpPr>
+        <a:xfrm>
+          <a:off x="0" y="0"/>
+          <a:ext cx="0" cy="0"/>
+          <a:chOff x="0" y="0"/>
+          <a:chExt cx="0" cy="0"/>
+        </a:xfrm>
+      </p:grpSpPr>
+      <p:sp>
+        <p:nvSpPr>
+          <p:cNvPr id="2" name="Title 1"/>
+          <p:cNvSpPr>
+            <a:spLocks noGrp="1"/>
+          </p:cNvSpPr>
+          <p:nvPr>
+            <p:ph type="title"/>
+          </p:nvPr>
+        </p:nvSpPr>
+        <p:spPr/>
+        <p:txBody>
+          <a:bodyPr>
+            <a:normAutofit/>
+          </a:bodyPr>
+          <a:lstStyle/>
+          <a:p>
+            <a:r>
+              <a:rPr lang="en-US" sz="6000" dirty="0" smtClean="0"/>
+              <a:t>Giới </a:t>
+            </a:r>
+            <a:r>
+              <a:rPr lang="en-US" sz="6600" dirty="0" smtClean="0"/>
+              <a:t>thiệu</a:t>
+            </a:r>
+            <a:r>
+              <a:rPr lang="en-US" sz="6000" dirty="0" smtClean="0"/>
+              <a:t> về .Net Core</a:t>
+            </a:r>
+            <a:endParaRPr lang="en-US" sz="6000" dirty="0"/>
+          </a:p>
+        </p:txBody>
+      </p:sp>
+      <p:sp>
+        <p:nvSpPr>
+          <p:cNvPr id="3" name="Content Placeholder 2"/>
+          <p:cNvSpPr>
+            <a:spLocks noGrp="1"/>
+          </p:cNvSpPr>
+          <p:nvPr>
+            <p:ph idx="1"/>
+          </p:nvPr>
+        </p:nvSpPr>
+        <p:spPr/>
+        <p:txBody>
+          <a:bodyPr>
+            <a:normAutofit/>
+          </a:bodyPr>
+          <a:lstStyle/>
+          <a:p>
+            <a:pPr algn="just">
+              <a:buFont typeface="Wingdings" panose="05000000000000000000" pitchFamily="2" charset="2"/>
+              <a:buChar char="Ø"/>
+            </a:pPr>
+            <a:r>
+              <a:rPr lang="en-US" sz="3600" dirty="0"/>
+              <a:t>ASP.NET Core là một open-source mới và framework </a:t>
+            </a:r>
+            <a:r>
+              <a:rPr lang="en-US" sz="3600" i="1" dirty="0"/>
+              <a:t>đa nền tảng</a:t>
+            </a:r>
+            <a:r>
+              <a:rPr lang="en-US" sz="3600" dirty="0"/>
+              <a:t> (cross-platform</a:t>
+            </a:r>
+            <a:r>
+              <a:rPr lang="en-US" sz="3600" dirty="0" smtClean="0"/>
+              <a:t>).</a:t>
+            </a:r>
+          </a:p>
+          <a:p>
+            <a:pPr algn="just">
+              <a:buFont typeface="Wingdings" panose="05000000000000000000" pitchFamily="2" charset="2"/>
+              <a:buChar char="Ø"/>
+            </a:pPr>
+            <a:r>
+              <a:rPr lang="en-US" sz="3600" dirty="0"/>
+              <a:t>C</a:t>
+            </a:r>
+            <a:r>
+              <a:rPr lang="en-US" sz="3600" dirty="0" smtClean="0"/>
+              <a:t>ó </a:t>
+            </a:r>
+            <a:r>
+              <a:rPr lang="en-US" sz="3600" dirty="0"/>
+              <a:t>thể chạy trên .NET Core hoặc trên phiên bản đầy đủ của .NET </a:t>
+            </a:r>
+            <a:r>
+              <a:rPr lang="en-US" sz="3600" dirty="0" smtClean="0"/>
+              <a:t>Framework.</a:t>
+            </a:r>
+          </a:p>
+          <a:p>
+            <a:pPr algn="just">
+              <a:buFont typeface="Wingdings" panose="05000000000000000000" pitchFamily="2" charset="2"/>
+              <a:buChar char="Ø"/>
+            </a:pPr>
+            <a:r>
+              <a:rPr lang="en-US" sz="3600" dirty="0"/>
+              <a:t>Đ</a:t>
+            </a:r>
+            <a:r>
+              <a:rPr lang="en-US" sz="3600" dirty="0" smtClean="0"/>
+              <a:t>ược </a:t>
+            </a:r>
+            <a:r>
+              <a:rPr lang="en-US" sz="3600" dirty="0"/>
+              <a:t>dựa trên một tập hợp các gói, các module hay cũng được gọi là các </a:t>
+            </a:r>
+            <a:r>
+              <a:rPr lang="en-US" sz="3600" i="1" dirty="0"/>
+              <a:t>NuGet Packages</a:t>
+            </a:r>
+            <a:endParaRPr lang="en-US" sz="3600" dirty="0"/>
+          </a:p>
+        </p:txBody>
+      </p:sp>
+      <p:pic>
+        <p:nvPicPr>
+          <p:cNvPr id="4" name="Picture 8" descr="Kết quả hình ảnh cho asp.net core"/>
+          <p:cNvPicPr>
+            <a:picLocks noChangeAspect="1" noChangeArrowheads="1"/>
+          </p:cNvPicPr>
+          <p:nvPr/>
+        </p:nvPicPr>
+        <p:blipFill>
+          <a:blip r:embed="rId3" cstate="print">
+            <a:extLst>
+              <a:ext uri="{28A0092B-C50C-407E-A947-70E740481C1C}">
+                <a14:useLocalDpi xmlns:a14="http://schemas.microsoft.com/office/drawing/2010/main" val="0"/>
+              </a:ext>
+            </a:extLst>
+          </a:blip>
+          <a:srcRect/>
+          <a:stretch>
+            <a:fillRect/>
+          </a:stretch>
+        </p:blipFill>
+        <p:spPr bwMode="auto">
+          <a:xfrm>
+            <a:off x="10554979" y="178229"/>
+            <a:ext cx="1439334" cy="1439334"/>
+          </a:xfrm>
+          <a:prstGeom prst="rect">
+            <a:avLst/>
+          </a:prstGeom>
+          <a:noFill/>
+          <a:extLst>
+            <a:ext uri="{909E8E84-426E-40DD-AFC4-6F175D3DCCD1}">
+              <a14:hiddenFill xmlns:a14="http://schemas.microsoft.com/office/drawing/2010/main">
+                <a:solidFill>
+                  <a:srgbClr val="FFFFFF"/>
+                </a:solidFill>
+              </a14:hiddenFill>
+            </a:ext>
+          </a:extLst>
+        </p:spPr>
+      </p:pic>
+    </p:spTree>
+    <p:extLst>
+      <p:ext uri="{BB962C8B-B14F-4D97-AF65-F5344CB8AC3E}">
+        <p14:creationId xmlns:p14="http://schemas.microsoft.com/office/powerpoint/2010/main" val="3879407884"/>
+      </p:ext>
+    </p:extLst>
+  </p:cSld>
+  <p:clrMapOvr>
+    <a:masterClrMapping/>
+  </p:clrMapOvr>
+  <mc:AlternateContent xmlns:mc="http://schemas.openxmlformats.org/markup-compatibility/2006">
+    <mc:Choice xmlns:p14="http://schemas.microsoft.com/office/powerpoint/2010/main" Requires="p14">
+      <p:transition spd="slow" p14:dur="1300">
+        <p14:pan/>
+      </p:transition>
+    </mc:Choice>
+    <mc:Fallback>
+      <p:transition spd="slow">
+        <p:fade/>
+      </p:transition>
+    </mc:Fallback>
+  </mc:AlternateContent>
+  <p:timing>
+    <p:tnLst>
+      <p:par>
+        <p:cTn id="1" dur="indefinite" restart="never" nodeType="tmRoot"/>
+      </p:par>
+    </p:tnLst>
+  </p:timing>
+</p:sld>
+</file>
+
+<file path=ppt/slides/slide4.xml><?xml version="1.0" encoding="utf-8"?>
+<p:sld xmlns:a="http://schemas.openxmlformats.org/drawingml/2006/main" xmlns:r="http://schemas.openxmlformats.org/officeDocument/2006/relationships" xmlns:p="http://schemas.openxmlformats.org/presentationml/2006/main">
+  <p:cSld>
+    <p:spTree>
+      <p:nvGrpSpPr>
+        <p:cNvPr id="1" name=""/>
+        <p:cNvGrpSpPr/>
+        <p:nvPr/>
+      </p:nvGrpSpPr>
+      <p:grpSpPr>
+        <a:xfrm>
+          <a:off x="0" y="0"/>
+          <a:ext cx="0" cy="0"/>
+          <a:chOff x="0" y="0"/>
+          <a:chExt cx="0" cy="0"/>
+        </a:xfrm>
+      </p:grpSpPr>
+      <p:sp>
+        <p:nvSpPr>
+          <p:cNvPr id="2" name="Title 1"/>
+          <p:cNvSpPr>
+            <a:spLocks noGrp="1"/>
+          </p:cNvSpPr>
+          <p:nvPr>
+            <p:ph type="title"/>
+          </p:nvPr>
+        </p:nvSpPr>
+        <p:spPr/>
+        <p:txBody>
+          <a:bodyPr>
+            <a:normAutofit/>
+          </a:bodyPr>
+          <a:lstStyle/>
+          <a:p>
+            <a:r>
+              <a:rPr lang="en-US" sz="6600" dirty="0" smtClean="0"/>
+              <a:t>Giới thiệu về mô hình MVC</a:t>
+            </a:r>
+            <a:endParaRPr lang="en-US" sz="6600" dirty="0"/>
+          </a:p>
+        </p:txBody>
+      </p:sp>
+      <p:pic>
+        <p:nvPicPr>
+          <p:cNvPr id="4" name="Content Placeholder 3" descr="https://gpcoder.com/wp-content/uploads/2019/02/design-patterns-mvc-diagram.png"/>
+          <p:cNvPicPr>
+            <a:picLocks noGrp="1"/>
+          </p:cNvPicPr>
+          <p:nvPr>
+            <p:ph idx="1"/>
+          </p:nvPr>
+        </p:nvPicPr>
+        <p:blipFill>
+          <a:blip r:embed="rId3">
+            <a:extLst>
+              <a:ext uri="{28A0092B-C50C-407E-A947-70E740481C1C}">
+                <a14:useLocalDpi xmlns:a14="http://schemas.microsoft.com/office/drawing/2010/main" val="0"/>
+              </a:ext>
+            </a:extLst>
+          </a:blip>
+          <a:srcRect/>
+          <a:stretch>
+            <a:fillRect/>
+          </a:stretch>
+        </p:blipFill>
+        <p:spPr bwMode="auto">
+          <a:xfrm>
+            <a:off x="742583" y="1750807"/>
+            <a:ext cx="10767793" cy="4515522"/>
+          </a:xfrm>
+          <a:prstGeom prst="rect">
+            <a:avLst/>
+          </a:prstGeom>
+          <a:noFill/>
+          <a:ln>
+            <a:noFill/>
+          </a:ln>
+        </p:spPr>
+      </p:pic>
+      <p:pic>
+        <p:nvPicPr>
+          <p:cNvPr id="3074" name="Picture 2" descr="Kết quả hình ảnh cho MVC"/>
+          <p:cNvPicPr>
+            <a:picLocks noChangeAspect="1" noChangeArrowheads="1"/>
+          </p:cNvPicPr>
+          <p:nvPr/>
+        </p:nvPicPr>
+        <p:blipFill>
+          <a:blip r:embed="rId4" cstate="print">
+            <a:extLst>
+              <a:ext uri="{28A0092B-C50C-407E-A947-70E740481C1C}">
+                <a14:useLocalDpi xmlns:a14="http://schemas.microsoft.com/office/drawing/2010/main" val="0"/>
+              </a:ext>
+            </a:extLst>
+          </a:blip>
+          <a:srcRect/>
+          <a:stretch>
+            <a:fillRect/>
+          </a:stretch>
+        </p:blipFill>
+        <p:spPr bwMode="auto">
+          <a:xfrm>
+            <a:off x="10268159" y="0"/>
+            <a:ext cx="1775042" cy="1045509"/>
+          </a:xfrm>
+          <a:prstGeom prst="rect">
+            <a:avLst/>
+          </a:prstGeom>
+          <a:noFill/>
+          <a:extLst>
+            <a:ext uri="{909E8E84-426E-40DD-AFC4-6F175D3DCCD1}">
+              <a14:hiddenFill xmlns:a14="http://schemas.microsoft.com/office/drawing/2010/main">
+                <a:solidFill>
+                  <a:srgbClr val="FFFFFF"/>
+                </a:solidFill>
+              </a14:hiddenFill>
+            </a:ext>
+          </a:extLst>
+        </p:spPr>
+      </p:pic>
+    </p:spTree>
+    <p:extLst>
+      <p:ext uri="{BB962C8B-B14F-4D97-AF65-F5344CB8AC3E}">
+        <p14:creationId xmlns:p14="http://schemas.microsoft.com/office/powerpoint/2010/main" val="1140454504"/>
+      </p:ext>
+    </p:extLst>
+  </p:cSld>
+  <p:clrMapOvr>
+    <a:masterClrMapping/>
+  </p:clrMapOvr>
+  <mc:AlternateContent xmlns:mc="http://schemas.openxmlformats.org/markup-compatibility/2006" xmlns:p14="http://schemas.microsoft.com/office/powerpoint/2010/main">
+    <mc:Choice Requires="p14">
+      <p:transition spd="slow" p14:dur="1300">
+        <p14:pan/>
+      </p:transition>
+    </mc:Choice>
+    <mc:Fallback xmlns="">
+      <p:transition spd="slow">
+        <p:fade/>
+      </p:transition>
+    </mc:Fallback>
+  </mc:AlternateContent>
+  <p:timing>
+    <p:tnLst>
+      <p:par>
+        <p:cTn id="1" dur="indefinite" restart="never" nodeType="tmRoot"/>
+      </p:par>
+    </p:tnLst>
+  </p:timing>
+</p:sld>
+</file>
+
+<file path=ppt/slides/slide5.xml><?xml version="1.0" encoding="utf-8"?>
+<p:sld xmlns:a="http://schemas.openxmlformats.org/drawingml/2006/main" xmlns:r="http://schemas.openxmlformats.org/officeDocument/2006/relationships" xmlns:p="http://schemas.openxmlformats.org/presentationml/2006/main">
+  <p:cSld>
+    <p:spTree>
+      <p:nvGrpSpPr>
+        <p:cNvPr id="1" name=""/>
+        <p:cNvGrpSpPr/>
+        <p:nvPr/>
+      </p:nvGrpSpPr>
+      <p:grpSpPr>
+        <a:xfrm>
+          <a:off x="0" y="0"/>
+          <a:ext cx="0" cy="0"/>
+          <a:chOff x="0" y="0"/>
+          <a:chExt cx="0" cy="0"/>
+        </a:xfrm>
+      </p:grpSpPr>
+      <p:sp>
+        <p:nvSpPr>
+          <p:cNvPr id="2" name="Title 1"/>
+          <p:cNvSpPr>
+            <a:spLocks noGrp="1"/>
+          </p:cNvSpPr>
+          <p:nvPr>
+            <p:ph type="title"/>
+          </p:nvPr>
+        </p:nvSpPr>
+        <p:spPr>
+          <a:xfrm>
+            <a:off x="309282" y="501755"/>
+            <a:ext cx="11687733" cy="1450757"/>
+          </a:xfrm>
+        </p:spPr>
+        <p:txBody>
+          <a:bodyPr>
+            <a:normAutofit/>
+          </a:bodyPr>
+          <a:lstStyle/>
+          <a:p>
+            <a:pPr algn="ctr"/>
+            <a:r>
+              <a:rPr lang="en-US" sz="6600" smtClean="0"/>
+              <a:t>Thư viện ML.NET </a:t>
+            </a:r>
+            <a:endParaRPr lang="en-US" sz="6600" dirty="0"/>
+          </a:p>
+        </p:txBody>
+      </p:sp>
+      <p:pic>
+        <p:nvPicPr>
+          <p:cNvPr id="4098" name="Picture 2" descr="Kết quả hình ảnh cho ml.net"/>
+          <p:cNvPicPr>
+            <a:picLocks noChangeAspect="1" noChangeArrowheads="1"/>
+          </p:cNvPicPr>
+          <p:nvPr/>
+        </p:nvPicPr>
+        <p:blipFill>
+          <a:blip r:embed="rId3">
+            <a:extLst>
+              <a:ext uri="{28A0092B-C50C-407E-A947-70E740481C1C}">
+                <a14:useLocalDpi xmlns:a14="http://schemas.microsoft.com/office/drawing/2010/main" val="0"/>
+              </a:ext>
+            </a:extLst>
+          </a:blip>
+          <a:srcRect/>
+          <a:stretch>
+            <a:fillRect/>
+          </a:stretch>
+        </p:blipFill>
+        <p:spPr bwMode="auto">
+          <a:xfrm>
+            <a:off x="5232891" y="2899042"/>
+            <a:ext cx="1840513" cy="1840513"/>
+          </a:xfrm>
+          <a:prstGeom prst="rect">
+            <a:avLst/>
+          </a:prstGeom>
+          <a:noFill/>
+          <a:extLst>
+            <a:ext uri="{909E8E84-426E-40DD-AFC4-6F175D3DCCD1}">
+              <a14:hiddenFill xmlns:a14="http://schemas.microsoft.com/office/drawing/2010/main">
+                <a:solidFill>
+                  <a:srgbClr val="FFFFFF"/>
+                </a:solidFill>
+              </a14:hiddenFill>
+            </a:ext>
+          </a:extLst>
+        </p:spPr>
+      </p:pic>
+      <p:pic>
+        <p:nvPicPr>
+          <p:cNvPr id="6" name="Picture 5"/>
+          <p:cNvPicPr>
+            <a:picLocks noChangeAspect="1"/>
+          </p:cNvPicPr>
+          <p:nvPr/>
+        </p:nvPicPr>
+        <p:blipFill>
+          <a:blip r:embed="rId4"/>
+          <a:stretch>
+            <a:fillRect/>
+          </a:stretch>
+        </p:blipFill>
+        <p:spPr>
+          <a:xfrm>
+            <a:off x="2857636" y="3106853"/>
+            <a:ext cx="9334363" cy="2579232"/>
+          </a:xfrm>
+          <a:prstGeom prst="rect">
+            <a:avLst/>
+          </a:prstGeom>
+        </p:spPr>
+      </p:pic>
+      <p:graphicFrame>
+        <p:nvGraphicFramePr>
+          <p:cNvPr id="7" name="Table 6"/>
+          <p:cNvGraphicFramePr>
+            <a:graphicFrameLocks noGrp="1"/>
+          </p:cNvGraphicFramePr>
+          <p:nvPr>
+            <p:extLst>
+              <p:ext uri="{D42A27DB-BD31-4B8C-83A1-F6EECF244321}">
+                <p14:modId xmlns:p14="http://schemas.microsoft.com/office/powerpoint/2010/main" val="3506396225"/>
+              </p:ext>
+            </p:extLst>
+          </p:nvPr>
+        </p:nvGraphicFramePr>
+        <p:xfrm>
+          <a:off x="0" y="827313"/>
+          <a:ext cx="9071429" cy="4983480"/>
+        </p:xfrm>
+        <a:graphic>
+          <a:graphicData uri="http://schemas.openxmlformats.org/drawingml/2006/table">
+            <a:tbl>
+              <a:tblPr firstRow="1" bandRow="1">
+                <a:tableStyleId>{5C22544A-7EE6-4342-B048-85BDC9FD1C3A}</a:tableStyleId>
+              </a:tblPr>
+              <a:tblGrid>
+                <a:gridCol w="1901603">
+                  <a:extLst>
+                    <a:ext uri="{9D8B030D-6E8A-4147-A177-3AD203B41FA5}">
+                      <a16:colId xmlns:a16="http://schemas.microsoft.com/office/drawing/2014/main" val="2339632042"/>
+                    </a:ext>
+                  </a:extLst>
+                </a:gridCol>
+                <a:gridCol w="3912384">
+                  <a:extLst>
+                    <a:ext uri="{9D8B030D-6E8A-4147-A177-3AD203B41FA5}">
+                      <a16:colId xmlns:a16="http://schemas.microsoft.com/office/drawing/2014/main" val="2018168341"/>
+                    </a:ext>
+                  </a:extLst>
+                </a:gridCol>
+                <a:gridCol w="3257442">
+                  <a:extLst>
+                    <a:ext uri="{9D8B030D-6E8A-4147-A177-3AD203B41FA5}">
+                      <a16:colId xmlns:a16="http://schemas.microsoft.com/office/drawing/2014/main" val="2112025396"/>
+                    </a:ext>
+                  </a:extLst>
+                </a:gridCol>
+              </a:tblGrid>
+              <a:tr h="370840">
+                <a:tc>
+                  <a:txBody>
+                    <a:bodyPr/>
+                    <a:lstStyle/>
+                    <a:p>
+                      <a:pPr algn="l" fontAlgn="b"/>
+                      <a:r>
+                        <a:rPr lang="en-US">
+                          <a:effectLst/>
+                        </a:rPr>
+                        <a:t>Algorithm</a:t>
+                      </a:r>
+                    </a:p>
+                  </a:txBody>
+                  <a:tcPr marL="152400" marR="152400" marT="114300" marB="114300" anchor="b"/>
+                </a:tc>
+                <a:tc>
+                  <a:txBody>
+                    <a:bodyPr/>
+                    <a:lstStyle/>
+                    <a:p>
+                      <a:pPr algn="l" fontAlgn="b"/>
+                      <a:r>
+                        <a:rPr lang="en-US">
+                          <a:effectLst/>
+                        </a:rPr>
+                        <a:t>Properties</a:t>
+                      </a:r>
+                    </a:p>
+                  </a:txBody>
+                  <a:tcPr marL="152400" marR="152400" marT="114300" marB="114300" anchor="b"/>
+                </a:tc>
+                <a:tc>
+                  <a:txBody>
+                    <a:bodyPr/>
+                    <a:lstStyle/>
+                    <a:p>
+                      <a:pPr algn="l" fontAlgn="b"/>
+                      <a:r>
+                        <a:rPr lang="en-US">
+                          <a:effectLst/>
+                        </a:rPr>
+                        <a:t>Trainers</a:t>
+                      </a:r>
+                    </a:p>
+                  </a:txBody>
+                  <a:tcPr marL="152400" marR="152400" marT="114300" marB="114300" anchor="b"/>
+                </a:tc>
+                <a:extLst>
+                  <a:ext uri="{0D108BD9-81ED-4DB2-BD59-A6C34878D82A}">
+                    <a16:rowId xmlns:a16="http://schemas.microsoft.com/office/drawing/2014/main" val="1606336426"/>
+                  </a:ext>
+                </a:extLst>
+              </a:tr>
+              <a:tr h="370840">
+                <a:tc>
+                  <a:txBody>
+                    <a:bodyPr/>
+                    <a:lstStyle/>
+                    <a:p>
+                      <a:pPr algn="l" fontAlgn="t"/>
+                      <a:r>
+                        <a:rPr lang="en-US">
+                          <a:effectLst/>
+                        </a:rPr>
+                        <a:t>Light gradient boosted machine</a:t>
+                      </a:r>
+                    </a:p>
+                  </a:txBody>
+                  <a:tcPr marL="152400" marR="152400" marT="114300" marB="114300"/>
+                </a:tc>
+                <a:tc>
+                  <a:txBody>
+                    <a:bodyPr/>
+                    <a:lstStyle/>
+                    <a:p>
+                      <a:pPr algn="l" fontAlgn="t"/>
+                      <a:r>
+                        <a:rPr lang="en-US">
+                          <a:effectLst/>
+                        </a:rPr>
+                        <a:t>Fastest and most accurate of the binary classification tree trainers. Highly tunable</a:t>
+                      </a:r>
+                    </a:p>
+                  </a:txBody>
+                  <a:tcPr marL="152400" marR="152400" marT="114300" marB="114300"/>
+                </a:tc>
+                <a:tc>
+                  <a:txBody>
+                    <a:bodyPr/>
+                    <a:lstStyle/>
+                    <a:p>
+                      <a:pPr algn="l" fontAlgn="t"/>
+                      <a:r>
+                        <a:rPr lang="en-US" u="none" strike="noStrike">
+                          <a:effectLst/>
+                          <a:hlinkClick r:id="rId5"/>
+                        </a:rPr>
+                        <a:t>LightGbmBinaryTrainer</a:t>
+                      </a:r>
+                      <a:r>
+                        <a:rPr lang="en-US">
+                          <a:effectLst/>
+                        </a:rPr>
+                        <a:t> </a:t>
+                      </a:r>
+                      <a:endParaRPr lang="en-US" smtClean="0">
+                        <a:effectLst/>
+                      </a:endParaRPr>
+                    </a:p>
+                    <a:p>
+                      <a:pPr algn="l" fontAlgn="t"/>
+                      <a:r>
+                        <a:rPr lang="en-US" u="none" strike="noStrike" smtClean="0">
+                          <a:effectLst/>
+                          <a:hlinkClick r:id="rId6"/>
+                        </a:rPr>
+                        <a:t>LightGbmMulticlassTrainer</a:t>
+                      </a:r>
+                      <a:r>
+                        <a:rPr lang="en-US">
+                          <a:effectLst/>
+                        </a:rPr>
+                        <a:t> </a:t>
+                      </a:r>
+                      <a:endParaRPr lang="en-US" smtClean="0">
+                        <a:effectLst/>
+                      </a:endParaRPr>
+                    </a:p>
+                    <a:p>
+                      <a:pPr algn="l" fontAlgn="t"/>
+                      <a:r>
+                        <a:rPr lang="en-US" u="none" strike="noStrike" smtClean="0">
+                          <a:effectLst/>
+                          <a:hlinkClick r:id="rId7"/>
+                        </a:rPr>
+                        <a:t>LightGbmRegressionTrainer</a:t>
+                      </a:r>
+                      <a:endParaRPr lang="en-US" u="none" strike="noStrike" smtClean="0">
+                        <a:effectLst/>
+                      </a:endParaRPr>
+                    </a:p>
+                    <a:p>
+                      <a:pPr algn="l" fontAlgn="t"/>
+                      <a:r>
+                        <a:rPr lang="en-US" u="none" strike="noStrike" smtClean="0">
+                          <a:effectLst/>
+                          <a:hlinkClick r:id="rId8"/>
+                        </a:rPr>
+                        <a:t>LightGbmRankingTrainer</a:t>
+                      </a:r>
+                      <a:endParaRPr lang="en-US">
+                        <a:effectLst/>
+                      </a:endParaRPr>
+                    </a:p>
+                  </a:txBody>
+                  <a:tcPr marL="152400" marR="152400" marT="114300" marB="114300"/>
+                </a:tc>
+                <a:extLst>
+                  <a:ext uri="{0D108BD9-81ED-4DB2-BD59-A6C34878D82A}">
+                    <a16:rowId xmlns:a16="http://schemas.microsoft.com/office/drawing/2014/main" val="1284203915"/>
+                  </a:ext>
+                </a:extLst>
+              </a:tr>
+              <a:tr h="370840">
+                <a:tc>
+                  <a:txBody>
+                    <a:bodyPr/>
+                    <a:lstStyle/>
+                    <a:p>
+                      <a:pPr algn="l" fontAlgn="t"/>
+                      <a:r>
+                        <a:rPr lang="en-US">
+                          <a:effectLst/>
+                        </a:rPr>
+                        <a:t>Fast tree</a:t>
+                      </a:r>
+                    </a:p>
+                  </a:txBody>
+                  <a:tcPr marL="152400" marR="152400" marT="114300" marB="114300"/>
+                </a:tc>
+                <a:tc>
+                  <a:txBody>
+                    <a:bodyPr/>
+                    <a:lstStyle/>
+                    <a:p>
+                      <a:pPr algn="l" fontAlgn="t"/>
+                      <a:r>
+                        <a:rPr lang="en-US">
+                          <a:effectLst/>
+                        </a:rPr>
+                        <a:t>Use for featurized image data. Resilient to unbalanced data. Highly tunable</a:t>
+                      </a:r>
+                    </a:p>
+                  </a:txBody>
+                  <a:tcPr marL="152400" marR="152400" marT="114300" marB="114300"/>
+                </a:tc>
+                <a:tc>
+                  <a:txBody>
+                    <a:bodyPr/>
+                    <a:lstStyle/>
+                    <a:p>
+                      <a:pPr algn="l" fontAlgn="t"/>
+                      <a:r>
+                        <a:rPr lang="en-US" u="none" strike="noStrike">
+                          <a:effectLst/>
+                          <a:hlinkClick r:id="rId9"/>
+                        </a:rPr>
+                        <a:t>FastTreeBinaryTrainer</a:t>
+                      </a:r>
+                      <a:r>
+                        <a:rPr lang="en-US">
+                          <a:effectLst/>
+                        </a:rPr>
+                        <a:t> </a:t>
+                      </a:r>
+                      <a:endParaRPr lang="en-US" smtClean="0">
+                        <a:effectLst/>
+                      </a:endParaRPr>
+                    </a:p>
+                    <a:p>
+                      <a:pPr algn="l" fontAlgn="t"/>
+                      <a:r>
+                        <a:rPr lang="en-US" u="none" strike="noStrike" smtClean="0">
+                          <a:effectLst/>
+                          <a:hlinkClick r:id="rId10"/>
+                        </a:rPr>
+                        <a:t>FastTreeRegressionTrainer</a:t>
+                      </a:r>
+                      <a:r>
+                        <a:rPr lang="en-US">
+                          <a:effectLst/>
+                        </a:rPr>
+                        <a:t> </a:t>
+                      </a:r>
+                      <a:endParaRPr lang="en-US" smtClean="0">
+                        <a:effectLst/>
+                      </a:endParaRPr>
+                    </a:p>
+                    <a:p>
+                      <a:pPr algn="l" fontAlgn="t"/>
+                      <a:r>
+                        <a:rPr lang="en-US" u="none" strike="noStrike" smtClean="0">
+                          <a:effectLst/>
+                          <a:hlinkClick r:id="rId11"/>
+                        </a:rPr>
+                        <a:t>FastTreeTweedieTrainer</a:t>
+                      </a:r>
+                      <a:r>
+                        <a:rPr lang="en-US">
+                          <a:effectLst/>
+                        </a:rPr>
+                        <a:t> </a:t>
+                      </a:r>
+                      <a:endParaRPr lang="en-US" smtClean="0">
+                        <a:effectLst/>
+                      </a:endParaRPr>
+                    </a:p>
+                    <a:p>
+                      <a:pPr algn="l" fontAlgn="t"/>
+                      <a:r>
+                        <a:rPr lang="en-US" u="none" strike="noStrike" smtClean="0">
+                          <a:effectLst/>
+                          <a:hlinkClick r:id="rId12"/>
+                        </a:rPr>
+                        <a:t>FastTreeRankingTrainer</a:t>
+                      </a:r>
+                      <a:endParaRPr lang="en-US">
+                        <a:effectLst/>
+                      </a:endParaRPr>
+                    </a:p>
+                  </a:txBody>
+                  <a:tcPr marL="152400" marR="152400" marT="114300" marB="114300"/>
+                </a:tc>
+                <a:extLst>
+                  <a:ext uri="{0D108BD9-81ED-4DB2-BD59-A6C34878D82A}">
+                    <a16:rowId xmlns:a16="http://schemas.microsoft.com/office/drawing/2014/main" val="339082394"/>
+                  </a:ext>
+                </a:extLst>
+              </a:tr>
+              <a:tr h="370840">
+                <a:tc>
+                  <a:txBody>
+                    <a:bodyPr/>
+                    <a:lstStyle/>
+                    <a:p>
+                      <a:pPr algn="l" fontAlgn="t"/>
+                      <a:r>
+                        <a:rPr lang="en-US">
+                          <a:effectLst/>
+                        </a:rPr>
+                        <a:t>Fast forest</a:t>
+                      </a:r>
+                    </a:p>
+                  </a:txBody>
+                  <a:tcPr marL="152400" marR="152400" marT="114300" marB="114300"/>
+                </a:tc>
+                <a:tc>
+                  <a:txBody>
+                    <a:bodyPr/>
+                    <a:lstStyle/>
+                    <a:p>
+                      <a:pPr algn="l" fontAlgn="t"/>
+                      <a:r>
+                        <a:rPr lang="en-US">
+                          <a:effectLst/>
+                        </a:rPr>
+                        <a:t>Works well with noisy data</a:t>
+                      </a:r>
+                    </a:p>
+                  </a:txBody>
+                  <a:tcPr marL="152400" marR="152400" marT="114300" marB="114300"/>
+                </a:tc>
+                <a:tc>
+                  <a:txBody>
+                    <a:bodyPr/>
+                    <a:lstStyle/>
+                    <a:p>
+                      <a:pPr algn="l" fontAlgn="t"/>
+                      <a:r>
+                        <a:rPr lang="en-US" u="none" strike="noStrike">
+                          <a:effectLst/>
+                          <a:hlinkClick r:id="rId13"/>
+                        </a:rPr>
+                        <a:t>FastForestBinaryTrainer</a:t>
+                      </a:r>
+                      <a:r>
+                        <a:rPr lang="en-US">
+                          <a:effectLst/>
+                        </a:rPr>
+                        <a:t> </a:t>
+                      </a:r>
+                      <a:endParaRPr lang="en-US" smtClean="0">
+                        <a:effectLst/>
+                      </a:endParaRPr>
+                    </a:p>
+                    <a:p>
+                      <a:pPr algn="l" fontAlgn="t"/>
+                      <a:r>
+                        <a:rPr lang="en-US" u="none" strike="noStrike" smtClean="0">
+                          <a:effectLst/>
+                          <a:hlinkClick r:id="rId14"/>
+                        </a:rPr>
+                        <a:t>FastForestRegressionTrainer</a:t>
+                      </a:r>
+                      <a:endParaRPr lang="en-US">
+                        <a:effectLst/>
+                      </a:endParaRPr>
+                    </a:p>
+                  </a:txBody>
+                  <a:tcPr marL="152400" marR="152400" marT="114300" marB="114300"/>
+                </a:tc>
+                <a:extLst>
+                  <a:ext uri="{0D108BD9-81ED-4DB2-BD59-A6C34878D82A}">
+                    <a16:rowId xmlns:a16="http://schemas.microsoft.com/office/drawing/2014/main" val="3695453072"/>
+                  </a:ext>
+                </a:extLst>
+              </a:tr>
+              <a:tr h="370840">
+                <a:tc>
+                  <a:txBody>
+                    <a:bodyPr/>
+                    <a:lstStyle/>
+                    <a:p>
+                      <a:pPr algn="l" fontAlgn="t"/>
+                      <a:r>
+                        <a:rPr lang="en-US">
+                          <a:effectLst/>
+                        </a:rPr>
+                        <a:t>Generalized additive model (GAM)</a:t>
+                      </a:r>
+                    </a:p>
+                  </a:txBody>
+                  <a:tcPr marL="152400" marR="152400" marT="114300" marB="114300"/>
+                </a:tc>
+                <a:tc>
+                  <a:txBody>
+                    <a:bodyPr/>
+                    <a:lstStyle/>
+                    <a:p>
+                      <a:pPr algn="l" fontAlgn="t"/>
+                      <a:r>
+                        <a:rPr lang="en-US">
+                          <a:effectLst/>
+                        </a:rPr>
+                        <a:t>Best for problems that perform well with tree algorithms but where explainability is a priority</a:t>
+                      </a:r>
+                    </a:p>
+                  </a:txBody>
+                  <a:tcPr marL="152400" marR="152400" marT="114300" marB="114300"/>
+                </a:tc>
+                <a:tc>
+                  <a:txBody>
+                    <a:bodyPr/>
+                    <a:lstStyle/>
+                    <a:p>
+                      <a:pPr algn="l" fontAlgn="t"/>
+                      <a:r>
+                        <a:rPr lang="en-US" u="none" strike="noStrike">
+                          <a:effectLst/>
+                          <a:hlinkClick r:id="rId15"/>
+                        </a:rPr>
+                        <a:t>GamBinaryTrainer</a:t>
+                      </a:r>
+                      <a:r>
+                        <a:rPr lang="en-US">
+                          <a:effectLst/>
+                        </a:rPr>
+                        <a:t> </a:t>
+                      </a:r>
+                      <a:endParaRPr lang="en-US" smtClean="0">
+                        <a:effectLst/>
+                      </a:endParaRPr>
+                    </a:p>
+                    <a:p>
+                      <a:pPr algn="l" fontAlgn="t"/>
+                      <a:r>
+                        <a:rPr lang="en-US" u="none" strike="noStrike" smtClean="0">
+                          <a:effectLst/>
+                          <a:hlinkClick r:id="rId16"/>
+                        </a:rPr>
+                        <a:t>GamRegressionTrainer</a:t>
+                      </a:r>
+                      <a:endParaRPr lang="en-US">
+                        <a:effectLst/>
+                      </a:endParaRPr>
+                    </a:p>
+                  </a:txBody>
+                  <a:tcPr marL="152400" marR="152400" marT="114300" marB="114300"/>
+                </a:tc>
+                <a:extLst>
+                  <a:ext uri="{0D108BD9-81ED-4DB2-BD59-A6C34878D82A}">
+                    <a16:rowId xmlns:a16="http://schemas.microsoft.com/office/drawing/2014/main" val="1637466269"/>
+                  </a:ext>
+                </a:extLst>
+              </a:tr>
+            </a:tbl>
+          </a:graphicData>
+        </a:graphic>
+      </p:graphicFrame>
+    </p:spTree>
+    <p:extLst>
+      <p:ext uri="{BB962C8B-B14F-4D97-AF65-F5344CB8AC3E}">
+        <p14:creationId xmlns:p14="http://schemas.microsoft.com/office/powerpoint/2010/main" val="456362733"/>
+      </p:ext>
+    </p:extLst>
+  </p:cSld>
+  <p:clrMapOvr>
+    <a:masterClrMapping/>
+  </p:clrMapOvr>
+  <mc:AlternateContent xmlns:mc="http://schemas.openxmlformats.org/markup-compatibility/2006" xmlns:p14="http://schemas.microsoft.com/office/powerpoint/2010/main">
+    <mc:Choice Requires="p14">
+      <p:transition spd="slow" p14:dur="1300">
+        <p14:pan/>
+      </p:transition>
+    </mc:Choice>
+    <mc:Fallback xmlns="">
+      <p:transition spd="slow">
+        <p:fade/>
+      </p:transition>
+    </mc:Fallback>
+  </mc:AlternateContent>
+  <p:timing>
+    <p:tnLst>
+      <p:par>
+        <p:cTn id="1" dur="indefinite" restart="never" nodeType="tmRoot">
+          <p:childTnLst>
+            <p:seq concurrent="1" nextAc="seek">
+              <p:cTn id="2" dur="indefinite" nodeType="mainSeq">
+                <p:childTnLst>
+                  <p:par>
+                    <p:cTn id="3" fill="hold">
+                      <p:stCondLst>
+                        <p:cond delay="indefinite"/>
+                      </p:stCondLst>
+                      <p:childTnLst>
+                        <p:par>
+                          <p:cTn id="4" fill="hold">
+                            <p:stCondLst>
+                              <p:cond delay="0"/>
+                            </p:stCondLst>
+                            <p:childTnLst>
+                              <p:par>
+                                <p:cTn id="5" presetID="42" presetClass="path" presetSubtype="0" accel="50000" decel="50000" fill="hold" nodeType="clickEffect">
+                                  <p:stCondLst>
+                                    <p:cond delay="0"/>
+                                  </p:stCondLst>
+                                  <p:childTnLst>
+                                    <p:animMotion origin="layout" path="M 2.5E-6 -4.44444E-6 L -0.32018 -0.13425 " pathEditMode="relative" rAng="0" ptsTypes="AA">
+                                      <p:cBhvr>
+                                        <p:cTn id="6" dur="2000" fill="hold"/>
+                                        <p:tgtEl>
+                                          <p:spTgt spid="4098"/>
+                                        </p:tgtEl>
+                                        <p:attrNameLst>
+                                          <p:attrName>ppt_x</p:attrName>
+                                          <p:attrName>ppt_y</p:attrName>
+                                        </p:attrNameLst>
+                                      </p:cBhvr>
+                                      <p:rCtr x="-16016" y="-6713"/>
+                                    </p:animMotion>
+                                  </p:childTnLst>
+                                </p:cTn>
+                              </p:par>
+                            </p:childTnLst>
+                          </p:cTn>
+                        </p:par>
+                      </p:childTnLst>
+                    </p:cTn>
+                  </p:par>
+                  <p:par>
+                    <p:cTn id="7" fill="hold">
+                      <p:stCondLst>
+                        <p:cond delay="indefinite"/>
+                      </p:stCondLst>
+                      <p:childTnLst>
+                        <p:par>
+                          <p:cTn id="8" fill="hold">
+                            <p:stCondLst>
+                              <p:cond delay="0"/>
+                            </p:stCondLst>
+                            <p:childTnLst>
+                              <p:par>
+                                <p:cTn id="9" presetID="10" presetClass="entr" presetSubtype="0" fill="hold" nodeType="clickEffect">
+                                  <p:stCondLst>
+                                    <p:cond delay="0"/>
+                                  </p:stCondLst>
+                                  <p:childTnLst>
+                                    <p:set>
+                                      <p:cBhvr>
+                                        <p:cTn id="10" dur="1" fill="hold">
+                                          <p:stCondLst>
+                                            <p:cond delay="0"/>
+                                          </p:stCondLst>
+                                        </p:cTn>
+                                        <p:tgtEl>
+                                          <p:spTgt spid="6"/>
+                                        </p:tgtEl>
+                                        <p:attrNameLst>
+                                          <p:attrName>style.visibility</p:attrName>
+                                        </p:attrNameLst>
+                                      </p:cBhvr>
+                                      <p:to>
+                                        <p:strVal val="visible"/>
+                                      </p:to>
+                                    </p:set>
+                                    <p:animEffect transition="in" filter="fade">
+                                      <p:cBhvr>
+                                        <p:cTn id="11" dur="500"/>
+                                        <p:tgtEl>
+                                          <p:spTgt spid="6"/>
+                                        </p:tgtEl>
+                                      </p:cBhvr>
+                                    </p:animEffect>
+                                  </p:childTnLst>
+                                </p:cTn>
+                              </p:par>
+                            </p:childTnLst>
+                          </p:cTn>
+                        </p:par>
+                      </p:childTnLst>
+                    </p:cTn>
+                  </p:par>
+                  <p:par>
+                    <p:cTn id="12" fill="hold">
+                      <p:stCondLst>
+                        <p:cond delay="indefinite"/>
+                      </p:stCondLst>
+                      <p:childTnLst>
+                        <p:par>
+                          <p:cTn id="13" fill="hold">
+                            <p:stCondLst>
+                              <p:cond delay="0"/>
+                            </p:stCondLst>
+                            <p:childTnLst>
+                              <p:par>
+                                <p:cTn id="14" presetID="10" presetClass="entr" presetSubtype="0" fill="hold" nodeType="clickEffect">
+                                  <p:stCondLst>
+                                    <p:cond delay="0"/>
+                                  </p:stCondLst>
+                                  <p:childTnLst>
+                                    <p:set>
+                                      <p:cBhvr>
+                                        <p:cTn id="15" dur="1" fill="hold">
+                                          <p:stCondLst>
+                                            <p:cond delay="0"/>
+                                          </p:stCondLst>
+                                        </p:cTn>
+                                        <p:tgtEl>
+                                          <p:spTgt spid="7"/>
+                                        </p:tgtEl>
+                                        <p:attrNameLst>
+                                          <p:attrName>style.visibility</p:attrName>
+                                        </p:attrNameLst>
+                                      </p:cBhvr>
+                                      <p:to>
+                                        <p:strVal val="visible"/>
+                                      </p:to>
+                                    </p:set>
+                                    <p:animEffect transition="in" filter="fade">
+                                      <p:cBhvr>
+                                        <p:cTn id="16" dur="500"/>
+                                        <p:tgtEl>
+                                          <p:spTgt spid="7"/>
+                                        </p:tgtEl>
+                                      </p:cBhvr>
+                                    </p:animEffect>
+                                  </p:childTnLst>
+                                </p:cTn>
+                              </p:par>
+                            </p:childTnLst>
+                          </p:cTn>
+                        </p:par>
+                      </p:childTnLst>
+                    </p:cTn>
+                  </p:par>
+                </p:childTnLst>
+              </p:cTn>
+              <p:prevCondLst>
+                <p:cond evt="onPrev" delay="0">
+                  <p:tgtEl>
+                    <p:sldTgt/>
+                  </p:tgtEl>
+                </p:cond>
+              </p:prevCondLst>
+              <p:nextCondLst>
+                <p:cond evt="onNext" delay="0">
+                  <p:tgtEl>
+                    <p:sldTgt/>
+                  </p:tgtEl>
+                </p:cond>
+              </p:nextCondLst>
+            </p:seq>
+          </p:childTnLst>
+        </p:cTn>
+      </p:par>
+    </p:tnLst>
+  </p:timing>
+</p:sld>
+</file>
+
+<file path=ppt/slides/slide6.xml><?xml version="1.0" encoding="utf-8"?>
+<p:sld xmlns:a="http://schemas.openxmlformats.org/drawingml/2006/main" xmlns:r="http://schemas.openxmlformats.org/officeDocument/2006/relationships" xmlns:p="http://schemas.openxmlformats.org/presentationml/2006/main">
+  <p:cSld>
+    <p:spTree>
+      <p:nvGrpSpPr>
+        <p:cNvPr id="1" name=""/>
+        <p:cNvGrpSpPr/>
+        <p:nvPr/>
+      </p:nvGrpSpPr>
+      <p:grpSpPr>
+        <a:xfrm>
+          <a:off x="0" y="0"/>
+          <a:ext cx="0" cy="0"/>
+          <a:chOff x="0" y="0"/>
+          <a:chExt cx="0" cy="0"/>
+        </a:xfrm>
+      </p:grpSpPr>
+      <p:sp>
+        <p:nvSpPr>
+          <p:cNvPr id="2" name="Title 1"/>
+          <p:cNvSpPr>
+            <a:spLocks noGrp="1"/>
+          </p:cNvSpPr>
+          <p:nvPr>
+            <p:ph type="title"/>
+          </p:nvPr>
+        </p:nvSpPr>
+        <p:spPr>
+          <a:xfrm>
+            <a:off x="239058" y="327742"/>
+            <a:ext cx="11687733" cy="1450757"/>
+          </a:xfrm>
+        </p:spPr>
+        <p:txBody>
+          <a:bodyPr>
+            <a:normAutofit/>
+          </a:bodyPr>
+          <a:lstStyle/>
+          <a:p>
+            <a:pPr algn="ctr"/>
+            <a:r>
+              <a:rPr lang="en-US" sz="5400"/>
+              <a:t>Giải quyết Machine Learning </a:t>
+            </a:r>
+            <a:r>
+              <a:rPr lang="en-US" sz="5400" smtClean="0"/>
+              <a:t>với </a:t>
+            </a:r>
+            <a:r>
+              <a:rPr lang="en-US" sz="5400" smtClean="0"/>
+              <a:t>ML.NET</a:t>
+            </a:r>
+            <a:endParaRPr lang="en-US" sz="5400" dirty="0"/>
+          </a:p>
+        </p:txBody>
+      </p:sp>
+      <p:pic>
+        <p:nvPicPr>
+          <p:cNvPr id="6" name="Picture 5"/>
+          <p:cNvPicPr>
+            <a:picLocks noChangeAspect="1"/>
+          </p:cNvPicPr>
+          <p:nvPr/>
+        </p:nvPicPr>
+        <p:blipFill>
+          <a:blip r:embed="rId2"/>
+          <a:stretch>
+            <a:fillRect/>
+          </a:stretch>
+        </p:blipFill>
+        <p:spPr>
+          <a:xfrm>
+            <a:off x="239058" y="1845734"/>
+            <a:ext cx="3647141" cy="4875073"/>
+          </a:xfrm>
+          <a:prstGeom prst="roundRect">
+            <a:avLst>
+              <a:gd name="adj" fmla="val 8594"/>
+            </a:avLst>
+          </a:prstGeom>
+          <a:solidFill>
+            <a:srgbClr val="FFFFFF">
+              <a:shade val="85000"/>
+            </a:srgbClr>
+          </a:solidFill>
+          <a:ln>
+            <a:noFill/>
+          </a:ln>
+          <a:effectLst>
+            <a:reflection blurRad="12700" stA="38000" endPos="28000" dist="5000" dir="5400000" sy="-100000" algn="bl" rotWithShape="0"/>
+          </a:effectLst>
+        </p:spPr>
+      </p:pic>
+      <p:pic>
+        <p:nvPicPr>
+          <p:cNvPr id="7" name="Picture 6"/>
+          <p:cNvPicPr>
+            <a:picLocks noChangeAspect="1"/>
+          </p:cNvPicPr>
+          <p:nvPr/>
+        </p:nvPicPr>
+        <p:blipFill>
+          <a:blip r:embed="rId3"/>
+          <a:stretch>
+            <a:fillRect/>
+          </a:stretch>
+        </p:blipFill>
+        <p:spPr>
+          <a:xfrm>
+            <a:off x="4230891" y="2139846"/>
+            <a:ext cx="7783011" cy="4286848"/>
+          </a:xfrm>
+          <a:prstGeom prst="roundRect">
+            <a:avLst>
+              <a:gd name="adj" fmla="val 8594"/>
+            </a:avLst>
+          </a:prstGeom>
+          <a:solidFill>
+            <a:srgbClr val="FFFFFF">
+              <a:shade val="85000"/>
+            </a:srgbClr>
+          </a:solidFill>
+          <a:ln>
+            <a:noFill/>
+          </a:ln>
+          <a:effectLst>
+            <a:reflection blurRad="12700" stA="38000" endPos="28000" dist="5000" dir="5400000" sy="-100000" algn="bl" rotWithShape="0"/>
+          </a:effectLst>
+        </p:spPr>
+      </p:pic>
+    </p:spTree>
+    <p:extLst>
+      <p:ext uri="{BB962C8B-B14F-4D97-AF65-F5344CB8AC3E}">
+        <p14:creationId xmlns:p14="http://schemas.microsoft.com/office/powerpoint/2010/main" val="2870745323"/>
+      </p:ext>
+    </p:extLst>
+  </p:cSld>
+  <p:clrMapOvr>
+    <a:masterClrMapping/>
+  </p:clrMapOvr>
+  <mc:AlternateContent xmlns:mc="http://schemas.openxmlformats.org/markup-compatibility/2006" xmlns:p14="http://schemas.microsoft.com/office/powerpoint/2010/main">
+    <mc:Choice Requires="p14">
+      <p:transition spd="slow" p14:dur="1300">
+        <p14:pan/>
+      </p:transition>
+    </mc:Choice>
+    <mc:Fallback xmlns="">
+      <p:transition spd="slow">
+        <p:fade/>
+      </p:transition>
+    </mc:Fallback>
+  </mc:AlternateContent>
+  <p:timing>
+    <p:tnLst>
+      <p:par>
+        <p:cTn id="1" dur="indefinite" restart="never" nodeType="tmRoot"/>
+      </p:par>
+    </p:tnLst>
+  </p:timing>
+</p:sld>
+</file>
+
+<file path=ppt/slides/slide7.xml><?xml version="1.0" encoding="utf-8"?>
+<p:sld xmlns:a="http://schemas.openxmlformats.org/drawingml/2006/main" xmlns:r="http://schemas.openxmlformats.org/officeDocument/2006/relationships" xmlns:p="http://schemas.openxmlformats.org/presentationml/2006/main">
+  <p:cSld>
+    <p:spTree>
+      <p:nvGrpSpPr>
+        <p:cNvPr id="1" name=""/>
+        <p:cNvGrpSpPr/>
+        <p:nvPr/>
+      </p:nvGrpSpPr>
+      <p:grpSpPr>
+        <a:xfrm>
+          <a:off x="0" y="0"/>
+          <a:ext cx="0" cy="0"/>
+          <a:chOff x="0" y="0"/>
+          <a:chExt cx="0" cy="0"/>
+        </a:xfrm>
+      </p:grpSpPr>
+      <p:sp>
+        <p:nvSpPr>
+          <p:cNvPr id="2" name="Title 1"/>
+          <p:cNvSpPr>
+            <a:spLocks noGrp="1"/>
+          </p:cNvSpPr>
+          <p:nvPr>
+            <p:ph type="title"/>
+          </p:nvPr>
+        </p:nvSpPr>
+        <p:spPr>
+          <a:xfrm>
+            <a:off x="655918" y="394977"/>
+            <a:ext cx="11687733" cy="1450757"/>
+          </a:xfrm>
+        </p:spPr>
+        <p:txBody>
+          <a:bodyPr/>
+          <a:lstStyle/>
+          <a:p>
+            <a:r>
+              <a:rPr lang="en-US"/>
+              <a:t>Giải quyết Machine Learning </a:t>
+            </a:r>
+            <a:r>
+              <a:rPr lang="en-US" smtClean="0"/>
+              <a:t>với Microsoft.ML</a:t>
+            </a:r>
+            <a:endParaRPr lang="en-US" dirty="0"/>
+          </a:p>
+        </p:txBody>
+      </p:sp>
+      <p:pic>
+        <p:nvPicPr>
+          <p:cNvPr id="4" name="Picture 3"/>
+          <p:cNvPicPr>
+            <a:picLocks noChangeAspect="1"/>
+          </p:cNvPicPr>
+          <p:nvPr/>
+        </p:nvPicPr>
+        <p:blipFill>
+          <a:blip r:embed="rId2"/>
+          <a:stretch>
+            <a:fillRect/>
+          </a:stretch>
+        </p:blipFill>
+        <p:spPr>
+          <a:xfrm>
+            <a:off x="2531457" y="1845734"/>
+            <a:ext cx="7190046" cy="4324524"/>
+          </a:xfrm>
+          <a:prstGeom prst="roundRect">
+            <a:avLst>
+              <a:gd name="adj" fmla="val 8594"/>
+            </a:avLst>
+          </a:prstGeom>
+          <a:solidFill>
+            <a:srgbClr val="FFFFFF">
+              <a:shade val="85000"/>
+            </a:srgbClr>
+          </a:solidFill>
+          <a:ln>
+            <a:noFill/>
+          </a:ln>
+          <a:effectLst>
+            <a:reflection blurRad="12700" stA="38000" endPos="28000" dist="5000" dir="5400000" sy="-100000" algn="bl" rotWithShape="0"/>
+          </a:effectLst>
+        </p:spPr>
+      </p:pic>
+    </p:spTree>
+    <p:extLst>
+      <p:ext uri="{BB962C8B-B14F-4D97-AF65-F5344CB8AC3E}">
+        <p14:creationId xmlns:p14="http://schemas.microsoft.com/office/powerpoint/2010/main" val="2091975754"/>
+      </p:ext>
+    </p:extLst>
+  </p:cSld>
+  <p:clrMapOvr>
+    <a:masterClrMapping/>
+  </p:clrMapOvr>
+  <mc:AlternateContent xmlns:mc="http://schemas.openxmlformats.org/markup-compatibility/2006" xmlns:p14="http://schemas.microsoft.com/office/powerpoint/2010/main">
+    <mc:Choice Requires="p14">
+      <p:transition spd="slow" p14:dur="1300">
+        <p14:pan/>
+      </p:transition>
+    </mc:Choice>
+    <mc:Fallback xmlns="">
+      <p:transition spd="slow">
+        <p:fade/>
+      </p:transition>
+    </mc:Fallback>
+  </mc:AlternateContent>
+  <p:timing>
+    <p:tnLst>
+      <p:par>
+        <p:cTn id="1" dur="indefinite" restart="never" nodeType="tmRoot"/>
+      </p:par>
+    </p:tnLst>
+  </p:timing>
+</p:sld>
+</file>
+
+<file path=ppt/slides/slide8.xml><?xml version="1.0" encoding="utf-8"?>
+<p:sld xmlns:a="http://schemas.openxmlformats.org/drawingml/2006/main" xmlns:r="http://schemas.openxmlformats.org/officeDocument/2006/relationships" xmlns:p="http://schemas.openxmlformats.org/presentationml/2006/main">
+  <p:cSld>
+    <p:spTree>
+      <p:nvGrpSpPr>
+        <p:cNvPr id="1" name=""/>
+        <p:cNvGrpSpPr/>
+        <p:nvPr/>
+      </p:nvGrpSpPr>
+      <p:grpSpPr>
+        <a:xfrm>
+          <a:off x="0" y="0"/>
+          <a:ext cx="0" cy="0"/>
+          <a:chOff x="0" y="0"/>
+          <a:chExt cx="0" cy="0"/>
+        </a:xfrm>
+      </p:grpSpPr>
+      <p:sp>
+        <p:nvSpPr>
+          <p:cNvPr id="2" name="Title 1"/>
+          <p:cNvSpPr>
+            <a:spLocks noGrp="1"/>
+          </p:cNvSpPr>
+          <p:nvPr>
+            <p:ph type="title"/>
+          </p:nvPr>
+        </p:nvSpPr>
+        <p:spPr>
+          <a:xfrm>
+            <a:off x="252505" y="394977"/>
+            <a:ext cx="11687733" cy="1450757"/>
+          </a:xfrm>
+        </p:spPr>
+        <p:txBody>
+          <a:bodyPr>
+            <a:noAutofit/>
+          </a:bodyPr>
+          <a:lstStyle/>
+          <a:p>
+            <a:pPr algn="ctr"/>
+            <a:r>
+              <a:rPr lang="en-US"/>
+              <a:t>Giải quyết Machine Learning </a:t>
+            </a:r>
+            <a:r>
+              <a:rPr lang="en-US" smtClean="0"/>
+              <a:t>với Microsoft.ML</a:t>
+            </a:r>
+            <a:endParaRPr lang="en-US" dirty="0"/>
+          </a:p>
+        </p:txBody>
+      </p:sp>
+      <p:pic>
+        <p:nvPicPr>
+          <p:cNvPr id="5" name="Picture 4"/>
+          <p:cNvPicPr>
+            <a:picLocks noChangeAspect="1"/>
+          </p:cNvPicPr>
+          <p:nvPr/>
+        </p:nvPicPr>
+        <p:blipFill>
+          <a:blip r:embed="rId2"/>
+          <a:stretch>
+            <a:fillRect/>
+          </a:stretch>
+        </p:blipFill>
+        <p:spPr>
+          <a:xfrm>
+            <a:off x="2009153" y="1845734"/>
+            <a:ext cx="8174435" cy="4411730"/>
+          </a:xfrm>
+          <a:prstGeom prst="roundRect">
+            <a:avLst>
+              <a:gd name="adj" fmla="val 8594"/>
+            </a:avLst>
+          </a:prstGeom>
+          <a:solidFill>
+            <a:srgbClr val="FFFFFF">
+              <a:shade val="85000"/>
+            </a:srgbClr>
+          </a:solidFill>
+          <a:ln>
+            <a:noFill/>
+          </a:ln>
+          <a:effectLst>
+            <a:reflection blurRad="12700" stA="38000" endPos="28000" dist="5000" dir="5400000" sy="-100000" algn="bl" rotWithShape="0"/>
+          </a:effectLst>
+        </p:spPr>
+      </p:pic>
+    </p:spTree>
+    <p:extLst>
+      <p:ext uri="{BB962C8B-B14F-4D97-AF65-F5344CB8AC3E}">
+        <p14:creationId xmlns:p14="http://schemas.microsoft.com/office/powerpoint/2010/main" val="2320085264"/>
       </p:ext>
     </p:extLst>
   </p:cSld>
@@ -11150,9 +15103,41 @@
           <a:chExt cx="0" cy="0"/>
         </a:xfrm>
       </p:grpSpPr>
+      <p:sp>
+        <p:nvSpPr>
+          <p:cNvPr id="2" name="Title 1"/>
+          <p:cNvSpPr>
+            <a:spLocks noGrp="1"/>
+          </p:cNvSpPr>
+          <p:nvPr>
+            <p:ph type="title"/>
+          </p:nvPr>
+        </p:nvSpPr>
+        <p:spPr>
+          <a:xfrm>
+            <a:off x="521447" y="407626"/>
+            <a:ext cx="11687733" cy="1450757"/>
+          </a:xfrm>
+        </p:spPr>
+        <p:txBody>
+          <a:bodyPr/>
+          <a:lstStyle/>
+          <a:p>
+            <a:r>
+              <a:rPr lang="en-US"/>
+              <a:t>Giải quyết Machine Learning </a:t>
+            </a:r>
+            <a:r>
+              <a:rPr lang="en-US" smtClean="0"/>
+              <a:t>với Microsoft.ML</a:t>
+            </a:r>
+            <a:endParaRPr lang="en-US" dirty="0"/>
+          </a:p>
+        </p:txBody>
+      </p:sp>
       <p:pic>
         <p:nvPicPr>
-          <p:cNvPr id="7" name="Picture 6"/>
+          <p:cNvPr id="4" name="Picture 3"/>
           <p:cNvPicPr>
             <a:picLocks noChangeAspect="1"/>
           </p:cNvPicPr>
@@ -11166,18 +15151,31 @@
         </p:blipFill>
         <p:spPr>
           <a:xfrm>
-            <a:off x="0" y="0"/>
-            <a:ext cx="12171661" cy="5824025"/>
+            <a:off x="2163530" y="1858383"/>
+            <a:ext cx="8403565" cy="4366807"/>
           </a:xfrm>
-          <a:prstGeom prst="rect">
-            <a:avLst/>
+          <a:prstGeom prst="roundRect">
+            <a:avLst>
+              <a:gd name="adj" fmla="val 8594"/>
+            </a:avLst>
           </a:prstGeom>
+          <a:solidFill>
+            <a:srgbClr val="FFFFFF">
+              <a:shade val="85000"/>
+            </a:srgbClr>
+          </a:solidFill>
+          <a:ln>
+            <a:noFill/>
+          </a:ln>
+          <a:effectLst>
+            <a:reflection blurRad="12700" stA="38000" endPos="28000" dist="5000" dir="5400000" sy="-100000" algn="bl" rotWithShape="0"/>
+          </a:effectLst>
         </p:spPr>
       </p:pic>
     </p:spTree>
     <p:extLst>
       <p:ext uri="{BB962C8B-B14F-4D97-AF65-F5344CB8AC3E}">
-        <p14:creationId xmlns:p14="http://schemas.microsoft.com/office/powerpoint/2010/main" val="1903007198"/>
+        <p14:creationId xmlns:p14="http://schemas.microsoft.com/office/powerpoint/2010/main" val="857888361"/>
       </p:ext>
     </p:extLst>
   </p:cSld>
